--- a/slide/chapter00_01.pptx
+++ b/slide/chapter00_01.pptx
@@ -240,7 +240,7 @@
           <a:p>
             <a:fld id="{29390878-AFCD-49E6-A91A-D3D82D9E9D55}" type="datetimeFigureOut">
               <a:rPr lang="ko-KR" altLang="en-US" smtClean="0"/>
-              <a:t>2019-02-13</a:t>
+              <a:t>2019-02-16</a:t>
             </a:fld>
             <a:endParaRPr lang="ko-KR" altLang="en-US"/>
           </a:p>
@@ -417,7 +417,7 @@
           <a:p>
             <a:fld id="{459417EB-76F7-4DE7-93AA-C880C553CE34}" type="datetimeFigureOut">
               <a:rPr lang="ko-KR" altLang="en-US" smtClean="0"/>
-              <a:t>2019-02-13</a:t>
+              <a:t>2019-02-16</a:t>
             </a:fld>
             <a:endParaRPr lang="ko-KR" altLang="en-US"/>
           </a:p>
@@ -1932,63 +1932,6 @@
           </a:p>
         </p:txBody>
       </p:sp>
-      <p:sp>
-        <p:nvSpPr>
-          <p:cNvPr id="14" name="텍스트 개체 틀 15">
-            <a:extLst>
-              <a:ext uri="{FF2B5EF4-FFF2-40B4-BE49-F238E27FC236}">
-                <a16:creationId xmlns:a16="http://schemas.microsoft.com/office/drawing/2014/main" id="{E833FE27-D81B-4BD3-838C-88B7BEC0B521}"/>
-              </a:ext>
-            </a:extLst>
-          </p:cNvPr>
-          <p:cNvSpPr>
-            <a:spLocks noGrp="1"/>
-          </p:cNvSpPr>
-          <p:nvPr>
-            <p:ph type="body" sz="quarter" idx="10" hasCustomPrompt="1"/>
-          </p:nvPr>
-        </p:nvSpPr>
-        <p:spPr>
-          <a:xfrm>
-            <a:off x="682259" y="110625"/>
-            <a:ext cx="386922" cy="222136"/>
-          </a:xfrm>
-          <a:prstGeom prst="rect">
-            <a:avLst/>
-          </a:prstGeom>
-        </p:spPr>
-        <p:txBody>
-          <a:bodyPr/>
-          <a:lstStyle>
-            <a:lvl1pPr marL="0" indent="0">
-              <a:buNone/>
-              <a:defRPr lang="ko-KR" altLang="en-US" sz="1050" b="1" kern="1200">
-                <a:ln>
-                  <a:solidFill>
-                    <a:schemeClr val="tx1">
-                      <a:alpha val="0"/>
-                    </a:schemeClr>
-                  </a:solidFill>
-                </a:ln>
-                <a:solidFill>
-                  <a:schemeClr val="tx1"/>
-                </a:solidFill>
-                <a:latin typeface="Gotham" panose="02000604030000020004" pitchFamily="50" charset="0"/>
-                <a:ea typeface="+mn-ea"/>
-                <a:cs typeface="+mn-cs"/>
-              </a:defRPr>
-            </a:lvl1pPr>
-          </a:lstStyle>
-          <a:p>
-            <a:pPr lvl="0"/>
-            <a:r>
-              <a:rPr lang="en-US" altLang="ko-KR"/>
-              <a:t>00</a:t>
-            </a:r>
-            <a:endParaRPr lang="ko-KR" altLang="en-US"/>
-          </a:p>
-        </p:txBody>
-      </p:sp>
       <p:cxnSp>
         <p:nvCxnSpPr>
           <p:cNvPr id="16" name="직선 연결선 15">
@@ -2032,69 +1975,6 @@
           </a:fontRef>
         </p:style>
       </p:cxnSp>
-      <p:sp>
-        <p:nvSpPr>
-          <p:cNvPr id="3" name="내용 개체 틀 2">
-            <a:extLst>
-              <a:ext uri="{FF2B5EF4-FFF2-40B4-BE49-F238E27FC236}">
-                <a16:creationId xmlns:a16="http://schemas.microsoft.com/office/drawing/2014/main" id="{F3613B8B-683C-4498-8B71-325E011C51AD}"/>
-              </a:ext>
-            </a:extLst>
-          </p:cNvPr>
-          <p:cNvSpPr>
-            <a:spLocks noGrp="1"/>
-          </p:cNvSpPr>
-          <p:nvPr>
-            <p:ph sz="quarter" idx="11" hasCustomPrompt="1"/>
-          </p:nvPr>
-        </p:nvSpPr>
-        <p:spPr>
-          <a:xfrm>
-            <a:off x="914559" y="110568"/>
-            <a:ext cx="2200592" cy="222250"/>
-          </a:xfrm>
-          <a:prstGeom prst="rect">
-            <a:avLst/>
-          </a:prstGeom>
-          <a:ln>
-            <a:noFill/>
-          </a:ln>
-        </p:spPr>
-        <p:txBody>
-          <a:bodyPr/>
-          <a:lstStyle>
-            <a:lvl1pPr marL="0" indent="0">
-              <a:buNone/>
-              <a:defRPr sz="1000">
-                <a:ln>
-                  <a:solidFill>
-                    <a:schemeClr val="tx1">
-                      <a:alpha val="0"/>
-                    </a:schemeClr>
-                  </a:solidFill>
-                </a:ln>
-                <a:solidFill>
-                  <a:srgbClr val="EF234B"/>
-                </a:solidFill>
-                <a:latin typeface="Noto Sans CJK KR Medium" panose="020B0600000000000000" pitchFamily="34" charset="-127"/>
-                <a:ea typeface="Noto Sans CJK KR Medium" panose="020B0600000000000000" pitchFamily="34" charset="-127"/>
-              </a:defRPr>
-            </a:lvl1pPr>
-          </a:lstStyle>
-          <a:p>
-            <a:pPr lvl="0"/>
-            <a:r>
-              <a:rPr lang="ko-KR" altLang="en-US"/>
-              <a:t>챕터명을 적어주세요</a:t>
-            </a:r>
-            <a:r>
-              <a:rPr lang="en-US" altLang="ko-KR"/>
-              <a:t>.</a:t>
-            </a:r>
-            <a:endParaRPr lang="ko-KR" altLang="en-US"/>
-          </a:p>
-        </p:txBody>
-      </p:sp>
       <p:grpSp>
         <p:nvGrpSpPr>
           <p:cNvPr id="9" name="Group 2">
@@ -2241,6 +2121,130 @@
           </p:spPr>
         </p:pic>
       </p:grpSp>
+      <p:sp>
+        <p:nvSpPr>
+          <p:cNvPr id="17" name="텍스트 개체 틀 15">
+            <a:extLst>
+              <a:ext uri="{FF2B5EF4-FFF2-40B4-BE49-F238E27FC236}">
+                <a16:creationId xmlns:a16="http://schemas.microsoft.com/office/drawing/2014/main" id="{BB3CDE78-36DF-41A8-8561-72AC6894AD3A}"/>
+              </a:ext>
+            </a:extLst>
+          </p:cNvPr>
+          <p:cNvSpPr>
+            <a:spLocks noGrp="1"/>
+          </p:cNvSpPr>
+          <p:nvPr>
+            <p:ph type="body" sz="quarter" idx="10" hasCustomPrompt="1"/>
+          </p:nvPr>
+        </p:nvSpPr>
+        <p:spPr>
+          <a:xfrm>
+            <a:off x="577751" y="119334"/>
+            <a:ext cx="386922" cy="222136"/>
+          </a:xfrm>
+          <a:prstGeom prst="rect">
+            <a:avLst/>
+          </a:prstGeom>
+        </p:spPr>
+        <p:txBody>
+          <a:bodyPr/>
+          <a:lstStyle>
+            <a:lvl1pPr marL="0" indent="0">
+              <a:buNone/>
+              <a:defRPr lang="ko-KR" altLang="en-US" sz="1050" b="1" kern="1200">
+                <a:ln>
+                  <a:solidFill>
+                    <a:schemeClr val="tx1">
+                      <a:alpha val="0"/>
+                    </a:schemeClr>
+                  </a:solidFill>
+                </a:ln>
+                <a:solidFill>
+                  <a:schemeClr val="tx1"/>
+                </a:solidFill>
+                <a:latin typeface="Gotham" panose="02000604030000020004" pitchFamily="50" charset="0"/>
+                <a:ea typeface="+mn-ea"/>
+                <a:cs typeface="+mn-cs"/>
+              </a:defRPr>
+            </a:lvl1pPr>
+          </a:lstStyle>
+          <a:p>
+            <a:pPr lvl="0"/>
+            <a:r>
+              <a:rPr lang="en-US" altLang="ko-KR" dirty="0"/>
+              <a:t>00</a:t>
+            </a:r>
+            <a:endParaRPr lang="ko-KR" altLang="en-US" dirty="0"/>
+          </a:p>
+        </p:txBody>
+      </p:sp>
+      <p:sp>
+        <p:nvSpPr>
+          <p:cNvPr id="18" name="내용 개체 틀 2">
+            <a:extLst>
+              <a:ext uri="{FF2B5EF4-FFF2-40B4-BE49-F238E27FC236}">
+                <a16:creationId xmlns:a16="http://schemas.microsoft.com/office/drawing/2014/main" id="{8431E13E-EEC0-4C50-83C8-9372BF0E64C2}"/>
+              </a:ext>
+            </a:extLst>
+          </p:cNvPr>
+          <p:cNvSpPr>
+            <a:spLocks noGrp="1"/>
+          </p:cNvSpPr>
+          <p:nvPr>
+            <p:ph sz="quarter" idx="11" hasCustomPrompt="1"/>
+          </p:nvPr>
+        </p:nvSpPr>
+        <p:spPr>
+          <a:xfrm>
+            <a:off x="757797" y="119277"/>
+            <a:ext cx="2200592" cy="222250"/>
+          </a:xfrm>
+          <a:prstGeom prst="rect">
+            <a:avLst/>
+          </a:prstGeom>
+          <a:ln>
+            <a:noFill/>
+          </a:ln>
+        </p:spPr>
+        <p:txBody>
+          <a:bodyPr/>
+          <a:lstStyle>
+            <a:lvl1pPr marL="0" indent="0">
+              <a:buNone/>
+              <a:defRPr sz="1000">
+                <a:ln>
+                  <a:solidFill>
+                    <a:schemeClr val="tx1">
+                      <a:alpha val="0"/>
+                    </a:schemeClr>
+                  </a:solidFill>
+                </a:ln>
+                <a:solidFill>
+                  <a:schemeClr val="tx1"/>
+                </a:solidFill>
+                <a:latin typeface="Noto Sans CJK KR Medium" panose="020B0600000000000000" pitchFamily="34" charset="-127"/>
+                <a:ea typeface="Noto Sans CJK KR Medium" panose="020B0600000000000000" pitchFamily="34" charset="-127"/>
+              </a:defRPr>
+            </a:lvl1pPr>
+          </a:lstStyle>
+          <a:p>
+            <a:pPr lvl="0"/>
+            <a:r>
+              <a:rPr lang="ko-KR" altLang="en-US" dirty="0" err="1"/>
+              <a:t>챕터명을</a:t>
+            </a:r>
+            <a:r>
+              <a:rPr lang="ko-KR" altLang="en-US" dirty="0"/>
+              <a:t> 적어주세요</a:t>
+            </a:r>
+            <a:r>
+              <a:rPr lang="en-US" altLang="ko-KR" dirty="0"/>
+              <a:t>.</a:t>
+            </a:r>
+            <a:endParaRPr lang="ko-KR" altLang="en-US" dirty="0"/>
+          </a:p>
+        </p:txBody>
+      </p:sp>
     </p:spTree>
     <p:extLst>
       <p:ext uri="{BB962C8B-B14F-4D97-AF65-F5344CB8AC3E}">
@@ -2963,7 +2967,7 @@
         </p:nvSpPr>
         <p:spPr>
           <a:xfrm>
-            <a:off x="682259" y="110625"/>
+            <a:off x="577751" y="119334"/>
             <a:ext cx="386922" cy="222136"/>
           </a:xfrm>
           <a:prstGeom prst="rect">
@@ -2995,10 +2999,10 @@
           <a:p>
             <a:pPr lvl="0"/>
             <a:r>
-              <a:rPr lang="en-US" altLang="ko-KR"/>
+              <a:rPr lang="en-US" altLang="ko-KR" dirty="0"/>
               <a:t>00</a:t>
             </a:r>
-            <a:endParaRPr lang="ko-KR" altLang="en-US"/>
+            <a:endParaRPr lang="ko-KR" altLang="en-US" dirty="0"/>
           </a:p>
         </p:txBody>
       </p:sp>
@@ -3063,7 +3067,7 @@
         </p:nvSpPr>
         <p:spPr>
           <a:xfrm>
-            <a:off x="914559" y="110568"/>
+            <a:off x="757797" y="119277"/>
             <a:ext cx="2200592" cy="222250"/>
           </a:xfrm>
           <a:prstGeom prst="rect">
@@ -3087,7 +3091,7 @@
                   </a:solidFill>
                 </a:ln>
                 <a:solidFill>
-                  <a:srgbClr val="EF234B"/>
+                  <a:schemeClr val="tx1"/>
                 </a:solidFill>
                 <a:latin typeface="Noto Sans CJK KR Medium" panose="020B0600000000000000" pitchFamily="34" charset="-127"/>
                 <a:ea typeface="Noto Sans CJK KR Medium" panose="020B0600000000000000" pitchFamily="34" charset="-127"/>
@@ -3494,63 +3498,6 @@
           </a:p>
         </p:txBody>
       </p:sp>
-      <p:sp>
-        <p:nvSpPr>
-          <p:cNvPr id="14" name="텍스트 개체 틀 15">
-            <a:extLst>
-              <a:ext uri="{FF2B5EF4-FFF2-40B4-BE49-F238E27FC236}">
-                <a16:creationId xmlns:a16="http://schemas.microsoft.com/office/drawing/2014/main" id="{E833FE27-D81B-4BD3-838C-88B7BEC0B521}"/>
-              </a:ext>
-            </a:extLst>
-          </p:cNvPr>
-          <p:cNvSpPr>
-            <a:spLocks noGrp="1"/>
-          </p:cNvSpPr>
-          <p:nvPr>
-            <p:ph type="body" sz="quarter" idx="10" hasCustomPrompt="1"/>
-          </p:nvPr>
-        </p:nvSpPr>
-        <p:spPr>
-          <a:xfrm>
-            <a:off x="682259" y="110625"/>
-            <a:ext cx="386922" cy="222136"/>
-          </a:xfrm>
-          <a:prstGeom prst="rect">
-            <a:avLst/>
-          </a:prstGeom>
-        </p:spPr>
-        <p:txBody>
-          <a:bodyPr/>
-          <a:lstStyle>
-            <a:lvl1pPr marL="0" indent="0">
-              <a:buNone/>
-              <a:defRPr lang="ko-KR" altLang="en-US" sz="1050" b="1" kern="1200">
-                <a:ln>
-                  <a:solidFill>
-                    <a:schemeClr val="tx1">
-                      <a:alpha val="0"/>
-                    </a:schemeClr>
-                  </a:solidFill>
-                </a:ln>
-                <a:solidFill>
-                  <a:schemeClr val="tx1"/>
-                </a:solidFill>
-                <a:latin typeface="Gotham" panose="02000604030000020004" pitchFamily="50" charset="0"/>
-                <a:ea typeface="+mn-ea"/>
-                <a:cs typeface="+mn-cs"/>
-              </a:defRPr>
-            </a:lvl1pPr>
-          </a:lstStyle>
-          <a:p>
-            <a:pPr lvl="0"/>
-            <a:r>
-              <a:rPr lang="en-US" altLang="ko-KR"/>
-              <a:t>00</a:t>
-            </a:r>
-            <a:endParaRPr lang="ko-KR" altLang="en-US"/>
-          </a:p>
-        </p:txBody>
-      </p:sp>
       <p:cxnSp>
         <p:nvCxnSpPr>
           <p:cNvPr id="16" name="직선 연결선 15">
@@ -3594,73 +3541,6 @@
           </a:fontRef>
         </p:style>
       </p:cxnSp>
-      <p:sp>
-        <p:nvSpPr>
-          <p:cNvPr id="3" name="내용 개체 틀 2">
-            <a:extLst>
-              <a:ext uri="{FF2B5EF4-FFF2-40B4-BE49-F238E27FC236}">
-                <a16:creationId xmlns:a16="http://schemas.microsoft.com/office/drawing/2014/main" id="{F3613B8B-683C-4498-8B71-325E011C51AD}"/>
-              </a:ext>
-            </a:extLst>
-          </p:cNvPr>
-          <p:cNvSpPr>
-            <a:spLocks noGrp="1"/>
-          </p:cNvSpPr>
-          <p:nvPr>
-            <p:ph sz="quarter" idx="11" hasCustomPrompt="1"/>
-          </p:nvPr>
-        </p:nvSpPr>
-        <p:spPr>
-          <a:xfrm>
-            <a:off x="914559" y="110568"/>
-            <a:ext cx="2200592" cy="222250"/>
-          </a:xfrm>
-          <a:prstGeom prst="rect">
-            <a:avLst/>
-          </a:prstGeom>
-          <a:ln>
-            <a:noFill/>
-          </a:ln>
-        </p:spPr>
-        <p:txBody>
-          <a:bodyPr/>
-          <a:lstStyle>
-            <a:lvl1pPr marL="0" indent="0">
-              <a:buNone/>
-              <a:defRPr sz="1000">
-                <a:ln>
-                  <a:solidFill>
-                    <a:schemeClr val="tx1">
-                      <a:alpha val="0"/>
-                    </a:schemeClr>
-                  </a:solidFill>
-                </a:ln>
-                <a:solidFill>
-                  <a:srgbClr val="EF234B"/>
-                </a:solidFill>
-                <a:latin typeface="Noto Sans CJK KR Medium" panose="020B0600000000000000" pitchFamily="34" charset="-127"/>
-                <a:ea typeface="Noto Sans CJK KR Medium" panose="020B0600000000000000" pitchFamily="34" charset="-127"/>
-              </a:defRPr>
-            </a:lvl1pPr>
-          </a:lstStyle>
-          <a:p>
-            <a:pPr lvl="0"/>
-            <a:r>
-              <a:rPr lang="ko-KR" altLang="en-US" dirty="0" err="1"/>
-              <a:t>챕터명을</a:t>
-            </a:r>
-            <a:r>
-              <a:rPr lang="ko-KR" altLang="en-US" dirty="0"/>
-              <a:t> 적어주세요</a:t>
-            </a:r>
-            <a:r>
-              <a:rPr lang="en-US" altLang="ko-KR" dirty="0"/>
-              <a:t>.</a:t>
-            </a:r>
-            <a:endParaRPr lang="ko-KR" altLang="en-US" dirty="0"/>
-          </a:p>
-        </p:txBody>
-      </p:sp>
       <p:sp>
         <p:nvSpPr>
           <p:cNvPr id="4" name="텍스트 개체 틀 3">
@@ -3795,6 +3675,130 @@
           </a:p>
         </p:txBody>
       </p:sp>
+      <p:sp>
+        <p:nvSpPr>
+          <p:cNvPr id="12" name="텍스트 개체 틀 15">
+            <a:extLst>
+              <a:ext uri="{FF2B5EF4-FFF2-40B4-BE49-F238E27FC236}">
+                <a16:creationId xmlns:a16="http://schemas.microsoft.com/office/drawing/2014/main" id="{C6822385-EA49-45B4-85FC-41FEAB3F4C87}"/>
+              </a:ext>
+            </a:extLst>
+          </p:cNvPr>
+          <p:cNvSpPr>
+            <a:spLocks noGrp="1"/>
+          </p:cNvSpPr>
+          <p:nvPr>
+            <p:ph type="body" sz="quarter" idx="10" hasCustomPrompt="1"/>
+          </p:nvPr>
+        </p:nvSpPr>
+        <p:spPr>
+          <a:xfrm>
+            <a:off x="577751" y="119334"/>
+            <a:ext cx="386922" cy="222136"/>
+          </a:xfrm>
+          <a:prstGeom prst="rect">
+            <a:avLst/>
+          </a:prstGeom>
+        </p:spPr>
+        <p:txBody>
+          <a:bodyPr/>
+          <a:lstStyle>
+            <a:lvl1pPr marL="0" indent="0">
+              <a:buNone/>
+              <a:defRPr lang="ko-KR" altLang="en-US" sz="1050" b="1" kern="1200">
+                <a:ln>
+                  <a:solidFill>
+                    <a:schemeClr val="tx1">
+                      <a:alpha val="0"/>
+                    </a:schemeClr>
+                  </a:solidFill>
+                </a:ln>
+                <a:solidFill>
+                  <a:schemeClr val="tx1"/>
+                </a:solidFill>
+                <a:latin typeface="Gotham" panose="02000604030000020004" pitchFamily="50" charset="0"/>
+                <a:ea typeface="+mn-ea"/>
+                <a:cs typeface="+mn-cs"/>
+              </a:defRPr>
+            </a:lvl1pPr>
+          </a:lstStyle>
+          <a:p>
+            <a:pPr lvl="0"/>
+            <a:r>
+              <a:rPr lang="en-US" altLang="ko-KR" dirty="0"/>
+              <a:t>00</a:t>
+            </a:r>
+            <a:endParaRPr lang="ko-KR" altLang="en-US" dirty="0"/>
+          </a:p>
+        </p:txBody>
+      </p:sp>
+      <p:sp>
+        <p:nvSpPr>
+          <p:cNvPr id="15" name="내용 개체 틀 2">
+            <a:extLst>
+              <a:ext uri="{FF2B5EF4-FFF2-40B4-BE49-F238E27FC236}">
+                <a16:creationId xmlns:a16="http://schemas.microsoft.com/office/drawing/2014/main" id="{21D57951-7861-4E2C-9D9B-D47AB2991DE5}"/>
+              </a:ext>
+            </a:extLst>
+          </p:cNvPr>
+          <p:cNvSpPr>
+            <a:spLocks noGrp="1"/>
+          </p:cNvSpPr>
+          <p:nvPr>
+            <p:ph sz="quarter" idx="11" hasCustomPrompt="1"/>
+          </p:nvPr>
+        </p:nvSpPr>
+        <p:spPr>
+          <a:xfrm>
+            <a:off x="757797" y="119277"/>
+            <a:ext cx="2200592" cy="222250"/>
+          </a:xfrm>
+          <a:prstGeom prst="rect">
+            <a:avLst/>
+          </a:prstGeom>
+          <a:ln>
+            <a:noFill/>
+          </a:ln>
+        </p:spPr>
+        <p:txBody>
+          <a:bodyPr/>
+          <a:lstStyle>
+            <a:lvl1pPr marL="0" indent="0">
+              <a:buNone/>
+              <a:defRPr sz="1000">
+                <a:ln>
+                  <a:solidFill>
+                    <a:schemeClr val="tx1">
+                      <a:alpha val="0"/>
+                    </a:schemeClr>
+                  </a:solidFill>
+                </a:ln>
+                <a:solidFill>
+                  <a:schemeClr val="tx1"/>
+                </a:solidFill>
+                <a:latin typeface="Noto Sans CJK KR Medium" panose="020B0600000000000000" pitchFamily="34" charset="-127"/>
+                <a:ea typeface="Noto Sans CJK KR Medium" panose="020B0600000000000000" pitchFamily="34" charset="-127"/>
+              </a:defRPr>
+            </a:lvl1pPr>
+          </a:lstStyle>
+          <a:p>
+            <a:pPr lvl="0"/>
+            <a:r>
+              <a:rPr lang="ko-KR" altLang="en-US" dirty="0" err="1"/>
+              <a:t>챕터명을</a:t>
+            </a:r>
+            <a:r>
+              <a:rPr lang="ko-KR" altLang="en-US" dirty="0"/>
+              <a:t> 적어주세요</a:t>
+            </a:r>
+            <a:r>
+              <a:rPr lang="en-US" altLang="ko-KR" dirty="0"/>
+              <a:t>.</a:t>
+            </a:r>
+            <a:endParaRPr lang="ko-KR" altLang="en-US" dirty="0"/>
+          </a:p>
+        </p:txBody>
+      </p:sp>
     </p:spTree>
     <p:extLst>
       <p:ext uri="{BB962C8B-B14F-4D97-AF65-F5344CB8AC3E}">
@@ -4081,63 +4085,6 @@
           </a:p>
         </p:txBody>
       </p:sp>
-      <p:sp>
-        <p:nvSpPr>
-          <p:cNvPr id="14" name="텍스트 개체 틀 15">
-            <a:extLst>
-              <a:ext uri="{FF2B5EF4-FFF2-40B4-BE49-F238E27FC236}">
-                <a16:creationId xmlns:a16="http://schemas.microsoft.com/office/drawing/2014/main" id="{E833FE27-D81B-4BD3-838C-88B7BEC0B521}"/>
-              </a:ext>
-            </a:extLst>
-          </p:cNvPr>
-          <p:cNvSpPr>
-            <a:spLocks noGrp="1"/>
-          </p:cNvSpPr>
-          <p:nvPr>
-            <p:ph type="body" sz="quarter" idx="10" hasCustomPrompt="1"/>
-          </p:nvPr>
-        </p:nvSpPr>
-        <p:spPr>
-          <a:xfrm>
-            <a:off x="682259" y="110625"/>
-            <a:ext cx="386922" cy="222136"/>
-          </a:xfrm>
-          <a:prstGeom prst="rect">
-            <a:avLst/>
-          </a:prstGeom>
-        </p:spPr>
-        <p:txBody>
-          <a:bodyPr/>
-          <a:lstStyle>
-            <a:lvl1pPr marL="0" indent="0">
-              <a:buNone/>
-              <a:defRPr lang="ko-KR" altLang="en-US" sz="1050" b="1" kern="1200">
-                <a:ln>
-                  <a:solidFill>
-                    <a:schemeClr val="tx1">
-                      <a:alpha val="0"/>
-                    </a:schemeClr>
-                  </a:solidFill>
-                </a:ln>
-                <a:solidFill>
-                  <a:schemeClr val="tx1"/>
-                </a:solidFill>
-                <a:latin typeface="Gotham" panose="02000604030000020004" pitchFamily="50" charset="0"/>
-                <a:ea typeface="+mn-ea"/>
-                <a:cs typeface="+mn-cs"/>
-              </a:defRPr>
-            </a:lvl1pPr>
-          </a:lstStyle>
-          <a:p>
-            <a:pPr lvl="0"/>
-            <a:r>
-              <a:rPr lang="en-US" altLang="ko-KR"/>
-              <a:t>00</a:t>
-            </a:r>
-            <a:endParaRPr lang="ko-KR" altLang="en-US"/>
-          </a:p>
-        </p:txBody>
-      </p:sp>
       <p:cxnSp>
         <p:nvCxnSpPr>
           <p:cNvPr id="16" name="직선 연결선 15">
@@ -4181,73 +4128,6 @@
           </a:fontRef>
         </p:style>
       </p:cxnSp>
-      <p:sp>
-        <p:nvSpPr>
-          <p:cNvPr id="3" name="내용 개체 틀 2">
-            <a:extLst>
-              <a:ext uri="{FF2B5EF4-FFF2-40B4-BE49-F238E27FC236}">
-                <a16:creationId xmlns:a16="http://schemas.microsoft.com/office/drawing/2014/main" id="{F3613B8B-683C-4498-8B71-325E011C51AD}"/>
-              </a:ext>
-            </a:extLst>
-          </p:cNvPr>
-          <p:cNvSpPr>
-            <a:spLocks noGrp="1"/>
-          </p:cNvSpPr>
-          <p:nvPr>
-            <p:ph sz="quarter" idx="11" hasCustomPrompt="1"/>
-          </p:nvPr>
-        </p:nvSpPr>
-        <p:spPr>
-          <a:xfrm>
-            <a:off x="914559" y="110568"/>
-            <a:ext cx="2200592" cy="222250"/>
-          </a:xfrm>
-          <a:prstGeom prst="rect">
-            <a:avLst/>
-          </a:prstGeom>
-          <a:ln>
-            <a:noFill/>
-          </a:ln>
-        </p:spPr>
-        <p:txBody>
-          <a:bodyPr/>
-          <a:lstStyle>
-            <a:lvl1pPr marL="0" indent="0">
-              <a:buNone/>
-              <a:defRPr sz="1000">
-                <a:ln>
-                  <a:solidFill>
-                    <a:schemeClr val="tx1">
-                      <a:alpha val="0"/>
-                    </a:schemeClr>
-                  </a:solidFill>
-                </a:ln>
-                <a:solidFill>
-                  <a:srgbClr val="EF234B"/>
-                </a:solidFill>
-                <a:latin typeface="Noto Sans CJK KR Medium" panose="020B0600000000000000" pitchFamily="34" charset="-127"/>
-                <a:ea typeface="Noto Sans CJK KR Medium" panose="020B0600000000000000" pitchFamily="34" charset="-127"/>
-              </a:defRPr>
-            </a:lvl1pPr>
-          </a:lstStyle>
-          <a:p>
-            <a:pPr lvl="0"/>
-            <a:r>
-              <a:rPr lang="ko-KR" altLang="en-US" dirty="0" err="1"/>
-              <a:t>챕터명을</a:t>
-            </a:r>
-            <a:r>
-              <a:rPr lang="ko-KR" altLang="en-US" dirty="0"/>
-              <a:t> 적어주세요</a:t>
-            </a:r>
-            <a:r>
-              <a:rPr lang="en-US" altLang="ko-KR" dirty="0"/>
-              <a:t>.</a:t>
-            </a:r>
-            <a:endParaRPr lang="ko-KR" altLang="en-US" dirty="0"/>
-          </a:p>
-        </p:txBody>
-      </p:sp>
       <p:sp>
         <p:nvSpPr>
           <p:cNvPr id="4" name="텍스트 개체 틀 3">
@@ -4447,6 +4327,130 @@
           </a:p>
         </p:txBody>
       </p:sp>
+      <p:sp>
+        <p:nvSpPr>
+          <p:cNvPr id="15" name="텍스트 개체 틀 15">
+            <a:extLst>
+              <a:ext uri="{FF2B5EF4-FFF2-40B4-BE49-F238E27FC236}">
+                <a16:creationId xmlns:a16="http://schemas.microsoft.com/office/drawing/2014/main" id="{A7DC811A-EA76-4C7F-902F-EAFC961045B3}"/>
+              </a:ext>
+            </a:extLst>
+          </p:cNvPr>
+          <p:cNvSpPr>
+            <a:spLocks noGrp="1"/>
+          </p:cNvSpPr>
+          <p:nvPr>
+            <p:ph type="body" sz="quarter" idx="10" hasCustomPrompt="1"/>
+          </p:nvPr>
+        </p:nvSpPr>
+        <p:spPr>
+          <a:xfrm>
+            <a:off x="577751" y="119334"/>
+            <a:ext cx="386922" cy="222136"/>
+          </a:xfrm>
+          <a:prstGeom prst="rect">
+            <a:avLst/>
+          </a:prstGeom>
+        </p:spPr>
+        <p:txBody>
+          <a:bodyPr/>
+          <a:lstStyle>
+            <a:lvl1pPr marL="0" indent="0">
+              <a:buNone/>
+              <a:defRPr lang="ko-KR" altLang="en-US" sz="1050" b="1" kern="1200">
+                <a:ln>
+                  <a:solidFill>
+                    <a:schemeClr val="tx1">
+                      <a:alpha val="0"/>
+                    </a:schemeClr>
+                  </a:solidFill>
+                </a:ln>
+                <a:solidFill>
+                  <a:schemeClr val="tx1"/>
+                </a:solidFill>
+                <a:latin typeface="Gotham" panose="02000604030000020004" pitchFamily="50" charset="0"/>
+                <a:ea typeface="+mn-ea"/>
+                <a:cs typeface="+mn-cs"/>
+              </a:defRPr>
+            </a:lvl1pPr>
+          </a:lstStyle>
+          <a:p>
+            <a:pPr lvl="0"/>
+            <a:r>
+              <a:rPr lang="en-US" altLang="ko-KR" dirty="0"/>
+              <a:t>00</a:t>
+            </a:r>
+            <a:endParaRPr lang="ko-KR" altLang="en-US" dirty="0"/>
+          </a:p>
+        </p:txBody>
+      </p:sp>
+      <p:sp>
+        <p:nvSpPr>
+          <p:cNvPr id="17" name="내용 개체 틀 2">
+            <a:extLst>
+              <a:ext uri="{FF2B5EF4-FFF2-40B4-BE49-F238E27FC236}">
+                <a16:creationId xmlns:a16="http://schemas.microsoft.com/office/drawing/2014/main" id="{87778F32-5998-405F-8832-985E70062D2C}"/>
+              </a:ext>
+            </a:extLst>
+          </p:cNvPr>
+          <p:cNvSpPr>
+            <a:spLocks noGrp="1"/>
+          </p:cNvSpPr>
+          <p:nvPr>
+            <p:ph sz="quarter" idx="11" hasCustomPrompt="1"/>
+          </p:nvPr>
+        </p:nvSpPr>
+        <p:spPr>
+          <a:xfrm>
+            <a:off x="757797" y="119277"/>
+            <a:ext cx="2200592" cy="222250"/>
+          </a:xfrm>
+          <a:prstGeom prst="rect">
+            <a:avLst/>
+          </a:prstGeom>
+          <a:ln>
+            <a:noFill/>
+          </a:ln>
+        </p:spPr>
+        <p:txBody>
+          <a:bodyPr/>
+          <a:lstStyle>
+            <a:lvl1pPr marL="0" indent="0">
+              <a:buNone/>
+              <a:defRPr sz="1000">
+                <a:ln>
+                  <a:solidFill>
+                    <a:schemeClr val="tx1">
+                      <a:alpha val="0"/>
+                    </a:schemeClr>
+                  </a:solidFill>
+                </a:ln>
+                <a:solidFill>
+                  <a:schemeClr val="tx1"/>
+                </a:solidFill>
+                <a:latin typeface="Noto Sans CJK KR Medium" panose="020B0600000000000000" pitchFamily="34" charset="-127"/>
+                <a:ea typeface="Noto Sans CJK KR Medium" panose="020B0600000000000000" pitchFamily="34" charset="-127"/>
+              </a:defRPr>
+            </a:lvl1pPr>
+          </a:lstStyle>
+          <a:p>
+            <a:pPr lvl="0"/>
+            <a:r>
+              <a:rPr lang="ko-KR" altLang="en-US" dirty="0" err="1"/>
+              <a:t>챕터명을</a:t>
+            </a:r>
+            <a:r>
+              <a:rPr lang="ko-KR" altLang="en-US" dirty="0"/>
+              <a:t> 적어주세요</a:t>
+            </a:r>
+            <a:r>
+              <a:rPr lang="en-US" altLang="ko-KR" dirty="0"/>
+              <a:t>.</a:t>
+            </a:r>
+            <a:endParaRPr lang="ko-KR" altLang="en-US" dirty="0"/>
+          </a:p>
+        </p:txBody>
+      </p:sp>
     </p:spTree>
     <p:extLst>
       <p:ext uri="{BB962C8B-B14F-4D97-AF65-F5344CB8AC3E}">
@@ -4784,126 +4788,6 @@
               </a:solidFill>
               <a:latin typeface="Gotham" panose="02000604030000020004" pitchFamily="50" charset="0"/>
             </a:endParaRPr>
-          </a:p>
-        </p:txBody>
-      </p:sp>
-      <p:sp>
-        <p:nvSpPr>
-          <p:cNvPr id="12" name="텍스트 개체 틀 15">
-            <a:extLst>
-              <a:ext uri="{FF2B5EF4-FFF2-40B4-BE49-F238E27FC236}">
-                <a16:creationId xmlns:a16="http://schemas.microsoft.com/office/drawing/2014/main" id="{5109B78E-4EB3-4BA4-A001-983E3344F50F}"/>
-              </a:ext>
-            </a:extLst>
-          </p:cNvPr>
-          <p:cNvSpPr>
-            <a:spLocks noGrp="1"/>
-          </p:cNvSpPr>
-          <p:nvPr>
-            <p:ph type="body" sz="quarter" idx="10" hasCustomPrompt="1"/>
-          </p:nvPr>
-        </p:nvSpPr>
-        <p:spPr>
-          <a:xfrm>
-            <a:off x="682259" y="110625"/>
-            <a:ext cx="386922" cy="222136"/>
-          </a:xfrm>
-          <a:prstGeom prst="rect">
-            <a:avLst/>
-          </a:prstGeom>
-        </p:spPr>
-        <p:txBody>
-          <a:bodyPr/>
-          <a:lstStyle>
-            <a:lvl1pPr marL="0" indent="0">
-              <a:buNone/>
-              <a:defRPr lang="ko-KR" altLang="en-US" sz="1050" b="1" kern="1200">
-                <a:ln>
-                  <a:solidFill>
-                    <a:schemeClr val="tx1">
-                      <a:alpha val="0"/>
-                    </a:schemeClr>
-                  </a:solidFill>
-                </a:ln>
-                <a:solidFill>
-                  <a:schemeClr val="tx1"/>
-                </a:solidFill>
-                <a:latin typeface="Gotham" panose="02000604030000020004" pitchFamily="50" charset="0"/>
-                <a:ea typeface="+mn-ea"/>
-                <a:cs typeface="+mn-cs"/>
-              </a:defRPr>
-            </a:lvl1pPr>
-          </a:lstStyle>
-          <a:p>
-            <a:pPr lvl="0"/>
-            <a:r>
-              <a:rPr lang="en-US" altLang="ko-KR"/>
-              <a:t>00</a:t>
-            </a:r>
-            <a:endParaRPr lang="ko-KR" altLang="en-US"/>
-          </a:p>
-        </p:txBody>
-      </p:sp>
-      <p:sp>
-        <p:nvSpPr>
-          <p:cNvPr id="16" name="내용 개체 틀 2">
-            <a:extLst>
-              <a:ext uri="{FF2B5EF4-FFF2-40B4-BE49-F238E27FC236}">
-                <a16:creationId xmlns:a16="http://schemas.microsoft.com/office/drawing/2014/main" id="{28AC45E3-D3DA-4BCD-A59C-BF8E0CA51FBE}"/>
-              </a:ext>
-            </a:extLst>
-          </p:cNvPr>
-          <p:cNvSpPr>
-            <a:spLocks noGrp="1"/>
-          </p:cNvSpPr>
-          <p:nvPr>
-            <p:ph sz="quarter" idx="11" hasCustomPrompt="1"/>
-          </p:nvPr>
-        </p:nvSpPr>
-        <p:spPr>
-          <a:xfrm>
-            <a:off x="914559" y="110568"/>
-            <a:ext cx="2200592" cy="222250"/>
-          </a:xfrm>
-          <a:prstGeom prst="rect">
-            <a:avLst/>
-          </a:prstGeom>
-          <a:ln>
-            <a:noFill/>
-          </a:ln>
-        </p:spPr>
-        <p:txBody>
-          <a:bodyPr/>
-          <a:lstStyle>
-            <a:lvl1pPr marL="0" indent="0">
-              <a:buNone/>
-              <a:defRPr sz="1000">
-                <a:ln>
-                  <a:solidFill>
-                    <a:schemeClr val="tx1">
-                      <a:alpha val="0"/>
-                    </a:schemeClr>
-                  </a:solidFill>
-                </a:ln>
-                <a:solidFill>
-                  <a:srgbClr val="EF234B"/>
-                </a:solidFill>
-                <a:latin typeface="Noto Sans CJK KR Medium" panose="020B0600000000000000" pitchFamily="34" charset="-127"/>
-                <a:ea typeface="Noto Sans CJK KR Medium" panose="020B0600000000000000" pitchFamily="34" charset="-127"/>
-              </a:defRPr>
-            </a:lvl1pPr>
-          </a:lstStyle>
-          <a:p>
-            <a:pPr lvl="0"/>
-            <a:r>
-              <a:rPr lang="ko-KR" altLang="en-US"/>
-              <a:t>챕터명을 적어주세요</a:t>
-            </a:r>
-            <a:r>
-              <a:rPr lang="en-US" altLang="ko-KR"/>
-              <a:t>.</a:t>
-            </a:r>
-            <a:endParaRPr lang="ko-KR" altLang="en-US"/>
           </a:p>
         </p:txBody>
       </p:sp>
@@ -5003,6 +4887,130 @@
           </a:p>
         </p:txBody>
       </p:sp>
+      <p:sp>
+        <p:nvSpPr>
+          <p:cNvPr id="13" name="텍스트 개체 틀 15">
+            <a:extLst>
+              <a:ext uri="{FF2B5EF4-FFF2-40B4-BE49-F238E27FC236}">
+                <a16:creationId xmlns:a16="http://schemas.microsoft.com/office/drawing/2014/main" id="{900B06C9-DE7E-45CE-8B90-0E9859DEE65C}"/>
+              </a:ext>
+            </a:extLst>
+          </p:cNvPr>
+          <p:cNvSpPr>
+            <a:spLocks noGrp="1"/>
+          </p:cNvSpPr>
+          <p:nvPr>
+            <p:ph type="body" sz="quarter" idx="10" hasCustomPrompt="1"/>
+          </p:nvPr>
+        </p:nvSpPr>
+        <p:spPr>
+          <a:xfrm>
+            <a:off x="577751" y="119334"/>
+            <a:ext cx="386922" cy="222136"/>
+          </a:xfrm>
+          <a:prstGeom prst="rect">
+            <a:avLst/>
+          </a:prstGeom>
+        </p:spPr>
+        <p:txBody>
+          <a:bodyPr/>
+          <a:lstStyle>
+            <a:lvl1pPr marL="0" indent="0">
+              <a:buNone/>
+              <a:defRPr lang="ko-KR" altLang="en-US" sz="1050" b="1" kern="1200">
+                <a:ln>
+                  <a:solidFill>
+                    <a:schemeClr val="tx1">
+                      <a:alpha val="0"/>
+                    </a:schemeClr>
+                  </a:solidFill>
+                </a:ln>
+                <a:solidFill>
+                  <a:schemeClr val="tx1"/>
+                </a:solidFill>
+                <a:latin typeface="Gotham" panose="02000604030000020004" pitchFamily="50" charset="0"/>
+                <a:ea typeface="+mn-ea"/>
+                <a:cs typeface="+mn-cs"/>
+              </a:defRPr>
+            </a:lvl1pPr>
+          </a:lstStyle>
+          <a:p>
+            <a:pPr lvl="0"/>
+            <a:r>
+              <a:rPr lang="en-US" altLang="ko-KR" dirty="0"/>
+              <a:t>00</a:t>
+            </a:r>
+            <a:endParaRPr lang="ko-KR" altLang="en-US" dirty="0"/>
+          </a:p>
+        </p:txBody>
+      </p:sp>
+      <p:sp>
+        <p:nvSpPr>
+          <p:cNvPr id="14" name="내용 개체 틀 2">
+            <a:extLst>
+              <a:ext uri="{FF2B5EF4-FFF2-40B4-BE49-F238E27FC236}">
+                <a16:creationId xmlns:a16="http://schemas.microsoft.com/office/drawing/2014/main" id="{9225247C-77B0-44F2-9740-B48346F2A3DA}"/>
+              </a:ext>
+            </a:extLst>
+          </p:cNvPr>
+          <p:cNvSpPr>
+            <a:spLocks noGrp="1"/>
+          </p:cNvSpPr>
+          <p:nvPr>
+            <p:ph sz="quarter" idx="11" hasCustomPrompt="1"/>
+          </p:nvPr>
+        </p:nvSpPr>
+        <p:spPr>
+          <a:xfrm>
+            <a:off x="757797" y="119277"/>
+            <a:ext cx="2200592" cy="222250"/>
+          </a:xfrm>
+          <a:prstGeom prst="rect">
+            <a:avLst/>
+          </a:prstGeom>
+          <a:ln>
+            <a:noFill/>
+          </a:ln>
+        </p:spPr>
+        <p:txBody>
+          <a:bodyPr/>
+          <a:lstStyle>
+            <a:lvl1pPr marL="0" indent="0">
+              <a:buNone/>
+              <a:defRPr sz="1000">
+                <a:ln>
+                  <a:solidFill>
+                    <a:schemeClr val="tx1">
+                      <a:alpha val="0"/>
+                    </a:schemeClr>
+                  </a:solidFill>
+                </a:ln>
+                <a:solidFill>
+                  <a:schemeClr val="tx1"/>
+                </a:solidFill>
+                <a:latin typeface="Noto Sans CJK KR Medium" panose="020B0600000000000000" pitchFamily="34" charset="-127"/>
+                <a:ea typeface="Noto Sans CJK KR Medium" panose="020B0600000000000000" pitchFamily="34" charset="-127"/>
+              </a:defRPr>
+            </a:lvl1pPr>
+          </a:lstStyle>
+          <a:p>
+            <a:pPr lvl="0"/>
+            <a:r>
+              <a:rPr lang="ko-KR" altLang="en-US" dirty="0" err="1"/>
+              <a:t>챕터명을</a:t>
+            </a:r>
+            <a:r>
+              <a:rPr lang="ko-KR" altLang="en-US" dirty="0"/>
+              <a:t> 적어주세요</a:t>
+            </a:r>
+            <a:r>
+              <a:rPr lang="en-US" altLang="ko-KR" dirty="0"/>
+              <a:t>.</a:t>
+            </a:r>
+            <a:endParaRPr lang="ko-KR" altLang="en-US" dirty="0"/>
+          </a:p>
+        </p:txBody>
+      </p:sp>
     </p:spTree>
     <p:extLst>
       <p:ext uri="{BB962C8B-B14F-4D97-AF65-F5344CB8AC3E}">
@@ -5340,126 +5348,6 @@
               </a:solidFill>
               <a:latin typeface="Gotham" panose="02000604030000020004" pitchFamily="50" charset="0"/>
             </a:endParaRPr>
-          </a:p>
-        </p:txBody>
-      </p:sp>
-      <p:sp>
-        <p:nvSpPr>
-          <p:cNvPr id="12" name="텍스트 개체 틀 15">
-            <a:extLst>
-              <a:ext uri="{FF2B5EF4-FFF2-40B4-BE49-F238E27FC236}">
-                <a16:creationId xmlns:a16="http://schemas.microsoft.com/office/drawing/2014/main" id="{5109B78E-4EB3-4BA4-A001-983E3344F50F}"/>
-              </a:ext>
-            </a:extLst>
-          </p:cNvPr>
-          <p:cNvSpPr>
-            <a:spLocks noGrp="1"/>
-          </p:cNvSpPr>
-          <p:nvPr>
-            <p:ph type="body" sz="quarter" idx="10" hasCustomPrompt="1"/>
-          </p:nvPr>
-        </p:nvSpPr>
-        <p:spPr>
-          <a:xfrm>
-            <a:off x="682259" y="110625"/>
-            <a:ext cx="386922" cy="222136"/>
-          </a:xfrm>
-          <a:prstGeom prst="rect">
-            <a:avLst/>
-          </a:prstGeom>
-        </p:spPr>
-        <p:txBody>
-          <a:bodyPr/>
-          <a:lstStyle>
-            <a:lvl1pPr marL="0" indent="0">
-              <a:buNone/>
-              <a:defRPr lang="ko-KR" altLang="en-US" sz="1050" b="1" kern="1200">
-                <a:ln>
-                  <a:solidFill>
-                    <a:schemeClr val="tx1">
-                      <a:alpha val="0"/>
-                    </a:schemeClr>
-                  </a:solidFill>
-                </a:ln>
-                <a:solidFill>
-                  <a:schemeClr val="tx1"/>
-                </a:solidFill>
-                <a:latin typeface="Gotham" panose="02000604030000020004" pitchFamily="50" charset="0"/>
-                <a:ea typeface="+mn-ea"/>
-                <a:cs typeface="+mn-cs"/>
-              </a:defRPr>
-            </a:lvl1pPr>
-          </a:lstStyle>
-          <a:p>
-            <a:pPr lvl="0"/>
-            <a:r>
-              <a:rPr lang="en-US" altLang="ko-KR"/>
-              <a:t>00</a:t>
-            </a:r>
-            <a:endParaRPr lang="ko-KR" altLang="en-US"/>
-          </a:p>
-        </p:txBody>
-      </p:sp>
-      <p:sp>
-        <p:nvSpPr>
-          <p:cNvPr id="16" name="내용 개체 틀 2">
-            <a:extLst>
-              <a:ext uri="{FF2B5EF4-FFF2-40B4-BE49-F238E27FC236}">
-                <a16:creationId xmlns:a16="http://schemas.microsoft.com/office/drawing/2014/main" id="{28AC45E3-D3DA-4BCD-A59C-BF8E0CA51FBE}"/>
-              </a:ext>
-            </a:extLst>
-          </p:cNvPr>
-          <p:cNvSpPr>
-            <a:spLocks noGrp="1"/>
-          </p:cNvSpPr>
-          <p:nvPr>
-            <p:ph sz="quarter" idx="11" hasCustomPrompt="1"/>
-          </p:nvPr>
-        </p:nvSpPr>
-        <p:spPr>
-          <a:xfrm>
-            <a:off x="914559" y="110568"/>
-            <a:ext cx="2200592" cy="222250"/>
-          </a:xfrm>
-          <a:prstGeom prst="rect">
-            <a:avLst/>
-          </a:prstGeom>
-          <a:ln>
-            <a:noFill/>
-          </a:ln>
-        </p:spPr>
-        <p:txBody>
-          <a:bodyPr/>
-          <a:lstStyle>
-            <a:lvl1pPr marL="0" indent="0">
-              <a:buNone/>
-              <a:defRPr sz="1000">
-                <a:ln>
-                  <a:solidFill>
-                    <a:schemeClr val="tx1">
-                      <a:alpha val="0"/>
-                    </a:schemeClr>
-                  </a:solidFill>
-                </a:ln>
-                <a:solidFill>
-                  <a:srgbClr val="EF234B"/>
-                </a:solidFill>
-                <a:latin typeface="Noto Sans CJK KR Medium" panose="020B0600000000000000" pitchFamily="34" charset="-127"/>
-                <a:ea typeface="Noto Sans CJK KR Medium" panose="020B0600000000000000" pitchFamily="34" charset="-127"/>
-              </a:defRPr>
-            </a:lvl1pPr>
-          </a:lstStyle>
-          <a:p>
-            <a:pPr lvl="0"/>
-            <a:r>
-              <a:rPr lang="ko-KR" altLang="en-US"/>
-              <a:t>챕터명을 적어주세요</a:t>
-            </a:r>
-            <a:r>
-              <a:rPr lang="en-US" altLang="ko-KR"/>
-              <a:t>.</a:t>
-            </a:r>
-            <a:endParaRPr lang="ko-KR" altLang="en-US"/>
           </a:p>
         </p:txBody>
       </p:sp>
@@ -5597,6 +5485,130 @@
           </a:p>
         </p:txBody>
       </p:sp>
+      <p:sp>
+        <p:nvSpPr>
+          <p:cNvPr id="17" name="텍스트 개체 틀 15">
+            <a:extLst>
+              <a:ext uri="{FF2B5EF4-FFF2-40B4-BE49-F238E27FC236}">
+                <a16:creationId xmlns:a16="http://schemas.microsoft.com/office/drawing/2014/main" id="{93D926CE-8228-4108-8533-237BF0513AB2}"/>
+              </a:ext>
+            </a:extLst>
+          </p:cNvPr>
+          <p:cNvSpPr>
+            <a:spLocks noGrp="1"/>
+          </p:cNvSpPr>
+          <p:nvPr>
+            <p:ph type="body" sz="quarter" idx="10" hasCustomPrompt="1"/>
+          </p:nvPr>
+        </p:nvSpPr>
+        <p:spPr>
+          <a:xfrm>
+            <a:off x="577751" y="119334"/>
+            <a:ext cx="386922" cy="222136"/>
+          </a:xfrm>
+          <a:prstGeom prst="rect">
+            <a:avLst/>
+          </a:prstGeom>
+        </p:spPr>
+        <p:txBody>
+          <a:bodyPr/>
+          <a:lstStyle>
+            <a:lvl1pPr marL="0" indent="0">
+              <a:buNone/>
+              <a:defRPr lang="ko-KR" altLang="en-US" sz="1050" b="1" kern="1200">
+                <a:ln>
+                  <a:solidFill>
+                    <a:schemeClr val="tx1">
+                      <a:alpha val="0"/>
+                    </a:schemeClr>
+                  </a:solidFill>
+                </a:ln>
+                <a:solidFill>
+                  <a:schemeClr val="tx1"/>
+                </a:solidFill>
+                <a:latin typeface="Gotham" panose="02000604030000020004" pitchFamily="50" charset="0"/>
+                <a:ea typeface="+mn-ea"/>
+                <a:cs typeface="+mn-cs"/>
+              </a:defRPr>
+            </a:lvl1pPr>
+          </a:lstStyle>
+          <a:p>
+            <a:pPr lvl="0"/>
+            <a:r>
+              <a:rPr lang="en-US" altLang="ko-KR" dirty="0"/>
+              <a:t>00</a:t>
+            </a:r>
+            <a:endParaRPr lang="ko-KR" altLang="en-US" dirty="0"/>
+          </a:p>
+        </p:txBody>
+      </p:sp>
+      <p:sp>
+        <p:nvSpPr>
+          <p:cNvPr id="18" name="내용 개체 틀 2">
+            <a:extLst>
+              <a:ext uri="{FF2B5EF4-FFF2-40B4-BE49-F238E27FC236}">
+                <a16:creationId xmlns:a16="http://schemas.microsoft.com/office/drawing/2014/main" id="{BAEF97B0-FBCA-4EA7-981D-5BD646D8FB3A}"/>
+              </a:ext>
+            </a:extLst>
+          </p:cNvPr>
+          <p:cNvSpPr>
+            <a:spLocks noGrp="1"/>
+          </p:cNvSpPr>
+          <p:nvPr>
+            <p:ph sz="quarter" idx="11" hasCustomPrompt="1"/>
+          </p:nvPr>
+        </p:nvSpPr>
+        <p:spPr>
+          <a:xfrm>
+            <a:off x="757797" y="119277"/>
+            <a:ext cx="2200592" cy="222250"/>
+          </a:xfrm>
+          <a:prstGeom prst="rect">
+            <a:avLst/>
+          </a:prstGeom>
+          <a:ln>
+            <a:noFill/>
+          </a:ln>
+        </p:spPr>
+        <p:txBody>
+          <a:bodyPr/>
+          <a:lstStyle>
+            <a:lvl1pPr marL="0" indent="0">
+              <a:buNone/>
+              <a:defRPr sz="1000">
+                <a:ln>
+                  <a:solidFill>
+                    <a:schemeClr val="tx1">
+                      <a:alpha val="0"/>
+                    </a:schemeClr>
+                  </a:solidFill>
+                </a:ln>
+                <a:solidFill>
+                  <a:schemeClr val="tx1"/>
+                </a:solidFill>
+                <a:latin typeface="Noto Sans CJK KR Medium" panose="020B0600000000000000" pitchFamily="34" charset="-127"/>
+                <a:ea typeface="Noto Sans CJK KR Medium" panose="020B0600000000000000" pitchFamily="34" charset="-127"/>
+              </a:defRPr>
+            </a:lvl1pPr>
+          </a:lstStyle>
+          <a:p>
+            <a:pPr lvl="0"/>
+            <a:r>
+              <a:rPr lang="ko-KR" altLang="en-US" dirty="0" err="1"/>
+              <a:t>챕터명을</a:t>
+            </a:r>
+            <a:r>
+              <a:rPr lang="ko-KR" altLang="en-US" dirty="0"/>
+              <a:t> 적어주세요</a:t>
+            </a:r>
+            <a:r>
+              <a:rPr lang="en-US" altLang="ko-KR" dirty="0"/>
+              <a:t>.</a:t>
+            </a:r>
+            <a:endParaRPr lang="ko-KR" altLang="en-US" dirty="0"/>
+          </a:p>
+        </p:txBody>
+      </p:sp>
     </p:spTree>
     <p:extLst>
       <p:ext uri="{BB962C8B-B14F-4D97-AF65-F5344CB8AC3E}">
@@ -5934,126 +5946,6 @@
               </a:solidFill>
               <a:latin typeface="Gotham" panose="02000604030000020004" pitchFamily="50" charset="0"/>
             </a:endParaRPr>
-          </a:p>
-        </p:txBody>
-      </p:sp>
-      <p:sp>
-        <p:nvSpPr>
-          <p:cNvPr id="12" name="텍스트 개체 틀 15">
-            <a:extLst>
-              <a:ext uri="{FF2B5EF4-FFF2-40B4-BE49-F238E27FC236}">
-                <a16:creationId xmlns:a16="http://schemas.microsoft.com/office/drawing/2014/main" id="{5109B78E-4EB3-4BA4-A001-983E3344F50F}"/>
-              </a:ext>
-            </a:extLst>
-          </p:cNvPr>
-          <p:cNvSpPr>
-            <a:spLocks noGrp="1"/>
-          </p:cNvSpPr>
-          <p:nvPr>
-            <p:ph type="body" sz="quarter" idx="10" hasCustomPrompt="1"/>
-          </p:nvPr>
-        </p:nvSpPr>
-        <p:spPr>
-          <a:xfrm>
-            <a:off x="682259" y="110625"/>
-            <a:ext cx="386922" cy="222136"/>
-          </a:xfrm>
-          <a:prstGeom prst="rect">
-            <a:avLst/>
-          </a:prstGeom>
-        </p:spPr>
-        <p:txBody>
-          <a:bodyPr/>
-          <a:lstStyle>
-            <a:lvl1pPr marL="0" indent="0">
-              <a:buNone/>
-              <a:defRPr lang="ko-KR" altLang="en-US" sz="1050" b="1" kern="1200">
-                <a:ln>
-                  <a:solidFill>
-                    <a:schemeClr val="tx1">
-                      <a:alpha val="0"/>
-                    </a:schemeClr>
-                  </a:solidFill>
-                </a:ln>
-                <a:solidFill>
-                  <a:schemeClr val="tx1"/>
-                </a:solidFill>
-                <a:latin typeface="Gotham" panose="02000604030000020004" pitchFamily="50" charset="0"/>
-                <a:ea typeface="+mn-ea"/>
-                <a:cs typeface="+mn-cs"/>
-              </a:defRPr>
-            </a:lvl1pPr>
-          </a:lstStyle>
-          <a:p>
-            <a:pPr lvl="0"/>
-            <a:r>
-              <a:rPr lang="en-US" altLang="ko-KR"/>
-              <a:t>00</a:t>
-            </a:r>
-            <a:endParaRPr lang="ko-KR" altLang="en-US"/>
-          </a:p>
-        </p:txBody>
-      </p:sp>
-      <p:sp>
-        <p:nvSpPr>
-          <p:cNvPr id="16" name="내용 개체 틀 2">
-            <a:extLst>
-              <a:ext uri="{FF2B5EF4-FFF2-40B4-BE49-F238E27FC236}">
-                <a16:creationId xmlns:a16="http://schemas.microsoft.com/office/drawing/2014/main" id="{28AC45E3-D3DA-4BCD-A59C-BF8E0CA51FBE}"/>
-              </a:ext>
-            </a:extLst>
-          </p:cNvPr>
-          <p:cNvSpPr>
-            <a:spLocks noGrp="1"/>
-          </p:cNvSpPr>
-          <p:nvPr>
-            <p:ph sz="quarter" idx="11" hasCustomPrompt="1"/>
-          </p:nvPr>
-        </p:nvSpPr>
-        <p:spPr>
-          <a:xfrm>
-            <a:off x="914559" y="110568"/>
-            <a:ext cx="2200592" cy="222250"/>
-          </a:xfrm>
-          <a:prstGeom prst="rect">
-            <a:avLst/>
-          </a:prstGeom>
-          <a:ln>
-            <a:noFill/>
-          </a:ln>
-        </p:spPr>
-        <p:txBody>
-          <a:bodyPr/>
-          <a:lstStyle>
-            <a:lvl1pPr marL="0" indent="0">
-              <a:buNone/>
-              <a:defRPr sz="1000">
-                <a:ln>
-                  <a:solidFill>
-                    <a:schemeClr val="tx1">
-                      <a:alpha val="0"/>
-                    </a:schemeClr>
-                  </a:solidFill>
-                </a:ln>
-                <a:solidFill>
-                  <a:srgbClr val="EF234B"/>
-                </a:solidFill>
-                <a:latin typeface="Noto Sans CJK KR Medium" panose="020B0600000000000000" pitchFamily="34" charset="-127"/>
-                <a:ea typeface="Noto Sans CJK KR Medium" panose="020B0600000000000000" pitchFamily="34" charset="-127"/>
-              </a:defRPr>
-            </a:lvl1pPr>
-          </a:lstStyle>
-          <a:p>
-            <a:pPr lvl="0"/>
-            <a:r>
-              <a:rPr lang="ko-KR" altLang="en-US"/>
-              <a:t>챕터명을 적어주세요</a:t>
-            </a:r>
-            <a:r>
-              <a:rPr lang="en-US" altLang="ko-KR"/>
-              <a:t>.</a:t>
-            </a:r>
-            <a:endParaRPr lang="ko-KR" altLang="en-US"/>
           </a:p>
         </p:txBody>
       </p:sp>
@@ -6253,6 +6145,130 @@
               <a:rPr lang="ko-KR" altLang="en-US"/>
               <a:t>다섯째 수준</a:t>
             </a:r>
+          </a:p>
+        </p:txBody>
+      </p:sp>
+      <p:sp>
+        <p:nvSpPr>
+          <p:cNvPr id="14" name="텍스트 개체 틀 15">
+            <a:extLst>
+              <a:ext uri="{FF2B5EF4-FFF2-40B4-BE49-F238E27FC236}">
+                <a16:creationId xmlns:a16="http://schemas.microsoft.com/office/drawing/2014/main" id="{E2F5BB61-BF1D-42C8-883D-720805FCF50D}"/>
+              </a:ext>
+            </a:extLst>
+          </p:cNvPr>
+          <p:cNvSpPr>
+            <a:spLocks noGrp="1"/>
+          </p:cNvSpPr>
+          <p:nvPr>
+            <p:ph type="body" sz="quarter" idx="10" hasCustomPrompt="1"/>
+          </p:nvPr>
+        </p:nvSpPr>
+        <p:spPr>
+          <a:xfrm>
+            <a:off x="577751" y="119334"/>
+            <a:ext cx="386922" cy="222136"/>
+          </a:xfrm>
+          <a:prstGeom prst="rect">
+            <a:avLst/>
+          </a:prstGeom>
+        </p:spPr>
+        <p:txBody>
+          <a:bodyPr/>
+          <a:lstStyle>
+            <a:lvl1pPr marL="0" indent="0">
+              <a:buNone/>
+              <a:defRPr lang="ko-KR" altLang="en-US" sz="1050" b="1" kern="1200">
+                <a:ln>
+                  <a:solidFill>
+                    <a:schemeClr val="tx1">
+                      <a:alpha val="0"/>
+                    </a:schemeClr>
+                  </a:solidFill>
+                </a:ln>
+                <a:solidFill>
+                  <a:schemeClr val="tx1"/>
+                </a:solidFill>
+                <a:latin typeface="Gotham" panose="02000604030000020004" pitchFamily="50" charset="0"/>
+                <a:ea typeface="+mn-ea"/>
+                <a:cs typeface="+mn-cs"/>
+              </a:defRPr>
+            </a:lvl1pPr>
+          </a:lstStyle>
+          <a:p>
+            <a:pPr lvl="0"/>
+            <a:r>
+              <a:rPr lang="en-US" altLang="ko-KR" dirty="0"/>
+              <a:t>00</a:t>
+            </a:r>
+            <a:endParaRPr lang="ko-KR" altLang="en-US" dirty="0"/>
+          </a:p>
+        </p:txBody>
+      </p:sp>
+      <p:sp>
+        <p:nvSpPr>
+          <p:cNvPr id="19" name="내용 개체 틀 2">
+            <a:extLst>
+              <a:ext uri="{FF2B5EF4-FFF2-40B4-BE49-F238E27FC236}">
+                <a16:creationId xmlns:a16="http://schemas.microsoft.com/office/drawing/2014/main" id="{4C8404FA-E17D-4BAB-A518-B99164EE30A3}"/>
+              </a:ext>
+            </a:extLst>
+          </p:cNvPr>
+          <p:cNvSpPr>
+            <a:spLocks noGrp="1"/>
+          </p:cNvSpPr>
+          <p:nvPr>
+            <p:ph sz="quarter" idx="11" hasCustomPrompt="1"/>
+          </p:nvPr>
+        </p:nvSpPr>
+        <p:spPr>
+          <a:xfrm>
+            <a:off x="757797" y="119277"/>
+            <a:ext cx="2200592" cy="222250"/>
+          </a:xfrm>
+          <a:prstGeom prst="rect">
+            <a:avLst/>
+          </a:prstGeom>
+          <a:ln>
+            <a:noFill/>
+          </a:ln>
+        </p:spPr>
+        <p:txBody>
+          <a:bodyPr/>
+          <a:lstStyle>
+            <a:lvl1pPr marL="0" indent="0">
+              <a:buNone/>
+              <a:defRPr sz="1000">
+                <a:ln>
+                  <a:solidFill>
+                    <a:schemeClr val="tx1">
+                      <a:alpha val="0"/>
+                    </a:schemeClr>
+                  </a:solidFill>
+                </a:ln>
+                <a:solidFill>
+                  <a:schemeClr val="tx1"/>
+                </a:solidFill>
+                <a:latin typeface="Noto Sans CJK KR Medium" panose="020B0600000000000000" pitchFamily="34" charset="-127"/>
+                <a:ea typeface="Noto Sans CJK KR Medium" panose="020B0600000000000000" pitchFamily="34" charset="-127"/>
+              </a:defRPr>
+            </a:lvl1pPr>
+          </a:lstStyle>
+          <a:p>
+            <a:pPr lvl="0"/>
+            <a:r>
+              <a:rPr lang="ko-KR" altLang="en-US" dirty="0" err="1"/>
+              <a:t>챕터명을</a:t>
+            </a:r>
+            <a:r>
+              <a:rPr lang="ko-KR" altLang="en-US" dirty="0"/>
+              <a:t> 적어주세요</a:t>
+            </a:r>
+            <a:r>
+              <a:rPr lang="en-US" altLang="ko-KR" dirty="0"/>
+              <a:t>.</a:t>
+            </a:r>
+            <a:endParaRPr lang="ko-KR" altLang="en-US" dirty="0"/>
           </a:p>
         </p:txBody>
       </p:sp>
@@ -8012,7 +8028,7 @@
             <a:spLocks noGrp="1"/>
           </p:cNvSpPr>
           <p:nvPr>
-            <p:ph type="body" sz="quarter" idx="10" hasCustomPrompt="1"/>
+            <p:ph type="body" sz="quarter" idx="4294967295" hasCustomPrompt="1"/>
           </p:nvPr>
         </p:nvSpPr>
         <p:spPr>
@@ -8020,6 +8036,9 @@
             <a:off x="682259" y="110625"/>
             <a:ext cx="386922" cy="222136"/>
           </a:xfrm>
+          <a:prstGeom prst="rect">
+            <a:avLst/>
+          </a:prstGeom>
         </p:spPr>
         <p:txBody>
           <a:bodyPr/>
@@ -8040,7 +8059,7 @@
             <a:spLocks noGrp="1"/>
           </p:cNvSpPr>
           <p:nvPr>
-            <p:ph sz="quarter" idx="11" hasCustomPrompt="1"/>
+            <p:ph sz="quarter" idx="4294967295" hasCustomPrompt="1"/>
           </p:nvPr>
         </p:nvSpPr>
         <p:spPr>
@@ -8048,6 +8067,9 @@
             <a:off x="914559" y="110568"/>
             <a:ext cx="2200592" cy="222250"/>
           </a:xfrm>
+          <a:prstGeom prst="rect">
+            <a:avLst/>
+          </a:prstGeom>
         </p:spPr>
         <p:txBody>
           <a:bodyPr/>

--- a/slide/chapter00_01.pptx
+++ b/slide/chapter00_01.pptx
@@ -5,27 +5,30 @@
     <p:sldMasterId id="2147483648" r:id="rId1"/>
   </p:sldMasterIdLst>
   <p:notesMasterIdLst>
-    <p:notesMasterId r:id="rId17"/>
+    <p:notesMasterId r:id="rId20"/>
   </p:notesMasterIdLst>
   <p:handoutMasterIdLst>
-    <p:handoutMasterId r:id="rId18"/>
+    <p:handoutMasterId r:id="rId21"/>
   </p:handoutMasterIdLst>
   <p:sldIdLst>
-    <p:sldId id="256" r:id="rId2"/>
-    <p:sldId id="265" r:id="rId3"/>
-    <p:sldId id="267" r:id="rId4"/>
-    <p:sldId id="268" r:id="rId5"/>
-    <p:sldId id="272" r:id="rId6"/>
-    <p:sldId id="259" r:id="rId7"/>
-    <p:sldId id="260" r:id="rId8"/>
-    <p:sldId id="275" r:id="rId9"/>
-    <p:sldId id="273" r:id="rId10"/>
-    <p:sldId id="261" r:id="rId11"/>
-    <p:sldId id="262" r:id="rId12"/>
-    <p:sldId id="276" r:id="rId13"/>
-    <p:sldId id="270" r:id="rId14"/>
-    <p:sldId id="269" r:id="rId15"/>
-    <p:sldId id="257" r:id="rId16"/>
+    <p:sldId id="278" r:id="rId2"/>
+    <p:sldId id="277" r:id="rId3"/>
+    <p:sldId id="279" r:id="rId4"/>
+    <p:sldId id="265" r:id="rId5"/>
+    <p:sldId id="267" r:id="rId6"/>
+    <p:sldId id="268" r:id="rId7"/>
+    <p:sldId id="272" r:id="rId8"/>
+    <p:sldId id="280" r:id="rId9"/>
+    <p:sldId id="259" r:id="rId10"/>
+    <p:sldId id="260" r:id="rId11"/>
+    <p:sldId id="275" r:id="rId12"/>
+    <p:sldId id="273" r:id="rId13"/>
+    <p:sldId id="261" r:id="rId14"/>
+    <p:sldId id="262" r:id="rId15"/>
+    <p:sldId id="276" r:id="rId16"/>
+    <p:sldId id="270" r:id="rId17"/>
+    <p:sldId id="269" r:id="rId18"/>
+    <p:sldId id="257" r:id="rId19"/>
   </p:sldIdLst>
   <p:sldSz cx="12192000" cy="6858000"/>
   <p:notesSz cx="6858000" cy="9144000"/>
@@ -749,7 +752,7 @@
           <a:p>
             <a:fld id="{213A6B79-CA84-4470-8AA2-12D2AB24A357}" type="slidenum">
               <a:rPr lang="ko-KR" altLang="en-US" smtClean="0"/>
-              <a:t>1</a:t>
+              <a:t>2</a:t>
             </a:fld>
             <a:endParaRPr lang="ko-KR" altLang="en-US"/>
           </a:p>
@@ -758,7 +761,7 @@
     </p:spTree>
     <p:extLst>
       <p:ext uri="{BB962C8B-B14F-4D97-AF65-F5344CB8AC3E}">
-        <p14:creationId xmlns:p14="http://schemas.microsoft.com/office/powerpoint/2010/main" val="4258206891"/>
+        <p14:creationId xmlns:p14="http://schemas.microsoft.com/office/powerpoint/2010/main" val="455739952"/>
       </p:ext>
     </p:extLst>
   </p:cSld>
@@ -7079,112 +7082,85 @@
       </p:grpSpPr>
       <p:sp>
         <p:nvSpPr>
-          <p:cNvPr id="2" name="텍스트 개체 틀 1"/>
+          <p:cNvPr id="4" name="제목 3">
+            <a:extLst>
+              <a:ext uri="{FF2B5EF4-FFF2-40B4-BE49-F238E27FC236}">
+                <a16:creationId xmlns:a16="http://schemas.microsoft.com/office/drawing/2014/main" id="{E009F0BC-5E5C-409A-8F08-B6451539CFC7}"/>
+              </a:ext>
+            </a:extLst>
+          </p:cNvPr>
           <p:cNvSpPr>
             <a:spLocks noGrp="1"/>
           </p:cNvSpPr>
           <p:nvPr>
-            <p:ph type="body" sz="quarter" idx="10" hasCustomPrompt="1"/>
+            <p:ph type="title"/>
           </p:nvPr>
         </p:nvSpPr>
-        <p:spPr>
-          <a:xfrm>
-            <a:off x="1577592" y="1800061"/>
-            <a:ext cx="826276" cy="461665"/>
-          </a:xfrm>
-        </p:spPr>
+        <p:spPr/>
         <p:txBody>
           <a:bodyPr/>
           <a:lstStyle/>
           <a:p>
-            <a:r>
-              <a:rPr dirty="0"/>
-              <a:t>0</a:t>
-            </a:r>
-            <a:r>
-              <a:rPr lang="en-US" altLang="ko-KR" dirty="0"/>
-              <a:t>0</a:t>
-            </a:r>
-            <a:endParaRPr dirty="0"/>
-          </a:p>
-        </p:txBody>
-      </p:sp>
-      <p:sp>
-        <p:nvSpPr>
-          <p:cNvPr id="3" name="제목 2"/>
+            <a:endParaRPr lang="ko-KR" altLang="en-US"/>
+          </a:p>
+        </p:txBody>
+      </p:sp>
+      <p:sp>
+        <p:nvSpPr>
+          <p:cNvPr id="5" name="텍스트 개체 틀 4">
+            <a:extLst>
+              <a:ext uri="{FF2B5EF4-FFF2-40B4-BE49-F238E27FC236}">
+                <a16:creationId xmlns:a16="http://schemas.microsoft.com/office/drawing/2014/main" id="{7635B48D-89A6-495C-9E93-0366CEB060D3}"/>
+              </a:ext>
+            </a:extLst>
+          </p:cNvPr>
           <p:cNvSpPr>
             <a:spLocks noGrp="1"/>
           </p:cNvSpPr>
           <p:nvPr>
-            <p:ph type="title" hasCustomPrompt="1"/>
+            <p:ph type="body" sz="quarter" idx="10"/>
           </p:nvPr>
         </p:nvSpPr>
-        <p:spPr>
-          <a:xfrm>
-            <a:off x="472440" y="2242743"/>
-            <a:ext cx="10515600" cy="556463"/>
-          </a:xfrm>
-        </p:spPr>
+        <p:spPr/>
         <p:txBody>
           <a:bodyPr/>
           <a:lstStyle/>
           <a:p>
-            <a:r>
-              <a:rPr lang="ko-KR" altLang="en-US" dirty="0">
-                <a:solidFill>
-                  <a:srgbClr val="F0234B"/>
-                </a:solidFill>
-              </a:rPr>
-              <a:t>강의 소개</a:t>
-            </a:r>
-            <a:endParaRPr dirty="0">
-              <a:solidFill>
-                <a:srgbClr val="F0234B"/>
-              </a:solidFill>
-            </a:endParaRPr>
-          </a:p>
-        </p:txBody>
-      </p:sp>
-      <p:sp>
-        <p:nvSpPr>
-          <p:cNvPr id="4" name="텍스트 개체 틀 3"/>
+            <a:endParaRPr lang="ko-KR" altLang="en-US"/>
+          </a:p>
+        </p:txBody>
+      </p:sp>
+      <p:sp>
+        <p:nvSpPr>
+          <p:cNvPr id="6" name="텍스트 개체 틀 5">
+            <a:extLst>
+              <a:ext uri="{FF2B5EF4-FFF2-40B4-BE49-F238E27FC236}">
+                <a16:creationId xmlns:a16="http://schemas.microsoft.com/office/drawing/2014/main" id="{D425946E-14A9-44CA-B2C0-76ADDF602BA3}"/>
+              </a:ext>
+            </a:extLst>
+          </p:cNvPr>
           <p:cNvSpPr>
             <a:spLocks noGrp="1"/>
           </p:cNvSpPr>
           <p:nvPr>
-            <p:ph type="body" sz="quarter" idx="11" hasCustomPrompt="1"/>
+            <p:ph type="body" sz="quarter" idx="11"/>
           </p:nvPr>
         </p:nvSpPr>
-        <p:spPr>
-          <a:xfrm>
-            <a:off x="821490" y="2877946"/>
-            <a:ext cx="10136057" cy="2081938"/>
-          </a:xfrm>
-        </p:spPr>
+        <p:spPr/>
         <p:txBody>
           <a:bodyPr/>
           <a:lstStyle/>
           <a:p>
-            <a:r>
-              <a:rPr lang="ko-KR" altLang="en-US" dirty="0"/>
-              <a:t>금융 데이터 분석을 위한</a:t>
-            </a:r>
-            <a:endParaRPr lang="en-US" altLang="ko-KR" dirty="0"/>
-          </a:p>
-          <a:p>
-            <a:r>
-              <a:rPr lang="en-US" dirty="0"/>
-              <a:t>R </a:t>
-            </a:r>
-            <a:r>
-              <a:rPr lang="ko-KR" altLang="en-US" dirty="0"/>
-              <a:t>프로그래밍 기초</a:t>
-            </a:r>
-            <a:endParaRPr dirty="0"/>
+            <a:endParaRPr lang="ko-KR" altLang="en-US"/>
           </a:p>
         </p:txBody>
       </p:sp>
     </p:spTree>
+    <p:extLst>
+      <p:ext uri="{BB962C8B-B14F-4D97-AF65-F5344CB8AC3E}">
+        <p14:creationId xmlns:p14="http://schemas.microsoft.com/office/powerpoint/2010/main" val="1060006248"/>
+      </p:ext>
+    </p:extLst>
   </p:cSld>
   <p:clrMapOvr>
     <a:masterClrMapping/>
@@ -7232,11 +7208,11 @@
           <a:p>
             <a:r>
               <a:rPr lang="en-US" altLang="ko-KR" dirty="0"/>
-              <a:t>base R</a:t>
+              <a:t>R </a:t>
             </a:r>
             <a:r>
               <a:rPr lang="ko-KR" altLang="en-US" dirty="0"/>
-              <a:t>의 구성</a:t>
+              <a:t>생태계 소개</a:t>
             </a:r>
           </a:p>
         </p:txBody>
@@ -7298,55 +7274,46 @@
           </a:p>
         </p:txBody>
       </p:sp>
-      <p:sp>
-        <p:nvSpPr>
-          <p:cNvPr id="5" name="텍스트 개체 틀 4">
-            <a:extLst>
-              <a:ext uri="{FF2B5EF4-FFF2-40B4-BE49-F238E27FC236}">
-                <a16:creationId xmlns:a16="http://schemas.microsoft.com/office/drawing/2014/main" id="{AABCE2BA-CE51-484E-8FC0-DEB91A836884}"/>
-              </a:ext>
-            </a:extLst>
-          </p:cNvPr>
-          <p:cNvSpPr>
-            <a:spLocks noGrp="1"/>
-          </p:cNvSpPr>
-          <p:nvPr>
-            <p:ph type="body" sz="quarter" idx="12"/>
-          </p:nvPr>
-        </p:nvSpPr>
-        <p:spPr/>
-        <p:txBody>
-          <a:bodyPr/>
-          <a:lstStyle/>
-          <a:p>
-            <a:r>
-              <a:rPr lang="ko-KR" altLang="en-US" dirty="0"/>
-              <a:t>데이터와 함수</a:t>
-            </a:r>
-            <a:endParaRPr lang="en-US" altLang="ko-KR" dirty="0"/>
-          </a:p>
-          <a:p>
-            <a:endParaRPr lang="en-US" altLang="ko-KR" dirty="0"/>
-          </a:p>
-          <a:p>
-            <a:r>
-              <a:rPr lang="ko-KR" altLang="en-US" dirty="0"/>
-              <a:t>프로그램의 흐름을 다루는 문법</a:t>
-            </a:r>
-            <a:endParaRPr lang="en-US" altLang="ko-KR" dirty="0"/>
-          </a:p>
-          <a:p>
-            <a:pPr marL="0" indent="0">
-              <a:buNone/>
-            </a:pPr>
-            <a:endParaRPr lang="en-US" altLang="ko-KR" dirty="0"/>
-          </a:p>
-        </p:txBody>
-      </p:sp>
+      <p:pic>
+        <p:nvPicPr>
+          <p:cNvPr id="10" name="그림 9">
+            <a:extLst>
+              <a:ext uri="{FF2B5EF4-FFF2-40B4-BE49-F238E27FC236}">
+                <a16:creationId xmlns:a16="http://schemas.microsoft.com/office/drawing/2014/main" id="{2C00CDC7-CD25-49DB-8B9C-A80EA6B17FF6}"/>
+              </a:ext>
+            </a:extLst>
+          </p:cNvPr>
+          <p:cNvPicPr>
+            <a:picLocks noChangeAspect="1"/>
+          </p:cNvPicPr>
+          <p:nvPr/>
+        </p:nvPicPr>
+        <p:blipFill>
+          <a:blip r:embed="rId2">
+            <a:extLst>
+              <a:ext uri="{28A0092B-C50C-407E-A947-70E740481C1C}">
+                <a14:useLocalDpi xmlns:a14="http://schemas.microsoft.com/office/drawing/2010/main" val="0"/>
+              </a:ext>
+            </a:extLst>
+          </a:blip>
+          <a:stretch>
+            <a:fillRect/>
+          </a:stretch>
+        </p:blipFill>
+        <p:spPr>
+          <a:xfrm>
+            <a:off x="3718001" y="1901336"/>
+            <a:ext cx="3940719" cy="3055327"/>
+          </a:xfrm>
+          <a:prstGeom prst="rect">
+            <a:avLst/>
+          </a:prstGeom>
+        </p:spPr>
+      </p:pic>
     </p:spTree>
     <p:extLst>
       <p:ext uri="{BB962C8B-B14F-4D97-AF65-F5344CB8AC3E}">
-        <p14:creationId xmlns:p14="http://schemas.microsoft.com/office/powerpoint/2010/main" val="2950223355"/>
+        <p14:creationId xmlns:p14="http://schemas.microsoft.com/office/powerpoint/2010/main" val="583845475"/>
       </p:ext>
     </p:extLst>
   </p:cSld>
@@ -7373,6 +7340,502 @@
           <a:chExt cx="0" cy="0"/>
         </a:xfrm>
       </p:grpSpPr>
+      <p:pic>
+        <p:nvPicPr>
+          <p:cNvPr id="1030" name="Picture 6" descr="https://revolution-computing.typepad.com/.a/6a010534b1db25970b01b7c7aac5fe970b-pi">
+            <a:extLst>
+              <a:ext uri="{FF2B5EF4-FFF2-40B4-BE49-F238E27FC236}">
+                <a16:creationId xmlns:a16="http://schemas.microsoft.com/office/drawing/2014/main" id="{45151BB5-FE0E-401A-9112-E12E9EACE04A}"/>
+              </a:ext>
+            </a:extLst>
+          </p:cNvPr>
+          <p:cNvPicPr>
+            <a:picLocks noChangeAspect="1" noChangeArrowheads="1"/>
+          </p:cNvPicPr>
+          <p:nvPr/>
+        </p:nvPicPr>
+        <p:blipFill>
+          <a:blip r:embed="rId2">
+            <a:extLst>
+              <a:ext uri="{28A0092B-C50C-407E-A947-70E740481C1C}">
+                <a14:useLocalDpi xmlns:a14="http://schemas.microsoft.com/office/drawing/2010/main" val="0"/>
+              </a:ext>
+            </a:extLst>
+          </a:blip>
+          <a:srcRect/>
+          <a:stretch>
+            <a:fillRect/>
+          </a:stretch>
+        </p:blipFill>
+        <p:spPr bwMode="auto">
+          <a:xfrm>
+            <a:off x="1222637" y="435219"/>
+            <a:ext cx="8931447" cy="5987562"/>
+          </a:xfrm>
+          <a:prstGeom prst="rect">
+            <a:avLst/>
+          </a:prstGeom>
+          <a:noFill/>
+          <a:extLst>
+            <a:ext uri="{909E8E84-426E-40DD-AFC4-6F175D3DCCD1}">
+              <a14:hiddenFill xmlns:a14="http://schemas.microsoft.com/office/drawing/2010/main">
+                <a:solidFill>
+                  <a:srgbClr val="FFFFFF"/>
+                </a:solidFill>
+              </a14:hiddenFill>
+            </a:ext>
+          </a:extLst>
+        </p:spPr>
+      </p:pic>
+      <p:sp>
+        <p:nvSpPr>
+          <p:cNvPr id="2" name="제목 1">
+            <a:extLst>
+              <a:ext uri="{FF2B5EF4-FFF2-40B4-BE49-F238E27FC236}">
+                <a16:creationId xmlns:a16="http://schemas.microsoft.com/office/drawing/2014/main" id="{87F7FAB7-DDA6-48D4-8248-6C40A00852FD}"/>
+              </a:ext>
+            </a:extLst>
+          </p:cNvPr>
+          <p:cNvSpPr>
+            <a:spLocks noGrp="1"/>
+          </p:cNvSpPr>
+          <p:nvPr>
+            <p:ph type="title"/>
+          </p:nvPr>
+        </p:nvSpPr>
+        <p:spPr/>
+        <p:txBody>
+          <a:bodyPr/>
+          <a:lstStyle/>
+          <a:p>
+            <a:r>
+              <a:rPr lang="en-US" altLang="ko-KR" dirty="0"/>
+              <a:t>R </a:t>
+            </a:r>
+            <a:r>
+              <a:rPr lang="ko-KR" altLang="en-US" dirty="0"/>
+              <a:t>생태계 소개</a:t>
+            </a:r>
+          </a:p>
+        </p:txBody>
+      </p:sp>
+      <p:sp>
+        <p:nvSpPr>
+          <p:cNvPr id="3" name="텍스트 개체 틀 2">
+            <a:extLst>
+              <a:ext uri="{FF2B5EF4-FFF2-40B4-BE49-F238E27FC236}">
+                <a16:creationId xmlns:a16="http://schemas.microsoft.com/office/drawing/2014/main" id="{A7C28AF4-6C68-4FEE-A2C9-6984F14CF598}"/>
+              </a:ext>
+            </a:extLst>
+          </p:cNvPr>
+          <p:cNvSpPr>
+            <a:spLocks noGrp="1"/>
+          </p:cNvSpPr>
+          <p:nvPr>
+            <p:ph type="body" sz="quarter" idx="10"/>
+          </p:nvPr>
+        </p:nvSpPr>
+        <p:spPr/>
+        <p:txBody>
+          <a:bodyPr/>
+          <a:lstStyle/>
+          <a:p>
+            <a:r>
+              <a:rPr lang="en-US" altLang="ko-KR" dirty="0"/>
+              <a:t>00</a:t>
+            </a:r>
+            <a:endParaRPr lang="ko-KR" altLang="en-US" dirty="0"/>
+          </a:p>
+        </p:txBody>
+      </p:sp>
+      <p:sp>
+        <p:nvSpPr>
+          <p:cNvPr id="4" name="내용 개체 틀 3">
+            <a:extLst>
+              <a:ext uri="{FF2B5EF4-FFF2-40B4-BE49-F238E27FC236}">
+                <a16:creationId xmlns:a16="http://schemas.microsoft.com/office/drawing/2014/main" id="{2D68EABD-D500-47A5-A6E5-B07A501D8CC1}"/>
+              </a:ext>
+            </a:extLst>
+          </p:cNvPr>
+          <p:cNvSpPr>
+            <a:spLocks noGrp="1"/>
+          </p:cNvSpPr>
+          <p:nvPr>
+            <p:ph sz="quarter" idx="11"/>
+          </p:nvPr>
+        </p:nvSpPr>
+        <p:spPr/>
+        <p:txBody>
+          <a:bodyPr/>
+          <a:lstStyle/>
+          <a:p>
+            <a:r>
+              <a:rPr lang="ko-KR" altLang="en-US" dirty="0"/>
+              <a:t>강의 소개</a:t>
+            </a:r>
+          </a:p>
+        </p:txBody>
+      </p:sp>
+    </p:spTree>
+    <p:extLst>
+      <p:ext uri="{BB962C8B-B14F-4D97-AF65-F5344CB8AC3E}">
+        <p14:creationId xmlns:p14="http://schemas.microsoft.com/office/powerpoint/2010/main" val="2810511851"/>
+      </p:ext>
+    </p:extLst>
+  </p:cSld>
+  <p:clrMapOvr>
+    <a:masterClrMapping/>
+  </p:clrMapOvr>
+</p:sld>
+</file>
+
+<file path=ppt/slides/slide12.xml><?xml version="1.0" encoding="utf-8"?>
+<p:sld xmlns:a="http://schemas.openxmlformats.org/drawingml/2006/main" xmlns:r="http://schemas.openxmlformats.org/officeDocument/2006/relationships" xmlns:p="http://schemas.openxmlformats.org/presentationml/2006/main">
+  <p:cSld>
+    <p:spTree>
+      <p:nvGrpSpPr>
+        <p:cNvPr id="1" name=""/>
+        <p:cNvGrpSpPr/>
+        <p:nvPr/>
+      </p:nvGrpSpPr>
+      <p:grpSpPr>
+        <a:xfrm>
+          <a:off x="0" y="0"/>
+          <a:ext cx="0" cy="0"/>
+          <a:chOff x="0" y="0"/>
+          <a:chExt cx="0" cy="0"/>
+        </a:xfrm>
+      </p:grpSpPr>
+      <p:sp>
+        <p:nvSpPr>
+          <p:cNvPr id="2" name="제목 1">
+            <a:extLst>
+              <a:ext uri="{FF2B5EF4-FFF2-40B4-BE49-F238E27FC236}">
+                <a16:creationId xmlns:a16="http://schemas.microsoft.com/office/drawing/2014/main" id="{87F7FAB7-DDA6-48D4-8248-6C40A00852FD}"/>
+              </a:ext>
+            </a:extLst>
+          </p:cNvPr>
+          <p:cNvSpPr>
+            <a:spLocks noGrp="1"/>
+          </p:cNvSpPr>
+          <p:nvPr>
+            <p:ph type="title"/>
+          </p:nvPr>
+        </p:nvSpPr>
+        <p:spPr/>
+        <p:txBody>
+          <a:bodyPr/>
+          <a:lstStyle/>
+          <a:p>
+            <a:r>
+              <a:rPr lang="en-US" altLang="ko-KR" dirty="0"/>
+              <a:t>R </a:t>
+            </a:r>
+            <a:r>
+              <a:rPr lang="ko-KR" altLang="en-US" dirty="0"/>
+              <a:t>생태계 소개</a:t>
+            </a:r>
+          </a:p>
+        </p:txBody>
+      </p:sp>
+      <p:sp>
+        <p:nvSpPr>
+          <p:cNvPr id="3" name="텍스트 개체 틀 2">
+            <a:extLst>
+              <a:ext uri="{FF2B5EF4-FFF2-40B4-BE49-F238E27FC236}">
+                <a16:creationId xmlns:a16="http://schemas.microsoft.com/office/drawing/2014/main" id="{A7C28AF4-6C68-4FEE-A2C9-6984F14CF598}"/>
+              </a:ext>
+            </a:extLst>
+          </p:cNvPr>
+          <p:cNvSpPr>
+            <a:spLocks noGrp="1"/>
+          </p:cNvSpPr>
+          <p:nvPr>
+            <p:ph type="body" sz="quarter" idx="10"/>
+          </p:nvPr>
+        </p:nvSpPr>
+        <p:spPr/>
+        <p:txBody>
+          <a:bodyPr/>
+          <a:lstStyle/>
+          <a:p>
+            <a:r>
+              <a:rPr lang="en-US" altLang="ko-KR" dirty="0"/>
+              <a:t>00</a:t>
+            </a:r>
+            <a:endParaRPr lang="ko-KR" altLang="en-US" dirty="0"/>
+          </a:p>
+        </p:txBody>
+      </p:sp>
+      <p:sp>
+        <p:nvSpPr>
+          <p:cNvPr id="4" name="내용 개체 틀 3">
+            <a:extLst>
+              <a:ext uri="{FF2B5EF4-FFF2-40B4-BE49-F238E27FC236}">
+                <a16:creationId xmlns:a16="http://schemas.microsoft.com/office/drawing/2014/main" id="{2D68EABD-D500-47A5-A6E5-B07A501D8CC1}"/>
+              </a:ext>
+            </a:extLst>
+          </p:cNvPr>
+          <p:cNvSpPr>
+            <a:spLocks noGrp="1"/>
+          </p:cNvSpPr>
+          <p:nvPr>
+            <p:ph sz="quarter" idx="11"/>
+          </p:nvPr>
+        </p:nvSpPr>
+        <p:spPr/>
+        <p:txBody>
+          <a:bodyPr/>
+          <a:lstStyle/>
+          <a:p>
+            <a:r>
+              <a:rPr lang="ko-KR" altLang="en-US" dirty="0"/>
+              <a:t>강의 소개</a:t>
+            </a:r>
+          </a:p>
+        </p:txBody>
+      </p:sp>
+      <p:pic>
+        <p:nvPicPr>
+          <p:cNvPr id="2050" name="Picture 2" descr="https://lsru.github.io/tv_course/img/01_tidyverse_data_science.png">
+            <a:extLst>
+              <a:ext uri="{FF2B5EF4-FFF2-40B4-BE49-F238E27FC236}">
+                <a16:creationId xmlns:a16="http://schemas.microsoft.com/office/drawing/2014/main" id="{1EF712B0-B322-4C76-9470-4EED3B95E0AE}"/>
+              </a:ext>
+            </a:extLst>
+          </p:cNvPr>
+          <p:cNvPicPr>
+            <a:picLocks noChangeAspect="1" noChangeArrowheads="1"/>
+          </p:cNvPicPr>
+          <p:nvPr/>
+        </p:nvPicPr>
+        <p:blipFill>
+          <a:blip r:embed="rId2">
+            <a:extLst>
+              <a:ext uri="{28A0092B-C50C-407E-A947-70E740481C1C}">
+                <a14:useLocalDpi xmlns:a14="http://schemas.microsoft.com/office/drawing/2010/main" val="0"/>
+              </a:ext>
+            </a:extLst>
+          </a:blip>
+          <a:srcRect/>
+          <a:stretch>
+            <a:fillRect/>
+          </a:stretch>
+        </p:blipFill>
+        <p:spPr bwMode="auto">
+          <a:xfrm>
+            <a:off x="2492485" y="870437"/>
+            <a:ext cx="7207030" cy="5284177"/>
+          </a:xfrm>
+          <a:prstGeom prst="rect">
+            <a:avLst/>
+          </a:prstGeom>
+          <a:noFill/>
+          <a:extLst>
+            <a:ext uri="{909E8E84-426E-40DD-AFC4-6F175D3DCCD1}">
+              <a14:hiddenFill xmlns:a14="http://schemas.microsoft.com/office/drawing/2010/main">
+                <a:solidFill>
+                  <a:srgbClr val="FFFFFF"/>
+                </a:solidFill>
+              </a14:hiddenFill>
+            </a:ext>
+          </a:extLst>
+        </p:spPr>
+      </p:pic>
+    </p:spTree>
+    <p:extLst>
+      <p:ext uri="{BB962C8B-B14F-4D97-AF65-F5344CB8AC3E}">
+        <p14:creationId xmlns:p14="http://schemas.microsoft.com/office/powerpoint/2010/main" val="3673220012"/>
+      </p:ext>
+    </p:extLst>
+  </p:cSld>
+  <p:clrMapOvr>
+    <a:masterClrMapping/>
+  </p:clrMapOvr>
+</p:sld>
+</file>
+
+<file path=ppt/slides/slide13.xml><?xml version="1.0" encoding="utf-8"?>
+<p:sld xmlns:a="http://schemas.openxmlformats.org/drawingml/2006/main" xmlns:r="http://schemas.openxmlformats.org/officeDocument/2006/relationships" xmlns:p="http://schemas.openxmlformats.org/presentationml/2006/main">
+  <p:cSld>
+    <p:spTree>
+      <p:nvGrpSpPr>
+        <p:cNvPr id="1" name=""/>
+        <p:cNvGrpSpPr/>
+        <p:nvPr/>
+      </p:nvGrpSpPr>
+      <p:grpSpPr>
+        <a:xfrm>
+          <a:off x="0" y="0"/>
+          <a:ext cx="0" cy="0"/>
+          <a:chOff x="0" y="0"/>
+          <a:chExt cx="0" cy="0"/>
+        </a:xfrm>
+      </p:grpSpPr>
+      <p:sp>
+        <p:nvSpPr>
+          <p:cNvPr id="2" name="제목 1">
+            <a:extLst>
+              <a:ext uri="{FF2B5EF4-FFF2-40B4-BE49-F238E27FC236}">
+                <a16:creationId xmlns:a16="http://schemas.microsoft.com/office/drawing/2014/main" id="{87F7FAB7-DDA6-48D4-8248-6C40A00852FD}"/>
+              </a:ext>
+            </a:extLst>
+          </p:cNvPr>
+          <p:cNvSpPr>
+            <a:spLocks noGrp="1"/>
+          </p:cNvSpPr>
+          <p:nvPr>
+            <p:ph type="title"/>
+          </p:nvPr>
+        </p:nvSpPr>
+        <p:spPr/>
+        <p:txBody>
+          <a:bodyPr/>
+          <a:lstStyle/>
+          <a:p>
+            <a:r>
+              <a:rPr lang="en-US" altLang="ko-KR" dirty="0"/>
+              <a:t>base R</a:t>
+            </a:r>
+            <a:r>
+              <a:rPr lang="ko-KR" altLang="en-US" dirty="0"/>
+              <a:t>의 구성</a:t>
+            </a:r>
+          </a:p>
+        </p:txBody>
+      </p:sp>
+      <p:sp>
+        <p:nvSpPr>
+          <p:cNvPr id="3" name="텍스트 개체 틀 2">
+            <a:extLst>
+              <a:ext uri="{FF2B5EF4-FFF2-40B4-BE49-F238E27FC236}">
+                <a16:creationId xmlns:a16="http://schemas.microsoft.com/office/drawing/2014/main" id="{A7C28AF4-6C68-4FEE-A2C9-6984F14CF598}"/>
+              </a:ext>
+            </a:extLst>
+          </p:cNvPr>
+          <p:cNvSpPr>
+            <a:spLocks noGrp="1"/>
+          </p:cNvSpPr>
+          <p:nvPr>
+            <p:ph type="body" sz="quarter" idx="10"/>
+          </p:nvPr>
+        </p:nvSpPr>
+        <p:spPr/>
+        <p:txBody>
+          <a:bodyPr/>
+          <a:lstStyle/>
+          <a:p>
+            <a:r>
+              <a:rPr lang="en-US" altLang="ko-KR" dirty="0"/>
+              <a:t>00</a:t>
+            </a:r>
+            <a:endParaRPr lang="ko-KR" altLang="en-US" dirty="0"/>
+          </a:p>
+        </p:txBody>
+      </p:sp>
+      <p:sp>
+        <p:nvSpPr>
+          <p:cNvPr id="4" name="내용 개체 틀 3">
+            <a:extLst>
+              <a:ext uri="{FF2B5EF4-FFF2-40B4-BE49-F238E27FC236}">
+                <a16:creationId xmlns:a16="http://schemas.microsoft.com/office/drawing/2014/main" id="{2D68EABD-D500-47A5-A6E5-B07A501D8CC1}"/>
+              </a:ext>
+            </a:extLst>
+          </p:cNvPr>
+          <p:cNvSpPr>
+            <a:spLocks noGrp="1"/>
+          </p:cNvSpPr>
+          <p:nvPr>
+            <p:ph sz="quarter" idx="11"/>
+          </p:nvPr>
+        </p:nvSpPr>
+        <p:spPr/>
+        <p:txBody>
+          <a:bodyPr/>
+          <a:lstStyle/>
+          <a:p>
+            <a:r>
+              <a:rPr lang="ko-KR" altLang="en-US" dirty="0"/>
+              <a:t>강의 소개</a:t>
+            </a:r>
+          </a:p>
+        </p:txBody>
+      </p:sp>
+      <p:sp>
+        <p:nvSpPr>
+          <p:cNvPr id="5" name="텍스트 개체 틀 4">
+            <a:extLst>
+              <a:ext uri="{FF2B5EF4-FFF2-40B4-BE49-F238E27FC236}">
+                <a16:creationId xmlns:a16="http://schemas.microsoft.com/office/drawing/2014/main" id="{AABCE2BA-CE51-484E-8FC0-DEB91A836884}"/>
+              </a:ext>
+            </a:extLst>
+          </p:cNvPr>
+          <p:cNvSpPr>
+            <a:spLocks noGrp="1"/>
+          </p:cNvSpPr>
+          <p:nvPr>
+            <p:ph type="body" sz="quarter" idx="12"/>
+          </p:nvPr>
+        </p:nvSpPr>
+        <p:spPr/>
+        <p:txBody>
+          <a:bodyPr/>
+          <a:lstStyle/>
+          <a:p>
+            <a:r>
+              <a:rPr lang="ko-KR" altLang="en-US" dirty="0"/>
+              <a:t>데이터와 함수</a:t>
+            </a:r>
+            <a:endParaRPr lang="en-US" altLang="ko-KR" dirty="0"/>
+          </a:p>
+          <a:p>
+            <a:endParaRPr lang="en-US" altLang="ko-KR" dirty="0"/>
+          </a:p>
+          <a:p>
+            <a:r>
+              <a:rPr lang="ko-KR" altLang="en-US" dirty="0"/>
+              <a:t>프로그램의 흐름을 다루는 문법</a:t>
+            </a:r>
+            <a:endParaRPr lang="en-US" altLang="ko-KR" dirty="0"/>
+          </a:p>
+          <a:p>
+            <a:pPr marL="0" indent="0">
+              <a:buNone/>
+            </a:pPr>
+            <a:endParaRPr lang="en-US" altLang="ko-KR" dirty="0"/>
+          </a:p>
+        </p:txBody>
+      </p:sp>
+    </p:spTree>
+    <p:extLst>
+      <p:ext uri="{BB962C8B-B14F-4D97-AF65-F5344CB8AC3E}">
+        <p14:creationId xmlns:p14="http://schemas.microsoft.com/office/powerpoint/2010/main" val="2950223355"/>
+      </p:ext>
+    </p:extLst>
+  </p:cSld>
+  <p:clrMapOvr>
+    <a:masterClrMapping/>
+  </p:clrMapOvr>
+</p:sld>
+</file>
+
+<file path=ppt/slides/slide14.xml><?xml version="1.0" encoding="utf-8"?>
+<p:sld xmlns:a="http://schemas.openxmlformats.org/drawingml/2006/main" xmlns:r="http://schemas.openxmlformats.org/officeDocument/2006/relationships" xmlns:p="http://schemas.openxmlformats.org/presentationml/2006/main">
+  <p:cSld>
+    <p:spTree>
+      <p:nvGrpSpPr>
+        <p:cNvPr id="1" name=""/>
+        <p:cNvGrpSpPr/>
+        <p:nvPr/>
+      </p:nvGrpSpPr>
+      <p:grpSpPr>
+        <a:xfrm>
+          <a:off x="0" y="0"/>
+          <a:ext cx="0" cy="0"/>
+          <a:chOff x="0" y="0"/>
+          <a:chExt cx="0" cy="0"/>
+        </a:xfrm>
+      </p:grpSpPr>
       <p:sp>
         <p:nvSpPr>
           <p:cNvPr id="2" name="제목 1">
@@ -7500,7 +7963,7 @@
 </p:sld>
 </file>
 
-<file path=ppt/slides/slide12.xml><?xml version="1.0" encoding="utf-8"?>
+<file path=ppt/slides/slide15.xml><?xml version="1.0" encoding="utf-8"?>
 <p:sld xmlns:a="http://schemas.openxmlformats.org/drawingml/2006/main" xmlns:r="http://schemas.openxmlformats.org/officeDocument/2006/relationships" xmlns:p="http://schemas.openxmlformats.org/presentationml/2006/main">
   <p:cSld>
     <p:spTree>
@@ -7802,7 +8265,7 @@
 </p:sld>
 </file>
 
-<file path=ppt/slides/slide13.xml><?xml version="1.0" encoding="utf-8"?>
+<file path=ppt/slides/slide16.xml><?xml version="1.0" encoding="utf-8"?>
 <p:sld xmlns:a="http://schemas.openxmlformats.org/drawingml/2006/main" xmlns:r="http://schemas.openxmlformats.org/officeDocument/2006/relationships" xmlns:p="http://schemas.openxmlformats.org/presentationml/2006/main">
   <p:cSld>
     <p:spTree>
@@ -7908,7 +8371,7 @@
 </p:sld>
 </file>
 
-<file path=ppt/slides/slide14.xml><?xml version="1.0" encoding="utf-8"?>
+<file path=ppt/slides/slide17.xml><?xml version="1.0" encoding="utf-8"?>
 <p:sld xmlns:a="http://schemas.openxmlformats.org/drawingml/2006/main" xmlns:r="http://schemas.openxmlformats.org/officeDocument/2006/relationships" xmlns:p="http://schemas.openxmlformats.org/presentationml/2006/main">
   <p:cSld>
     <p:spTree>
@@ -8004,7 +8467,7 @@
 </p:sld>
 </file>
 
-<file path=ppt/slides/slide15.xml><?xml version="1.0" encoding="utf-8"?>
+<file path=ppt/slides/slide18.xml><?xml version="1.0" encoding="utf-8"?>
 <p:sld xmlns:a="http://schemas.openxmlformats.org/drawingml/2006/main" xmlns:r="http://schemas.openxmlformats.org/officeDocument/2006/relationships" xmlns:p="http://schemas.openxmlformats.org/presentationml/2006/main">
   <p:cSld>
     <p:spTree>
@@ -8136,61 +8599,127 @@
       </p:grpSpPr>
       <p:sp>
         <p:nvSpPr>
-          <p:cNvPr id="8" name="제목 3">
-            <a:extLst>
-              <a:ext uri="{FF2B5EF4-FFF2-40B4-BE49-F238E27FC236}">
-                <a16:creationId xmlns:a16="http://schemas.microsoft.com/office/drawing/2014/main" id="{BC3D074B-685C-4A78-A046-5F6B58E5A81D}"/>
-              </a:ext>
-            </a:extLst>
-          </p:cNvPr>
-          <p:cNvSpPr txBox="1">
-            <a:spLocks/>
+          <p:cNvPr id="2" name="텍스트 개체 틀 1"/>
+          <p:cNvSpPr>
+            <a:spLocks noGrp="1"/>
           </p:cNvSpPr>
-          <p:nvPr/>
-        </p:nvSpPr>
-        <p:spPr>
-          <a:xfrm>
-            <a:off x="630867" y="2862057"/>
-            <a:ext cx="10930266" cy="1201773"/>
-          </a:xfrm>
-          <a:prstGeom prst="rect">
-            <a:avLst/>
-          </a:prstGeom>
+          <p:nvPr>
+            <p:ph type="body" sz="quarter" idx="10" hasCustomPrompt="1"/>
+          </p:nvPr>
+        </p:nvSpPr>
+        <p:spPr>
+          <a:xfrm>
+            <a:off x="1577592" y="1800061"/>
+            <a:ext cx="826276" cy="461665"/>
+          </a:xfrm>
         </p:spPr>
         <p:txBody>
           <a:bodyPr/>
-          <a:lstStyle>
-            <a:lvl1pPr algn="l" defTabSz="914400" rtl="0" eaLnBrk="1" latinLnBrk="1" hangingPunct="1">
-              <a:lnSpc>
-                <a:spcPct val="90000"/>
-              </a:lnSpc>
-              <a:spcBef>
-                <a:spcPct val="0"/>
-              </a:spcBef>
-              <a:buNone/>
-              <a:defRPr sz="4400" kern="1200">
+          <a:lstStyle/>
+          <a:p>
+            <a:r>
+              <a:rPr dirty="0"/>
+              <a:t>0</a:t>
+            </a:r>
+            <a:r>
+              <a:rPr lang="en-US" altLang="ko-KR" dirty="0"/>
+              <a:t>0</a:t>
+            </a:r>
+            <a:endParaRPr dirty="0"/>
+          </a:p>
+        </p:txBody>
+      </p:sp>
+      <p:sp>
+        <p:nvSpPr>
+          <p:cNvPr id="3" name="제목 2"/>
+          <p:cNvSpPr>
+            <a:spLocks noGrp="1"/>
+          </p:cNvSpPr>
+          <p:nvPr>
+            <p:ph type="title" hasCustomPrompt="1"/>
+          </p:nvPr>
+        </p:nvSpPr>
+        <p:spPr>
+          <a:xfrm>
+            <a:off x="472440" y="2242743"/>
+            <a:ext cx="10515600" cy="556463"/>
+          </a:xfrm>
+        </p:spPr>
+        <p:txBody>
+          <a:bodyPr/>
+          <a:lstStyle/>
+          <a:p>
+            <a:r>
+              <a:rPr lang="ko-KR" altLang="en-US" dirty="0">
                 <a:solidFill>
-                  <a:schemeClr val="tx1"/>
+                  <a:srgbClr val="F0234B"/>
                 </a:solidFill>
-                <a:latin typeface="+mj-lt"/>
-                <a:ea typeface="+mj-ea"/>
-                <a:cs typeface="+mj-cs"/>
-              </a:defRPr>
-            </a:lvl1pPr>
-          </a:lstStyle>
-          <a:p>
-            <a:pPr algn="ctr"/>
-            <a:r>
-              <a:rPr lang="ko-KR" altLang="en-US" sz="3600" b="1" dirty="0"/>
-              <a:t>강의의 목표</a:t>
-            </a:r>
+              </a:rPr>
+              <a:t>강의 소개</a:t>
+            </a:r>
+            <a:endParaRPr dirty="0">
+              <a:solidFill>
+                <a:srgbClr val="F0234B"/>
+              </a:solidFill>
+            </a:endParaRPr>
+          </a:p>
+        </p:txBody>
+      </p:sp>
+      <p:sp>
+        <p:nvSpPr>
+          <p:cNvPr id="4" name="텍스트 개체 틀 3"/>
+          <p:cNvSpPr>
+            <a:spLocks noGrp="1"/>
+          </p:cNvSpPr>
+          <p:nvPr>
+            <p:ph type="body" sz="quarter" idx="11" hasCustomPrompt="1"/>
+          </p:nvPr>
+        </p:nvSpPr>
+        <p:spPr>
+          <a:xfrm>
+            <a:off x="821490" y="2877946"/>
+            <a:ext cx="10136057" cy="2081938"/>
+          </a:xfrm>
+        </p:spPr>
+        <p:txBody>
+          <a:bodyPr/>
+          <a:lstStyle/>
+          <a:p>
+            <a:r>
+              <a:rPr lang="ko-KR" altLang="en-US" dirty="0"/>
+              <a:t>금</a:t>
+            </a:r>
+            <a:r>
+              <a:rPr lang="ko-KR" altLang="en-US" dirty="0">
+                <a:solidFill>
+                  <a:srgbClr val="FFFFFF"/>
+                </a:solidFill>
+              </a:rPr>
+              <a:t>융</a:t>
+            </a:r>
+            <a:r>
+              <a:rPr lang="ko-KR" altLang="en-US" dirty="0"/>
+              <a:t> 데이터 분석을 위한</a:t>
+            </a:r>
+            <a:endParaRPr lang="en-US" altLang="ko-KR" dirty="0"/>
+          </a:p>
+          <a:p>
+            <a:r>
+              <a:rPr lang="en-US" dirty="0"/>
+              <a:t>R </a:t>
+            </a:r>
+            <a:r>
+              <a:rPr lang="ko-KR" altLang="en-US" dirty="0"/>
+              <a:t>프로그래밍 기초</a:t>
+            </a:r>
+            <a:endParaRPr dirty="0"/>
           </a:p>
         </p:txBody>
       </p:sp>
     </p:spTree>
     <p:extLst>
       <p:ext uri="{BB962C8B-B14F-4D97-AF65-F5344CB8AC3E}">
-        <p14:creationId xmlns:p14="http://schemas.microsoft.com/office/powerpoint/2010/main" val="3656549564"/>
+        <p14:creationId xmlns:p14="http://schemas.microsoft.com/office/powerpoint/2010/main" val="2706408443"/>
       </p:ext>
     </p:extLst>
   </p:cSld>
@@ -8219,90 +8748,70 @@
       </p:grpSpPr>
       <p:sp>
         <p:nvSpPr>
-          <p:cNvPr id="8" name="제목 3">
-            <a:extLst>
-              <a:ext uri="{FF2B5EF4-FFF2-40B4-BE49-F238E27FC236}">
-                <a16:creationId xmlns:a16="http://schemas.microsoft.com/office/drawing/2014/main" id="{BC3D074B-685C-4A78-A046-5F6B58E5A81D}"/>
-              </a:ext>
-            </a:extLst>
-          </p:cNvPr>
-          <p:cNvSpPr txBox="1">
-            <a:spLocks/>
+          <p:cNvPr id="2" name="제목 1">
+            <a:extLst>
+              <a:ext uri="{FF2B5EF4-FFF2-40B4-BE49-F238E27FC236}">
+                <a16:creationId xmlns:a16="http://schemas.microsoft.com/office/drawing/2014/main" id="{DCFF4024-D5D7-4AFD-B193-63EB4F02DEB3}"/>
+              </a:ext>
+            </a:extLst>
+          </p:cNvPr>
+          <p:cNvSpPr>
+            <a:spLocks noGrp="1"/>
           </p:cNvSpPr>
-          <p:nvPr/>
-        </p:nvSpPr>
-        <p:spPr>
-          <a:xfrm>
-            <a:off x="630867" y="2316934"/>
-            <a:ext cx="10930266" cy="1201773"/>
-          </a:xfrm>
-          <a:prstGeom prst="rect">
-            <a:avLst/>
-          </a:prstGeom>
-        </p:spPr>
+          <p:nvPr>
+            <p:ph type="title"/>
+          </p:nvPr>
+        </p:nvSpPr>
+        <p:spPr/>
         <p:txBody>
           <a:bodyPr/>
-          <a:lstStyle>
-            <a:lvl1pPr algn="l" defTabSz="914400" rtl="0" eaLnBrk="1" latinLnBrk="1" hangingPunct="1">
-              <a:lnSpc>
-                <a:spcPct val="90000"/>
-              </a:lnSpc>
-              <a:spcBef>
-                <a:spcPct val="0"/>
-              </a:spcBef>
-              <a:buNone/>
-              <a:defRPr sz="4400" kern="1200">
-                <a:solidFill>
-                  <a:schemeClr val="tx1"/>
-                </a:solidFill>
-                <a:latin typeface="+mj-lt"/>
-                <a:ea typeface="+mj-ea"/>
-                <a:cs typeface="+mj-cs"/>
-              </a:defRPr>
-            </a:lvl1pPr>
-          </a:lstStyle>
-          <a:p>
-            <a:pPr algn="ctr">
-              <a:lnSpc>
-                <a:spcPct val="150000"/>
-              </a:lnSpc>
-            </a:pPr>
-            <a:r>
-              <a:rPr lang="ko-KR" altLang="en-US" sz="3600" dirty="0"/>
-              <a:t>혼자 공부하기 어려운 부분을</a:t>
-            </a:r>
-            <a:endParaRPr lang="en-US" altLang="ko-KR" sz="3200" dirty="0"/>
-          </a:p>
-          <a:p>
-            <a:pPr algn="ctr">
-              <a:lnSpc>
-                <a:spcPct val="150000"/>
-              </a:lnSpc>
-            </a:pPr>
-            <a:r>
-              <a:rPr lang="ko-KR" altLang="en-US" sz="3600" dirty="0">
-                <a:solidFill>
-                  <a:srgbClr val="F0234B"/>
-                </a:solidFill>
-              </a:rPr>
-              <a:t>빠르게</a:t>
-            </a:r>
-            <a:r>
-              <a:rPr lang="ko-KR" altLang="en-US" sz="3600" dirty="0"/>
-              <a:t> 이해하도록 돕는다</a:t>
-            </a:r>
-            <a:r>
-              <a:rPr lang="en-US" altLang="ko-KR" sz="3600" dirty="0"/>
+          <a:lstStyle/>
+          <a:p>
+            <a:r>
+              <a:rPr lang="ko-KR" altLang="en-US" dirty="0"/>
+              <a:t>이건 </a:t>
+            </a:r>
+            <a:r>
+              <a:rPr lang="ko-KR" altLang="en-US"/>
+              <a:t>중간 슬라이드입니다</a:t>
+            </a:r>
+            <a:r>
+              <a:rPr lang="en-US" altLang="ko-KR" dirty="0"/>
               <a:t>.</a:t>
             </a:r>
-            <a:endParaRPr lang="ko-KR" altLang="en-US" sz="3600" dirty="0"/>
+            <a:endParaRPr lang="ko-KR" altLang="en-US" dirty="0"/>
+          </a:p>
+        </p:txBody>
+      </p:sp>
+      <p:sp>
+        <p:nvSpPr>
+          <p:cNvPr id="3" name="텍스트 개체 틀 2">
+            <a:extLst>
+              <a:ext uri="{FF2B5EF4-FFF2-40B4-BE49-F238E27FC236}">
+                <a16:creationId xmlns:a16="http://schemas.microsoft.com/office/drawing/2014/main" id="{84C0B4C0-133F-4D1A-BDDD-B9E944DF63A1}"/>
+              </a:ext>
+            </a:extLst>
+          </p:cNvPr>
+          <p:cNvSpPr>
+            <a:spLocks noGrp="1"/>
+          </p:cNvSpPr>
+          <p:nvPr>
+            <p:ph type="body" sz="quarter" idx="10"/>
+          </p:nvPr>
+        </p:nvSpPr>
+        <p:spPr/>
+        <p:txBody>
+          <a:bodyPr/>
+          <a:lstStyle/>
+          <a:p>
+            <a:endParaRPr lang="ko-KR" altLang="en-US"/>
           </a:p>
         </p:txBody>
       </p:sp>
     </p:spTree>
     <p:extLst>
       <p:ext uri="{BB962C8B-B14F-4D97-AF65-F5344CB8AC3E}">
-        <p14:creationId xmlns:p14="http://schemas.microsoft.com/office/powerpoint/2010/main" val="70107518"/>
+        <p14:creationId xmlns:p14="http://schemas.microsoft.com/office/powerpoint/2010/main" val="231680727"/>
       </p:ext>
     </p:extLst>
   </p:cSld>
@@ -8331,145 +8840,53 @@
       </p:grpSpPr>
       <p:sp>
         <p:nvSpPr>
-          <p:cNvPr id="2" name="제목 1">
-            <a:extLst>
-              <a:ext uri="{FF2B5EF4-FFF2-40B4-BE49-F238E27FC236}">
-                <a16:creationId xmlns:a16="http://schemas.microsoft.com/office/drawing/2014/main" id="{3D448522-7010-4BE1-BE27-3AA2D0414BC0}"/>
-              </a:ext>
-            </a:extLst>
-          </p:cNvPr>
-          <p:cNvSpPr>
-            <a:spLocks noGrp="1"/>
+          <p:cNvPr id="8" name="제목 3">
+            <a:extLst>
+              <a:ext uri="{FF2B5EF4-FFF2-40B4-BE49-F238E27FC236}">
+                <a16:creationId xmlns:a16="http://schemas.microsoft.com/office/drawing/2014/main" id="{BC3D074B-685C-4A78-A046-5F6B58E5A81D}"/>
+              </a:ext>
+            </a:extLst>
+          </p:cNvPr>
+          <p:cNvSpPr txBox="1">
+            <a:spLocks/>
           </p:cNvSpPr>
-          <p:nvPr>
-            <p:ph type="title"/>
-          </p:nvPr>
-        </p:nvSpPr>
-        <p:spPr/>
+          <p:nvPr/>
+        </p:nvSpPr>
+        <p:spPr>
+          <a:xfrm>
+            <a:off x="630867" y="2862057"/>
+            <a:ext cx="10930266" cy="1201773"/>
+          </a:xfrm>
+          <a:prstGeom prst="rect">
+            <a:avLst/>
+          </a:prstGeom>
+        </p:spPr>
         <p:txBody>
           <a:bodyPr/>
-          <a:lstStyle/>
-          <a:p>
-            <a:r>
-              <a:rPr lang="ko-KR" altLang="en-US" dirty="0">
+          <a:lstStyle>
+            <a:lvl1pPr algn="l" defTabSz="914400" rtl="0" eaLnBrk="1" latinLnBrk="1" hangingPunct="1">
+              <a:lnSpc>
+                <a:spcPct val="90000"/>
+              </a:lnSpc>
+              <a:spcBef>
+                <a:spcPct val="0"/>
+              </a:spcBef>
+              <a:buNone/>
+              <a:defRPr sz="4400" kern="1200">
                 <a:solidFill>
-                  <a:srgbClr val="F0234B"/>
+                  <a:schemeClr val="tx1"/>
                 </a:solidFill>
-              </a:rPr>
-              <a:t>빠르게</a:t>
-            </a:r>
-            <a:r>
-              <a:rPr lang="ko-KR" altLang="en-US" dirty="0"/>
-              <a:t> 공부하기 위해서</a:t>
-            </a:r>
-          </a:p>
-        </p:txBody>
-      </p:sp>
-      <p:sp>
-        <p:nvSpPr>
-          <p:cNvPr id="3" name="텍스트 개체 틀 2">
-            <a:extLst>
-              <a:ext uri="{FF2B5EF4-FFF2-40B4-BE49-F238E27FC236}">
-                <a16:creationId xmlns:a16="http://schemas.microsoft.com/office/drawing/2014/main" id="{D7872CA9-264E-4F26-B6D7-AA4BF1E7FC75}"/>
-              </a:ext>
-            </a:extLst>
-          </p:cNvPr>
-          <p:cNvSpPr>
-            <a:spLocks noGrp="1"/>
-          </p:cNvSpPr>
-          <p:nvPr>
-            <p:ph type="body" sz="quarter" idx="10"/>
-          </p:nvPr>
-        </p:nvSpPr>
-        <p:spPr/>
-        <p:txBody>
-          <a:bodyPr/>
-          <a:lstStyle/>
-          <a:p>
-            <a:r>
-              <a:rPr lang="en-US" altLang="ko-KR" dirty="0"/>
-              <a:t>00</a:t>
-            </a:r>
-            <a:endParaRPr lang="ko-KR" altLang="en-US" dirty="0"/>
-          </a:p>
-        </p:txBody>
-      </p:sp>
-      <p:sp>
-        <p:nvSpPr>
-          <p:cNvPr id="4" name="내용 개체 틀 3">
-            <a:extLst>
-              <a:ext uri="{FF2B5EF4-FFF2-40B4-BE49-F238E27FC236}">
-                <a16:creationId xmlns:a16="http://schemas.microsoft.com/office/drawing/2014/main" id="{9F38E2E2-ADCF-4FEC-AB6E-0F88A4E38410}"/>
-              </a:ext>
-            </a:extLst>
-          </p:cNvPr>
-          <p:cNvSpPr>
-            <a:spLocks noGrp="1"/>
-          </p:cNvSpPr>
-          <p:nvPr>
-            <p:ph sz="quarter" idx="11"/>
-          </p:nvPr>
-        </p:nvSpPr>
-        <p:spPr/>
-        <p:txBody>
-          <a:bodyPr/>
-          <a:lstStyle/>
-          <a:p>
-            <a:r>
-              <a:rPr lang="ko-KR" altLang="en-US" dirty="0"/>
-              <a:t>강의 소개</a:t>
-            </a:r>
-          </a:p>
-        </p:txBody>
-      </p:sp>
-      <p:sp>
-        <p:nvSpPr>
-          <p:cNvPr id="5" name="텍스트 개체 틀 4">
-            <a:extLst>
-              <a:ext uri="{FF2B5EF4-FFF2-40B4-BE49-F238E27FC236}">
-                <a16:creationId xmlns:a16="http://schemas.microsoft.com/office/drawing/2014/main" id="{66D6AE74-76CA-4B5C-A3FC-C41D7444B243}"/>
-              </a:ext>
-            </a:extLst>
-          </p:cNvPr>
-          <p:cNvSpPr>
-            <a:spLocks noGrp="1"/>
-          </p:cNvSpPr>
-          <p:nvPr>
-            <p:ph type="body" sz="quarter" idx="12"/>
-          </p:nvPr>
-        </p:nvSpPr>
-        <p:spPr/>
-        <p:txBody>
-          <a:bodyPr/>
-          <a:lstStyle/>
-          <a:p>
-            <a:r>
-              <a:rPr lang="ko-KR" altLang="en-US" dirty="0"/>
-              <a:t>자주 사용하는 함수를 학습</a:t>
-            </a:r>
-            <a:endParaRPr lang="en-US" altLang="ko-KR" dirty="0"/>
-          </a:p>
-          <a:p>
-            <a:endParaRPr lang="ko-KR" altLang="en-US" dirty="0"/>
-          </a:p>
-          <a:p>
-            <a:r>
-              <a:rPr lang="en-US" altLang="ko-KR" dirty="0"/>
-              <a:t>cheat sheet, help page</a:t>
-            </a:r>
-            <a:r>
-              <a:rPr lang="ko-KR" altLang="en-US" dirty="0"/>
-              <a:t>를 사전처럼 활용</a:t>
-            </a:r>
-            <a:endParaRPr lang="en-US" altLang="ko-KR" dirty="0"/>
-          </a:p>
-          <a:p>
-            <a:endParaRPr lang="ko-KR" altLang="en-US" dirty="0"/>
-          </a:p>
-          <a:p>
-            <a:r>
-              <a:rPr lang="ko-KR" altLang="en-US" dirty="0"/>
-              <a:t>개인 프로젝트 진행</a:t>
+                <a:latin typeface="+mj-lt"/>
+                <a:ea typeface="+mj-ea"/>
+                <a:cs typeface="+mj-cs"/>
+              </a:defRPr>
+            </a:lvl1pPr>
+          </a:lstStyle>
+          <a:p>
+            <a:pPr algn="ctr"/>
+            <a:r>
+              <a:rPr lang="ko-KR" altLang="en-US" sz="3600" b="1" dirty="0"/>
+              <a:t>강의의 목표</a:t>
             </a:r>
           </a:p>
         </p:txBody>
@@ -8477,7 +8894,7 @@
     </p:spTree>
     <p:extLst>
       <p:ext uri="{BB962C8B-B14F-4D97-AF65-F5344CB8AC3E}">
-        <p14:creationId xmlns:p14="http://schemas.microsoft.com/office/powerpoint/2010/main" val="2773528604"/>
+        <p14:creationId xmlns:p14="http://schemas.microsoft.com/office/powerpoint/2010/main" val="3656549564"/>
       </p:ext>
     </p:extLst>
   </p:cSld>
@@ -8506,27 +8923,68 @@
       </p:grpSpPr>
       <p:sp>
         <p:nvSpPr>
-          <p:cNvPr id="2" name="제목 1">
-            <a:extLst>
-              <a:ext uri="{FF2B5EF4-FFF2-40B4-BE49-F238E27FC236}">
-                <a16:creationId xmlns:a16="http://schemas.microsoft.com/office/drawing/2014/main" id="{3D448522-7010-4BE1-BE27-3AA2D0414BC0}"/>
-              </a:ext>
-            </a:extLst>
-          </p:cNvPr>
-          <p:cNvSpPr>
-            <a:spLocks noGrp="1"/>
+          <p:cNvPr id="8" name="제목 3">
+            <a:extLst>
+              <a:ext uri="{FF2B5EF4-FFF2-40B4-BE49-F238E27FC236}">
+                <a16:creationId xmlns:a16="http://schemas.microsoft.com/office/drawing/2014/main" id="{BC3D074B-685C-4A78-A046-5F6B58E5A81D}"/>
+              </a:ext>
+            </a:extLst>
+          </p:cNvPr>
+          <p:cNvSpPr txBox="1">
+            <a:spLocks/>
           </p:cNvSpPr>
-          <p:nvPr>
-            <p:ph type="title"/>
-          </p:nvPr>
-        </p:nvSpPr>
-        <p:spPr/>
+          <p:nvPr/>
+        </p:nvSpPr>
+        <p:spPr>
+          <a:xfrm>
+            <a:off x="630867" y="2316934"/>
+            <a:ext cx="10930266" cy="1201773"/>
+          </a:xfrm>
+          <a:prstGeom prst="rect">
+            <a:avLst/>
+          </a:prstGeom>
+        </p:spPr>
         <p:txBody>
           <a:bodyPr/>
-          <a:lstStyle/>
-          <a:p>
-            <a:r>
-              <a:rPr lang="ko-KR" altLang="en-US" dirty="0">
+          <a:lstStyle>
+            <a:lvl1pPr algn="l" defTabSz="914400" rtl="0" eaLnBrk="1" latinLnBrk="1" hangingPunct="1">
+              <a:lnSpc>
+                <a:spcPct val="90000"/>
+              </a:lnSpc>
+              <a:spcBef>
+                <a:spcPct val="0"/>
+              </a:spcBef>
+              <a:buNone/>
+              <a:defRPr sz="4400" kern="1200">
+                <a:solidFill>
+                  <a:schemeClr val="tx1"/>
+                </a:solidFill>
+                <a:latin typeface="+mj-lt"/>
+                <a:ea typeface="+mj-ea"/>
+                <a:cs typeface="+mj-cs"/>
+              </a:defRPr>
+            </a:lvl1pPr>
+          </a:lstStyle>
+          <a:p>
+            <a:pPr algn="ctr">
+              <a:lnSpc>
+                <a:spcPct val="150000"/>
+              </a:lnSpc>
+            </a:pPr>
+            <a:r>
+              <a:rPr lang="ko-KR" altLang="en-US" sz="3600" dirty="0"/>
+              <a:t>혼자 공부하기 어려운 부분을</a:t>
+            </a:r>
+            <a:endParaRPr lang="en-US" altLang="ko-KR" sz="3200" dirty="0"/>
+          </a:p>
+          <a:p>
+            <a:pPr algn="ctr">
+              <a:lnSpc>
+                <a:spcPct val="150000"/>
+              </a:lnSpc>
+            </a:pPr>
+            <a:r>
+              <a:rPr lang="ko-KR" altLang="en-US" sz="3600" dirty="0">
                 <a:solidFill>
                   <a:srgbClr val="F0234B"/>
                 </a:solidFill>
@@ -8534,133 +8992,21 @@
               <a:t>빠르게</a:t>
             </a:r>
             <a:r>
-              <a:rPr lang="ko-KR" altLang="en-US" dirty="0"/>
-              <a:t> 공부하기 위해서</a:t>
-            </a:r>
-          </a:p>
-        </p:txBody>
-      </p:sp>
-      <p:sp>
-        <p:nvSpPr>
-          <p:cNvPr id="3" name="텍스트 개체 틀 2">
-            <a:extLst>
-              <a:ext uri="{FF2B5EF4-FFF2-40B4-BE49-F238E27FC236}">
-                <a16:creationId xmlns:a16="http://schemas.microsoft.com/office/drawing/2014/main" id="{D7872CA9-264E-4F26-B6D7-AA4BF1E7FC75}"/>
-              </a:ext>
-            </a:extLst>
-          </p:cNvPr>
-          <p:cNvSpPr>
-            <a:spLocks noGrp="1"/>
-          </p:cNvSpPr>
-          <p:nvPr>
-            <p:ph type="body" sz="quarter" idx="10"/>
-          </p:nvPr>
-        </p:nvSpPr>
-        <p:spPr/>
-        <p:txBody>
-          <a:bodyPr/>
-          <a:lstStyle/>
-          <a:p>
-            <a:r>
-              <a:rPr lang="en-US" altLang="ko-KR" dirty="0"/>
-              <a:t>00</a:t>
-            </a:r>
-            <a:endParaRPr lang="ko-KR" altLang="en-US" dirty="0"/>
-          </a:p>
-        </p:txBody>
-      </p:sp>
-      <p:sp>
-        <p:nvSpPr>
-          <p:cNvPr id="4" name="내용 개체 틀 3">
-            <a:extLst>
-              <a:ext uri="{FF2B5EF4-FFF2-40B4-BE49-F238E27FC236}">
-                <a16:creationId xmlns:a16="http://schemas.microsoft.com/office/drawing/2014/main" id="{9F38E2E2-ADCF-4FEC-AB6E-0F88A4E38410}"/>
-              </a:ext>
-            </a:extLst>
-          </p:cNvPr>
-          <p:cNvSpPr>
-            <a:spLocks noGrp="1"/>
-          </p:cNvSpPr>
-          <p:nvPr>
-            <p:ph sz="quarter" idx="11"/>
-          </p:nvPr>
-        </p:nvSpPr>
-        <p:spPr/>
-        <p:txBody>
-          <a:bodyPr/>
-          <a:lstStyle/>
-          <a:p>
-            <a:r>
-              <a:rPr lang="ko-KR" altLang="en-US" dirty="0"/>
-              <a:t>강의 소개</a:t>
-            </a:r>
-          </a:p>
-        </p:txBody>
-      </p:sp>
-      <p:sp>
-        <p:nvSpPr>
-          <p:cNvPr id="5" name="텍스트 개체 틀 4">
-            <a:extLst>
-              <a:ext uri="{FF2B5EF4-FFF2-40B4-BE49-F238E27FC236}">
-                <a16:creationId xmlns:a16="http://schemas.microsoft.com/office/drawing/2014/main" id="{66D6AE74-76CA-4B5C-A3FC-C41D7444B243}"/>
-              </a:ext>
-            </a:extLst>
-          </p:cNvPr>
-          <p:cNvSpPr>
-            <a:spLocks noGrp="1"/>
-          </p:cNvSpPr>
-          <p:nvPr>
-            <p:ph type="body" sz="quarter" idx="12"/>
-          </p:nvPr>
-        </p:nvSpPr>
-        <p:spPr/>
-        <p:txBody>
-          <a:bodyPr/>
-          <a:lstStyle/>
-          <a:p>
-            <a:r>
-              <a:rPr lang="ko-KR" altLang="en-US" dirty="0"/>
-              <a:t>자주 사용하는 함수를 학습</a:t>
-            </a:r>
-            <a:endParaRPr lang="en-US" altLang="ko-KR" dirty="0"/>
-          </a:p>
-          <a:p>
-            <a:endParaRPr lang="ko-KR" altLang="en-US" dirty="0"/>
-          </a:p>
-          <a:p>
-            <a:r>
-              <a:rPr lang="en-US" altLang="ko-KR" dirty="0"/>
-              <a:t>cheat sheet, help page</a:t>
-            </a:r>
-            <a:r>
-              <a:rPr lang="ko-KR" altLang="en-US" dirty="0"/>
-              <a:t>를 사전처럼 활용</a:t>
-            </a:r>
-            <a:endParaRPr lang="en-US" altLang="ko-KR" dirty="0"/>
-          </a:p>
-          <a:p>
-            <a:endParaRPr lang="ko-KR" altLang="en-US" dirty="0"/>
-          </a:p>
-          <a:p>
-            <a:r>
-              <a:rPr lang="ko-KR" altLang="en-US" dirty="0" err="1"/>
-              <a:t>작은</a:t>
-            </a:r>
-            <a:r>
-              <a:rPr lang="ko-KR" altLang="en-US" i="1" strike="sngStrike" dirty="0" err="1"/>
-              <a:t>개인</a:t>
-            </a:r>
-            <a:r>
-              <a:rPr lang="ko-KR" altLang="en-US" dirty="0"/>
-              <a:t> 프로젝트 진행</a:t>
-            </a:r>
+              <a:rPr lang="ko-KR" altLang="en-US" sz="3600" dirty="0"/>
+              <a:t> 이해하도록 돕는다</a:t>
+            </a:r>
+            <a:r>
+              <a:rPr lang="en-US" altLang="ko-KR" sz="3600" dirty="0"/>
+              <a:t>.</a:t>
+            </a:r>
+            <a:endParaRPr lang="ko-KR" altLang="en-US" sz="3600" dirty="0"/>
           </a:p>
         </p:txBody>
       </p:sp>
     </p:spTree>
     <p:extLst>
       <p:ext uri="{BB962C8B-B14F-4D97-AF65-F5344CB8AC3E}">
-        <p14:creationId xmlns:p14="http://schemas.microsoft.com/office/powerpoint/2010/main" val="1400417564"/>
+        <p14:creationId xmlns:p14="http://schemas.microsoft.com/office/powerpoint/2010/main" val="70107518"/>
       </p:ext>
     </p:extLst>
   </p:cSld>
@@ -8689,10 +9035,10 @@
       </p:grpSpPr>
       <p:sp>
         <p:nvSpPr>
-          <p:cNvPr id="4" name="제목 3">
-            <a:extLst>
-              <a:ext uri="{FF2B5EF4-FFF2-40B4-BE49-F238E27FC236}">
-                <a16:creationId xmlns:a16="http://schemas.microsoft.com/office/drawing/2014/main" id="{D524399C-6534-4AC0-B6C8-0F875D9D7EF7}"/>
+          <p:cNvPr id="2" name="제목 1">
+            <a:extLst>
+              <a:ext uri="{FF2B5EF4-FFF2-40B4-BE49-F238E27FC236}">
+                <a16:creationId xmlns:a16="http://schemas.microsoft.com/office/drawing/2014/main" id="{3D448522-7010-4BE1-BE27-3AA2D0414BC0}"/>
               </a:ext>
             </a:extLst>
           </p:cNvPr>
@@ -8709,18 +9055,26 @@
           <a:lstStyle/>
           <a:p>
             <a:r>
+              <a:rPr lang="ko-KR" altLang="en-US" dirty="0">
+                <a:solidFill>
+                  <a:srgbClr val="F0234B"/>
+                </a:solidFill>
+              </a:rPr>
+              <a:t>빠르게</a:t>
+            </a:r>
+            <a:r>
               <a:rPr lang="ko-KR" altLang="en-US" dirty="0"/>
-              <a:t>강의를 통해 얻을 수 있는 것</a:t>
-            </a:r>
-          </a:p>
-        </p:txBody>
-      </p:sp>
-      <p:sp>
-        <p:nvSpPr>
-          <p:cNvPr id="5" name="텍스트 개체 틀 4">
-            <a:extLst>
-              <a:ext uri="{FF2B5EF4-FFF2-40B4-BE49-F238E27FC236}">
-                <a16:creationId xmlns:a16="http://schemas.microsoft.com/office/drawing/2014/main" id="{14205D56-F1E1-4F57-9639-775614A7FE10}"/>
+              <a:t> 공부하기 위해서</a:t>
+            </a:r>
+          </a:p>
+        </p:txBody>
+      </p:sp>
+      <p:sp>
+        <p:nvSpPr>
+          <p:cNvPr id="3" name="텍스트 개체 틀 2">
+            <a:extLst>
+              <a:ext uri="{FF2B5EF4-FFF2-40B4-BE49-F238E27FC236}">
+                <a16:creationId xmlns:a16="http://schemas.microsoft.com/office/drawing/2014/main" id="{D7872CA9-264E-4F26-B6D7-AA4BF1E7FC75}"/>
               </a:ext>
             </a:extLst>
           </p:cNvPr>
@@ -8746,10 +9100,10 @@
       </p:sp>
       <p:sp>
         <p:nvSpPr>
-          <p:cNvPr id="6" name="내용 개체 틀 5">
-            <a:extLst>
-              <a:ext uri="{FF2B5EF4-FFF2-40B4-BE49-F238E27FC236}">
-                <a16:creationId xmlns:a16="http://schemas.microsoft.com/office/drawing/2014/main" id="{A78B14C7-F8C1-4FD3-B4BE-9CF29D0443FF}"/>
+          <p:cNvPr id="4" name="내용 개체 틀 3">
+            <a:extLst>
+              <a:ext uri="{FF2B5EF4-FFF2-40B4-BE49-F238E27FC236}">
+                <a16:creationId xmlns:a16="http://schemas.microsoft.com/office/drawing/2014/main" id="{9F38E2E2-ADCF-4FEC-AB6E-0F88A4E38410}"/>
               </a:ext>
             </a:extLst>
           </p:cNvPr>
@@ -8774,10 +9128,10 @@
       </p:sp>
       <p:sp>
         <p:nvSpPr>
-          <p:cNvPr id="7" name="텍스트 개체 틀 6">
-            <a:extLst>
-              <a:ext uri="{FF2B5EF4-FFF2-40B4-BE49-F238E27FC236}">
-                <a16:creationId xmlns:a16="http://schemas.microsoft.com/office/drawing/2014/main" id="{27BD6C36-4410-4900-904F-9FE3929CD7A4}"/>
+          <p:cNvPr id="5" name="텍스트 개체 틀 4">
+            <a:extLst>
+              <a:ext uri="{FF2B5EF4-FFF2-40B4-BE49-F238E27FC236}">
+                <a16:creationId xmlns:a16="http://schemas.microsoft.com/office/drawing/2014/main" id="{66D6AE74-76CA-4B5C-A3FC-C41D7444B243}"/>
               </a:ext>
             </a:extLst>
           </p:cNvPr>
@@ -8795,58 +9149,39 @@
           <a:p>
             <a:r>
               <a:rPr lang="ko-KR" altLang="en-US" dirty="0"/>
-              <a:t>다른 </a:t>
-            </a:r>
+              <a:t>자주 사용하는 함수를 학습</a:t>
+            </a:r>
+            <a:endParaRPr lang="en-US" altLang="ko-KR" dirty="0"/>
+          </a:p>
+          <a:p>
+            <a:endParaRPr lang="ko-KR" altLang="en-US" dirty="0"/>
+          </a:p>
+          <a:p>
             <a:r>
               <a:rPr lang="en-US" altLang="ko-KR" dirty="0"/>
-              <a:t>R </a:t>
+              <a:t>cheat sheet, help page</a:t>
             </a:r>
             <a:r>
               <a:rPr lang="ko-KR" altLang="en-US" dirty="0"/>
-              <a:t>코드를 읽고 이해할 수 있는 능력</a:t>
-            </a:r>
-          </a:p>
-          <a:p>
+              <a:t>를 사전처럼 활용</a:t>
+            </a:r>
             <a:endParaRPr lang="en-US" altLang="ko-KR" dirty="0"/>
           </a:p>
           <a:p>
+            <a:endParaRPr lang="ko-KR" altLang="en-US" dirty="0"/>
+          </a:p>
+          <a:p>
             <a:r>
               <a:rPr lang="ko-KR" altLang="en-US" dirty="0"/>
-              <a:t>코딩에 고민하는 시간을 아껴주는 유용한 패키지들</a:t>
-            </a:r>
-            <a:endParaRPr lang="en-US" altLang="ko-KR" dirty="0"/>
-          </a:p>
-          <a:p>
-            <a:endParaRPr lang="en-US" altLang="ko-KR" dirty="0"/>
-          </a:p>
-          <a:p>
-            <a:r>
-              <a:rPr lang="en-US" altLang="ko-KR" dirty="0"/>
-              <a:t>(</a:t>
-            </a:r>
-            <a:r>
-              <a:rPr lang="ko-KR" altLang="en-US" dirty="0"/>
-              <a:t>시계열</a:t>
-            </a:r>
-            <a:r>
-              <a:rPr lang="en-US" altLang="ko-KR" dirty="0"/>
-              <a:t>) </a:t>
-            </a:r>
-            <a:r>
-              <a:rPr lang="ko-KR" altLang="en-US" dirty="0"/>
-              <a:t>데이터를 다루는 방법</a:t>
-            </a:r>
-            <a:endParaRPr lang="en-US" altLang="ko-KR" dirty="0"/>
-          </a:p>
-          <a:p>
-            <a:endParaRPr lang="en-US" altLang="ko-KR" dirty="0"/>
+              <a:t>개인 프로젝트 진행</a:t>
+            </a:r>
           </a:p>
         </p:txBody>
       </p:sp>
     </p:spTree>
     <p:extLst>
       <p:ext uri="{BB962C8B-B14F-4D97-AF65-F5344CB8AC3E}">
-        <p14:creationId xmlns:p14="http://schemas.microsoft.com/office/powerpoint/2010/main" val="1432872293"/>
+        <p14:creationId xmlns:p14="http://schemas.microsoft.com/office/powerpoint/2010/main" val="2773528604"/>
       </p:ext>
     </p:extLst>
   </p:cSld>
@@ -8878,7 +9213,7 @@
           <p:cNvPr id="2" name="제목 1">
             <a:extLst>
               <a:ext uri="{FF2B5EF4-FFF2-40B4-BE49-F238E27FC236}">
-                <a16:creationId xmlns:a16="http://schemas.microsoft.com/office/drawing/2014/main" id="{87F7FAB7-DDA6-48D4-8248-6C40A00852FD}"/>
+                <a16:creationId xmlns:a16="http://schemas.microsoft.com/office/drawing/2014/main" id="{3D448522-7010-4BE1-BE27-3AA2D0414BC0}"/>
               </a:ext>
             </a:extLst>
           </p:cNvPr>
@@ -8895,12 +9230,16 @@
           <a:lstStyle/>
           <a:p>
             <a:r>
-              <a:rPr lang="en-US" altLang="ko-KR" dirty="0"/>
-              <a:t>R </a:t>
+              <a:rPr lang="ko-KR" altLang="en-US" dirty="0">
+                <a:solidFill>
+                  <a:srgbClr val="F0234B"/>
+                </a:solidFill>
+              </a:rPr>
+              <a:t>빠르게</a:t>
             </a:r>
             <a:r>
               <a:rPr lang="ko-KR" altLang="en-US" dirty="0"/>
-              <a:t>생태계 소개</a:t>
+              <a:t> 공부하기 위해서</a:t>
             </a:r>
           </a:p>
         </p:txBody>
@@ -8910,7 +9249,7 @@
           <p:cNvPr id="3" name="텍스트 개체 틀 2">
             <a:extLst>
               <a:ext uri="{FF2B5EF4-FFF2-40B4-BE49-F238E27FC236}">
-                <a16:creationId xmlns:a16="http://schemas.microsoft.com/office/drawing/2014/main" id="{A7C28AF4-6C68-4FEE-A2C9-6984F14CF598}"/>
+                <a16:creationId xmlns:a16="http://schemas.microsoft.com/office/drawing/2014/main" id="{D7872CA9-264E-4F26-B6D7-AA4BF1E7FC75}"/>
               </a:ext>
             </a:extLst>
           </p:cNvPr>
@@ -8939,7 +9278,7 @@
           <p:cNvPr id="4" name="내용 개체 틀 3">
             <a:extLst>
               <a:ext uri="{FF2B5EF4-FFF2-40B4-BE49-F238E27FC236}">
-                <a16:creationId xmlns:a16="http://schemas.microsoft.com/office/drawing/2014/main" id="{2D68EABD-D500-47A5-A6E5-B07A501D8CC1}"/>
+                <a16:creationId xmlns:a16="http://schemas.microsoft.com/office/drawing/2014/main" id="{9F38E2E2-ADCF-4FEC-AB6E-0F88A4E38410}"/>
               </a:ext>
             </a:extLst>
           </p:cNvPr>
@@ -8962,46 +9301,70 @@
           </a:p>
         </p:txBody>
       </p:sp>
-      <p:pic>
-        <p:nvPicPr>
-          <p:cNvPr id="10" name="그림 9">
-            <a:extLst>
-              <a:ext uri="{FF2B5EF4-FFF2-40B4-BE49-F238E27FC236}">
-                <a16:creationId xmlns:a16="http://schemas.microsoft.com/office/drawing/2014/main" id="{2C00CDC7-CD25-49DB-8B9C-A80EA6B17FF6}"/>
-              </a:ext>
-            </a:extLst>
-          </p:cNvPr>
-          <p:cNvPicPr>
-            <a:picLocks noChangeAspect="1"/>
-          </p:cNvPicPr>
-          <p:nvPr/>
-        </p:nvPicPr>
-        <p:blipFill>
-          <a:blip r:embed="rId2">
-            <a:extLst>
-              <a:ext uri="{28A0092B-C50C-407E-A947-70E740481C1C}">
-                <a14:useLocalDpi xmlns:a14="http://schemas.microsoft.com/office/drawing/2010/main" val="0"/>
-              </a:ext>
-            </a:extLst>
-          </a:blip>
-          <a:stretch>
-            <a:fillRect/>
-          </a:stretch>
-        </p:blipFill>
-        <p:spPr>
-          <a:xfrm>
-            <a:off x="3718001" y="1901336"/>
-            <a:ext cx="3940719" cy="3055327"/>
-          </a:xfrm>
-          <a:prstGeom prst="rect">
-            <a:avLst/>
-          </a:prstGeom>
-        </p:spPr>
-      </p:pic>
+      <p:sp>
+        <p:nvSpPr>
+          <p:cNvPr id="5" name="텍스트 개체 틀 4">
+            <a:extLst>
+              <a:ext uri="{FF2B5EF4-FFF2-40B4-BE49-F238E27FC236}">
+                <a16:creationId xmlns:a16="http://schemas.microsoft.com/office/drawing/2014/main" id="{66D6AE74-76CA-4B5C-A3FC-C41D7444B243}"/>
+              </a:ext>
+            </a:extLst>
+          </p:cNvPr>
+          <p:cNvSpPr>
+            <a:spLocks noGrp="1"/>
+          </p:cNvSpPr>
+          <p:nvPr>
+            <p:ph type="body" sz="quarter" idx="12"/>
+          </p:nvPr>
+        </p:nvSpPr>
+        <p:spPr/>
+        <p:txBody>
+          <a:bodyPr/>
+          <a:lstStyle/>
+          <a:p>
+            <a:r>
+              <a:rPr lang="ko-KR" altLang="en-US" dirty="0"/>
+              <a:t>자주 사용하는 함수를 학습</a:t>
+            </a:r>
+            <a:endParaRPr lang="en-US" altLang="ko-KR" dirty="0"/>
+          </a:p>
+          <a:p>
+            <a:endParaRPr lang="ko-KR" altLang="en-US" dirty="0"/>
+          </a:p>
+          <a:p>
+            <a:r>
+              <a:rPr lang="en-US" altLang="ko-KR" dirty="0"/>
+              <a:t>cheat sheet, help page</a:t>
+            </a:r>
+            <a:r>
+              <a:rPr lang="ko-KR" altLang="en-US" dirty="0"/>
+              <a:t>를 사전처럼 활용</a:t>
+            </a:r>
+            <a:endParaRPr lang="en-US" altLang="ko-KR" dirty="0"/>
+          </a:p>
+          <a:p>
+            <a:endParaRPr lang="ko-KR" altLang="en-US" dirty="0"/>
+          </a:p>
+          <a:p>
+            <a:r>
+              <a:rPr lang="ko-KR" altLang="en-US" dirty="0" err="1"/>
+              <a:t>작은</a:t>
+            </a:r>
+            <a:r>
+              <a:rPr lang="ko-KR" altLang="en-US" i="1" strike="sngStrike" dirty="0" err="1"/>
+              <a:t>개인</a:t>
+            </a:r>
+            <a:r>
+              <a:rPr lang="ko-KR" altLang="en-US" dirty="0"/>
+              <a:t> 프로젝트 진행</a:t>
+            </a:r>
+          </a:p>
+        </p:txBody>
+      </p:sp>
     </p:spTree>
     <p:extLst>
       <p:ext uri="{BB962C8B-B14F-4D97-AF65-F5344CB8AC3E}">
-        <p14:creationId xmlns:p14="http://schemas.microsoft.com/office/powerpoint/2010/main" val="583845475"/>
+        <p14:creationId xmlns:p14="http://schemas.microsoft.com/office/powerpoint/2010/main" val="1400417564"/>
       </p:ext>
     </p:extLst>
   </p:cSld>
@@ -9028,59 +9391,12 @@
           <a:chExt cx="0" cy="0"/>
         </a:xfrm>
       </p:grpSpPr>
-      <p:pic>
-        <p:nvPicPr>
-          <p:cNvPr id="1030" name="Picture 6" descr="https://revolution-computing.typepad.com/.a/6a010534b1db25970b01b7c7aac5fe970b-pi">
-            <a:extLst>
-              <a:ext uri="{FF2B5EF4-FFF2-40B4-BE49-F238E27FC236}">
-                <a16:creationId xmlns:a16="http://schemas.microsoft.com/office/drawing/2014/main" id="{45151BB5-FE0E-401A-9112-E12E9EACE04A}"/>
-              </a:ext>
-            </a:extLst>
-          </p:cNvPr>
-          <p:cNvPicPr>
-            <a:picLocks noChangeAspect="1" noChangeArrowheads="1"/>
-          </p:cNvPicPr>
-          <p:nvPr/>
-        </p:nvPicPr>
-        <p:blipFill>
-          <a:blip r:embed="rId2">
-            <a:extLst>
-              <a:ext uri="{28A0092B-C50C-407E-A947-70E740481C1C}">
-                <a14:useLocalDpi xmlns:a14="http://schemas.microsoft.com/office/drawing/2010/main" val="0"/>
-              </a:ext>
-            </a:extLst>
-          </a:blip>
-          <a:srcRect/>
-          <a:stretch>
-            <a:fillRect/>
-          </a:stretch>
-        </p:blipFill>
-        <p:spPr bwMode="auto">
-          <a:xfrm>
-            <a:off x="1222637" y="435219"/>
-            <a:ext cx="8931447" cy="5987562"/>
-          </a:xfrm>
-          <a:prstGeom prst="rect">
-            <a:avLst/>
-          </a:prstGeom>
-          <a:noFill/>
-          <a:extLst>
-            <a:ext uri="{909E8E84-426E-40DD-AFC4-6F175D3DCCD1}">
-              <a14:hiddenFill xmlns:a14="http://schemas.microsoft.com/office/drawing/2010/main">
-                <a:solidFill>
-                  <a:srgbClr val="FFFFFF"/>
-                </a:solidFill>
-              </a14:hiddenFill>
-            </a:ext>
-          </a:extLst>
-        </p:spPr>
-      </p:pic>
       <p:sp>
         <p:nvSpPr>
           <p:cNvPr id="2" name="제목 1">
             <a:extLst>
               <a:ext uri="{FF2B5EF4-FFF2-40B4-BE49-F238E27FC236}">
-                <a16:creationId xmlns:a16="http://schemas.microsoft.com/office/drawing/2014/main" id="{87F7FAB7-DDA6-48D4-8248-6C40A00852FD}"/>
+                <a16:creationId xmlns:a16="http://schemas.microsoft.com/office/drawing/2014/main" id="{F525E89E-A6E6-4AC2-BF72-3F3238342DD5}"/>
               </a:ext>
             </a:extLst>
           </p:cNvPr>
@@ -9096,14 +9412,7 @@
           <a:bodyPr/>
           <a:lstStyle/>
           <a:p>
-            <a:r>
-              <a:rPr lang="en-US" altLang="ko-KR" dirty="0"/>
-              <a:t>R </a:t>
-            </a:r>
-            <a:r>
-              <a:rPr lang="ko-KR" altLang="en-US" dirty="0"/>
-              <a:t>생태계 소개</a:t>
-            </a:r>
+            <a:endParaRPr lang="ko-KR" altLang="en-US"/>
           </a:p>
         </p:txBody>
       </p:sp>
@@ -9112,7 +9421,7 @@
           <p:cNvPr id="3" name="텍스트 개체 틀 2">
             <a:extLst>
               <a:ext uri="{FF2B5EF4-FFF2-40B4-BE49-F238E27FC236}">
-                <a16:creationId xmlns:a16="http://schemas.microsoft.com/office/drawing/2014/main" id="{A7C28AF4-6C68-4FEE-A2C9-6984F14CF598}"/>
+                <a16:creationId xmlns:a16="http://schemas.microsoft.com/office/drawing/2014/main" id="{7FDB8D85-9A8F-4930-86D2-76E86C08B91E}"/>
               </a:ext>
             </a:extLst>
           </p:cNvPr>
@@ -9128,11 +9437,7 @@
           <a:bodyPr/>
           <a:lstStyle/>
           <a:p>
-            <a:r>
-              <a:rPr lang="en-US" altLang="ko-KR" dirty="0"/>
-              <a:t>00</a:t>
-            </a:r>
-            <a:endParaRPr lang="ko-KR" altLang="en-US" dirty="0"/>
+            <a:endParaRPr lang="ko-KR" altLang="en-US"/>
           </a:p>
         </p:txBody>
       </p:sp>
@@ -9141,7 +9446,7 @@
           <p:cNvPr id="4" name="내용 개체 틀 3">
             <a:extLst>
               <a:ext uri="{FF2B5EF4-FFF2-40B4-BE49-F238E27FC236}">
-                <a16:creationId xmlns:a16="http://schemas.microsoft.com/office/drawing/2014/main" id="{2D68EABD-D500-47A5-A6E5-B07A501D8CC1}"/>
+                <a16:creationId xmlns:a16="http://schemas.microsoft.com/office/drawing/2014/main" id="{AEBCAB44-53B9-4D1E-8662-0B2DC1AC4FD0}"/>
               </a:ext>
             </a:extLst>
           </p:cNvPr>
@@ -9157,17 +9462,39 @@
           <a:bodyPr/>
           <a:lstStyle/>
           <a:p>
-            <a:r>
-              <a:rPr lang="ko-KR" altLang="en-US" dirty="0"/>
-              <a:t>강의 소개</a:t>
-            </a:r>
+            <a:endParaRPr lang="ko-KR" altLang="en-US"/>
+          </a:p>
+        </p:txBody>
+      </p:sp>
+      <p:sp>
+        <p:nvSpPr>
+          <p:cNvPr id="5" name="텍스트 개체 틀 4">
+            <a:extLst>
+              <a:ext uri="{FF2B5EF4-FFF2-40B4-BE49-F238E27FC236}">
+                <a16:creationId xmlns:a16="http://schemas.microsoft.com/office/drawing/2014/main" id="{3A1175AD-8562-49B9-AB27-ABF73D066122}"/>
+              </a:ext>
+            </a:extLst>
+          </p:cNvPr>
+          <p:cNvSpPr>
+            <a:spLocks noGrp="1"/>
+          </p:cNvSpPr>
+          <p:nvPr>
+            <p:ph type="body" sz="quarter" idx="12"/>
+          </p:nvPr>
+        </p:nvSpPr>
+        <p:spPr/>
+        <p:txBody>
+          <a:bodyPr/>
+          <a:lstStyle/>
+          <a:p>
+            <a:endParaRPr lang="ko-KR" altLang="en-US"/>
           </a:p>
         </p:txBody>
       </p:sp>
     </p:spTree>
     <p:extLst>
       <p:ext uri="{BB962C8B-B14F-4D97-AF65-F5344CB8AC3E}">
-        <p14:creationId xmlns:p14="http://schemas.microsoft.com/office/powerpoint/2010/main" val="2810511851"/>
+        <p14:creationId xmlns:p14="http://schemas.microsoft.com/office/powerpoint/2010/main" val="3667496957"/>
       </p:ext>
     </p:extLst>
   </p:cSld>
@@ -9196,10 +9523,10 @@
       </p:grpSpPr>
       <p:sp>
         <p:nvSpPr>
-          <p:cNvPr id="2" name="제목 1">
-            <a:extLst>
-              <a:ext uri="{FF2B5EF4-FFF2-40B4-BE49-F238E27FC236}">
-                <a16:creationId xmlns:a16="http://schemas.microsoft.com/office/drawing/2014/main" id="{87F7FAB7-DDA6-48D4-8248-6C40A00852FD}"/>
+          <p:cNvPr id="4" name="제목 3">
+            <a:extLst>
+              <a:ext uri="{FF2B5EF4-FFF2-40B4-BE49-F238E27FC236}">
+                <a16:creationId xmlns:a16="http://schemas.microsoft.com/office/drawing/2014/main" id="{D524399C-6534-4AC0-B6C8-0F875D9D7EF7}"/>
               </a:ext>
             </a:extLst>
           </p:cNvPr>
@@ -9216,22 +9543,18 @@
           <a:lstStyle/>
           <a:p>
             <a:r>
-              <a:rPr lang="en-US" altLang="ko-KR" dirty="0"/>
-              <a:t>R </a:t>
-            </a:r>
-            <a:r>
               <a:rPr lang="ko-KR" altLang="en-US" dirty="0"/>
-              <a:t>생태계 소개</a:t>
-            </a:r>
-          </a:p>
-        </p:txBody>
-      </p:sp>
-      <p:sp>
-        <p:nvSpPr>
-          <p:cNvPr id="3" name="텍스트 개체 틀 2">
-            <a:extLst>
-              <a:ext uri="{FF2B5EF4-FFF2-40B4-BE49-F238E27FC236}">
-                <a16:creationId xmlns:a16="http://schemas.microsoft.com/office/drawing/2014/main" id="{A7C28AF4-6C68-4FEE-A2C9-6984F14CF598}"/>
+              <a:t>강의를 통해 얻을 수 있는 것</a:t>
+            </a:r>
+          </a:p>
+        </p:txBody>
+      </p:sp>
+      <p:sp>
+        <p:nvSpPr>
+          <p:cNvPr id="5" name="텍스트 개체 틀 4">
+            <a:extLst>
+              <a:ext uri="{FF2B5EF4-FFF2-40B4-BE49-F238E27FC236}">
+                <a16:creationId xmlns:a16="http://schemas.microsoft.com/office/drawing/2014/main" id="{14205D56-F1E1-4F57-9639-775614A7FE10}"/>
               </a:ext>
             </a:extLst>
           </p:cNvPr>
@@ -9257,10 +9580,10 @@
       </p:sp>
       <p:sp>
         <p:nvSpPr>
-          <p:cNvPr id="4" name="내용 개체 틀 3">
-            <a:extLst>
-              <a:ext uri="{FF2B5EF4-FFF2-40B4-BE49-F238E27FC236}">
-                <a16:creationId xmlns:a16="http://schemas.microsoft.com/office/drawing/2014/main" id="{2D68EABD-D500-47A5-A6E5-B07A501D8CC1}"/>
+          <p:cNvPr id="6" name="내용 개체 틀 5">
+            <a:extLst>
+              <a:ext uri="{FF2B5EF4-FFF2-40B4-BE49-F238E27FC236}">
+                <a16:creationId xmlns:a16="http://schemas.microsoft.com/office/drawing/2014/main" id="{A78B14C7-F8C1-4FD3-B4BE-9CF29D0443FF}"/>
               </a:ext>
             </a:extLst>
           </p:cNvPr>
@@ -9283,57 +9606,81 @@
           </a:p>
         </p:txBody>
       </p:sp>
-      <p:pic>
-        <p:nvPicPr>
-          <p:cNvPr id="2050" name="Picture 2" descr="https://lsru.github.io/tv_course/img/01_tidyverse_data_science.png">
-            <a:extLst>
-              <a:ext uri="{FF2B5EF4-FFF2-40B4-BE49-F238E27FC236}">
-                <a16:creationId xmlns:a16="http://schemas.microsoft.com/office/drawing/2014/main" id="{1EF712B0-B322-4C76-9470-4EED3B95E0AE}"/>
-              </a:ext>
-            </a:extLst>
-          </p:cNvPr>
-          <p:cNvPicPr>
-            <a:picLocks noChangeAspect="1" noChangeArrowheads="1"/>
-          </p:cNvPicPr>
-          <p:nvPr/>
-        </p:nvPicPr>
-        <p:blipFill>
-          <a:blip r:embed="rId2">
-            <a:extLst>
-              <a:ext uri="{28A0092B-C50C-407E-A947-70E740481C1C}">
-                <a14:useLocalDpi xmlns:a14="http://schemas.microsoft.com/office/drawing/2010/main" val="0"/>
-              </a:ext>
-            </a:extLst>
-          </a:blip>
-          <a:srcRect/>
-          <a:stretch>
-            <a:fillRect/>
-          </a:stretch>
-        </p:blipFill>
-        <p:spPr bwMode="auto">
-          <a:xfrm>
-            <a:off x="2492485" y="870437"/>
-            <a:ext cx="7207030" cy="5284177"/>
-          </a:xfrm>
-          <a:prstGeom prst="rect">
-            <a:avLst/>
-          </a:prstGeom>
-          <a:noFill/>
-          <a:extLst>
-            <a:ext uri="{909E8E84-426E-40DD-AFC4-6F175D3DCCD1}">
-              <a14:hiddenFill xmlns:a14="http://schemas.microsoft.com/office/drawing/2010/main">
-                <a:solidFill>
-                  <a:srgbClr val="FFFFFF"/>
-                </a:solidFill>
-              </a14:hiddenFill>
-            </a:ext>
-          </a:extLst>
-        </p:spPr>
-      </p:pic>
+      <p:sp>
+        <p:nvSpPr>
+          <p:cNvPr id="7" name="텍스트 개체 틀 6">
+            <a:extLst>
+              <a:ext uri="{FF2B5EF4-FFF2-40B4-BE49-F238E27FC236}">
+                <a16:creationId xmlns:a16="http://schemas.microsoft.com/office/drawing/2014/main" id="{27BD6C36-4410-4900-904F-9FE3929CD7A4}"/>
+              </a:ext>
+            </a:extLst>
+          </p:cNvPr>
+          <p:cNvSpPr>
+            <a:spLocks noGrp="1"/>
+          </p:cNvSpPr>
+          <p:nvPr>
+            <p:ph type="body" sz="quarter" idx="12"/>
+          </p:nvPr>
+        </p:nvSpPr>
+        <p:spPr/>
+        <p:txBody>
+          <a:bodyPr/>
+          <a:lstStyle/>
+          <a:p>
+            <a:r>
+              <a:rPr lang="ko-KR" altLang="en-US" dirty="0"/>
+              <a:t>다른 </a:t>
+            </a:r>
+            <a:r>
+              <a:rPr lang="en-US" altLang="ko-KR" dirty="0"/>
+              <a:t>R </a:t>
+            </a:r>
+            <a:r>
+              <a:rPr lang="ko-KR" altLang="en-US" dirty="0"/>
+              <a:t>코드를 읽고 이해할 수 있는 능력</a:t>
+            </a:r>
+          </a:p>
+          <a:p>
+            <a:endParaRPr lang="en-US" altLang="ko-KR" dirty="0"/>
+          </a:p>
+          <a:p>
+            <a:r>
+              <a:rPr lang="ko-KR" altLang="en-US" dirty="0"/>
+              <a:t>코딩에 고민하는 시간을 아껴주는 유용한 패키지들</a:t>
+            </a:r>
+            <a:endParaRPr lang="en-US" altLang="ko-KR" dirty="0"/>
+          </a:p>
+          <a:p>
+            <a:endParaRPr lang="en-US" altLang="ko-KR" dirty="0"/>
+          </a:p>
+          <a:p>
+            <a:r>
+              <a:rPr lang="en-US" altLang="ko-KR" dirty="0"/>
+              <a:t>(</a:t>
+            </a:r>
+            <a:r>
+              <a:rPr lang="ko-KR" altLang="en-US" dirty="0"/>
+              <a:t>시계열</a:t>
+            </a:r>
+            <a:r>
+              <a:rPr lang="en-US" altLang="ko-KR" dirty="0"/>
+              <a:t>) </a:t>
+            </a:r>
+            <a:r>
+              <a:rPr lang="ko-KR" altLang="en-US" dirty="0"/>
+              <a:t>데이터를 다루는 방법</a:t>
+            </a:r>
+            <a:endParaRPr lang="en-US" altLang="ko-KR" dirty="0"/>
+          </a:p>
+          <a:p>
+            <a:endParaRPr lang="en-US" altLang="ko-KR" dirty="0"/>
+          </a:p>
+        </p:txBody>
+      </p:sp>
     </p:spTree>
     <p:extLst>
       <p:ext uri="{BB962C8B-B14F-4D97-AF65-F5344CB8AC3E}">
-        <p14:creationId xmlns:p14="http://schemas.microsoft.com/office/powerpoint/2010/main" val="3673220012"/>
+        <p14:creationId xmlns:p14="http://schemas.microsoft.com/office/powerpoint/2010/main" val="1432872293"/>
       </p:ext>
     </p:extLst>
   </p:cSld>

--- a/slide/chapter00_01.pptx
+++ b/slide/chapter00_01.pptx
@@ -5,30 +5,28 @@
     <p:sldMasterId id="2147483648" r:id="rId1"/>
   </p:sldMasterIdLst>
   <p:notesMasterIdLst>
-    <p:notesMasterId r:id="rId20"/>
+    <p:notesMasterId r:id="rId18"/>
   </p:notesMasterIdLst>
   <p:handoutMasterIdLst>
-    <p:handoutMasterId r:id="rId21"/>
+    <p:handoutMasterId r:id="rId19"/>
   </p:handoutMasterIdLst>
   <p:sldIdLst>
-    <p:sldId id="278" r:id="rId2"/>
-    <p:sldId id="277" r:id="rId3"/>
+    <p:sldId id="277" r:id="rId2"/>
+    <p:sldId id="280" r:id="rId3"/>
     <p:sldId id="279" r:id="rId4"/>
-    <p:sldId id="265" r:id="rId5"/>
-    <p:sldId id="267" r:id="rId6"/>
-    <p:sldId id="268" r:id="rId7"/>
-    <p:sldId id="272" r:id="rId8"/>
-    <p:sldId id="280" r:id="rId9"/>
-    <p:sldId id="259" r:id="rId10"/>
-    <p:sldId id="260" r:id="rId11"/>
-    <p:sldId id="275" r:id="rId12"/>
-    <p:sldId id="273" r:id="rId13"/>
-    <p:sldId id="261" r:id="rId14"/>
-    <p:sldId id="262" r:id="rId15"/>
-    <p:sldId id="276" r:id="rId16"/>
-    <p:sldId id="270" r:id="rId17"/>
-    <p:sldId id="269" r:id="rId18"/>
-    <p:sldId id="257" r:id="rId19"/>
+    <p:sldId id="267" r:id="rId5"/>
+    <p:sldId id="268" r:id="rId6"/>
+    <p:sldId id="272" r:id="rId7"/>
+    <p:sldId id="259" r:id="rId8"/>
+    <p:sldId id="260" r:id="rId9"/>
+    <p:sldId id="275" r:id="rId10"/>
+    <p:sldId id="273" r:id="rId11"/>
+    <p:sldId id="261" r:id="rId12"/>
+    <p:sldId id="262" r:id="rId13"/>
+    <p:sldId id="276" r:id="rId14"/>
+    <p:sldId id="270" r:id="rId15"/>
+    <p:sldId id="269" r:id="rId16"/>
+    <p:sldId id="257" r:id="rId17"/>
   </p:sldIdLst>
   <p:sldSz cx="12192000" cy="6858000"/>
   <p:notesSz cx="6858000" cy="9144000"/>
@@ -243,7 +241,7 @@
           <a:p>
             <a:fld id="{29390878-AFCD-49E6-A91A-D3D82D9E9D55}" type="datetimeFigureOut">
               <a:rPr lang="ko-KR" altLang="en-US" smtClean="0"/>
-              <a:t>2019-02-16</a:t>
+              <a:t>2019-02-27</a:t>
             </a:fld>
             <a:endParaRPr lang="ko-KR" altLang="en-US"/>
           </a:p>
@@ -420,7 +418,7 @@
           <a:p>
             <a:fld id="{459417EB-76F7-4DE7-93AA-C880C553CE34}" type="datetimeFigureOut">
               <a:rPr lang="ko-KR" altLang="en-US" smtClean="0"/>
-              <a:t>2019-02-16</a:t>
+              <a:t>2019-02-27</a:t>
             </a:fld>
             <a:endParaRPr lang="ko-KR" altLang="en-US"/>
           </a:p>
@@ -752,7 +750,7 @@
           <a:p>
             <a:fld id="{213A6B79-CA84-4470-8AA2-12D2AB24A357}" type="slidenum">
               <a:rPr lang="ko-KR" altLang="en-US" smtClean="0"/>
-              <a:t>2</a:t>
+              <a:t>1</a:t>
             </a:fld>
             <a:endParaRPr lang="ko-KR" altLang="en-US"/>
           </a:p>
@@ -7082,83 +7080,136 @@
       </p:grpSpPr>
       <p:sp>
         <p:nvSpPr>
-          <p:cNvPr id="4" name="제목 3">
-            <a:extLst>
-              <a:ext uri="{FF2B5EF4-FFF2-40B4-BE49-F238E27FC236}">
-                <a16:creationId xmlns:a16="http://schemas.microsoft.com/office/drawing/2014/main" id="{E009F0BC-5E5C-409A-8F08-B6451539CFC7}"/>
-              </a:ext>
-            </a:extLst>
-          </p:cNvPr>
+          <p:cNvPr id="2" name="텍스트 개체 틀 1"/>
           <p:cNvSpPr>
             <a:spLocks noGrp="1"/>
           </p:cNvSpPr>
           <p:nvPr>
-            <p:ph type="title"/>
+            <p:ph type="body" sz="quarter" idx="10" hasCustomPrompt="1"/>
           </p:nvPr>
         </p:nvSpPr>
-        <p:spPr/>
+        <p:spPr>
+          <a:xfrm>
+            <a:off x="1577592" y="1800061"/>
+            <a:ext cx="826276" cy="461665"/>
+          </a:xfrm>
+        </p:spPr>
         <p:txBody>
           <a:bodyPr/>
           <a:lstStyle/>
           <a:p>
-            <a:endParaRPr lang="ko-KR" altLang="en-US"/>
-          </a:p>
-        </p:txBody>
-      </p:sp>
-      <p:sp>
-        <p:nvSpPr>
-          <p:cNvPr id="5" name="텍스트 개체 틀 4">
-            <a:extLst>
-              <a:ext uri="{FF2B5EF4-FFF2-40B4-BE49-F238E27FC236}">
-                <a16:creationId xmlns:a16="http://schemas.microsoft.com/office/drawing/2014/main" id="{7635B48D-89A6-495C-9E93-0366CEB060D3}"/>
-              </a:ext>
-            </a:extLst>
-          </p:cNvPr>
+            <a:r>
+              <a:rPr dirty="0"/>
+              <a:t>0</a:t>
+            </a:r>
+            <a:r>
+              <a:rPr lang="en-US" altLang="ko-KR" dirty="0"/>
+              <a:t>0</a:t>
+            </a:r>
+            <a:endParaRPr dirty="0"/>
+          </a:p>
+        </p:txBody>
+      </p:sp>
+      <p:sp>
+        <p:nvSpPr>
+          <p:cNvPr id="3" name="제목 2"/>
           <p:cNvSpPr>
             <a:spLocks noGrp="1"/>
           </p:cNvSpPr>
           <p:nvPr>
-            <p:ph type="body" sz="quarter" idx="10"/>
+            <p:ph type="title" hasCustomPrompt="1"/>
           </p:nvPr>
         </p:nvSpPr>
-        <p:spPr/>
+        <p:spPr>
+          <a:xfrm>
+            <a:off x="472440" y="2242743"/>
+            <a:ext cx="10515600" cy="556463"/>
+          </a:xfrm>
+        </p:spPr>
         <p:txBody>
           <a:bodyPr/>
           <a:lstStyle/>
           <a:p>
-            <a:endParaRPr lang="ko-KR" altLang="en-US"/>
-          </a:p>
-        </p:txBody>
-      </p:sp>
-      <p:sp>
-        <p:nvSpPr>
-          <p:cNvPr id="6" name="텍스트 개체 틀 5">
-            <a:extLst>
-              <a:ext uri="{FF2B5EF4-FFF2-40B4-BE49-F238E27FC236}">
-                <a16:creationId xmlns:a16="http://schemas.microsoft.com/office/drawing/2014/main" id="{D425946E-14A9-44CA-B2C0-76ADDF602BA3}"/>
-              </a:ext>
-            </a:extLst>
-          </p:cNvPr>
+            <a:r>
+              <a:rPr lang="ko-KR" altLang="en-US" dirty="0">
+                <a:solidFill>
+                  <a:srgbClr val="F0234B"/>
+                </a:solidFill>
+              </a:rPr>
+              <a:t>강의 소개</a:t>
+            </a:r>
+            <a:endParaRPr dirty="0">
+              <a:solidFill>
+                <a:srgbClr val="F0234B"/>
+              </a:solidFill>
+            </a:endParaRPr>
+          </a:p>
+        </p:txBody>
+      </p:sp>
+      <p:sp>
+        <p:nvSpPr>
+          <p:cNvPr id="4" name="텍스트 개체 틀 3"/>
           <p:cNvSpPr>
             <a:spLocks noGrp="1"/>
           </p:cNvSpPr>
           <p:nvPr>
-            <p:ph type="body" sz="quarter" idx="11"/>
+            <p:ph type="body" sz="quarter" idx="11" hasCustomPrompt="1"/>
           </p:nvPr>
         </p:nvSpPr>
-        <p:spPr/>
+        <p:spPr>
+          <a:xfrm>
+            <a:off x="821490" y="2877946"/>
+            <a:ext cx="10925033" cy="2081938"/>
+          </a:xfrm>
+        </p:spPr>
         <p:txBody>
           <a:bodyPr/>
           <a:lstStyle/>
           <a:p>
-            <a:endParaRPr lang="ko-KR" altLang="en-US"/>
+            <a:r>
+              <a:rPr lang="ko-KR" altLang="en-US" dirty="0"/>
+              <a:t>금융공학</a:t>
+            </a:r>
+            <a:r>
+              <a:rPr lang="en-US" altLang="ko-KR" dirty="0"/>
+              <a:t>/</a:t>
+            </a:r>
+            <a:r>
+              <a:rPr lang="ko-KR" altLang="en-US" dirty="0" err="1"/>
+              <a:t>퀀트</a:t>
+            </a:r>
+            <a:r>
+              <a:rPr lang="ko-KR" altLang="en-US" dirty="0"/>
+              <a:t> </a:t>
+            </a:r>
+            <a:r>
+              <a:rPr lang="ko-KR" altLang="en-US" dirty="0" err="1"/>
+              <a:t>올인원</a:t>
+            </a:r>
+            <a:r>
+              <a:rPr lang="ko-KR" altLang="en-US" dirty="0"/>
+              <a:t> 패키지</a:t>
+            </a:r>
+            <a:endParaRPr lang="en-US" altLang="ko-KR" dirty="0"/>
+          </a:p>
+          <a:p>
+            <a:pPr fontAlgn="base" latinLnBrk="0"/>
+            <a:r>
+              <a:rPr lang="en-US" altLang="ko-KR" dirty="0"/>
+              <a:t>R</a:t>
+            </a:r>
+            <a:r>
+              <a:rPr lang="ko-KR" altLang="en-US" dirty="0"/>
+              <a:t>을 활용한 금융 데이터 분석 기초</a:t>
+            </a:r>
+            <a:endParaRPr lang="ko-KR" altLang="en-US" b="0" dirty="0"/>
           </a:p>
         </p:txBody>
       </p:sp>
     </p:spTree>
     <p:extLst>
       <p:ext uri="{BB962C8B-B14F-4D97-AF65-F5344CB8AC3E}">
-        <p14:creationId xmlns:p14="http://schemas.microsoft.com/office/powerpoint/2010/main" val="1060006248"/>
+        <p14:creationId xmlns:p14="http://schemas.microsoft.com/office/powerpoint/2010/main" val="2706408443"/>
       </p:ext>
     </p:extLst>
   </p:cSld>
@@ -7276,15 +7327,15 @@
       </p:sp>
       <p:pic>
         <p:nvPicPr>
-          <p:cNvPr id="10" name="그림 9">
-            <a:extLst>
-              <a:ext uri="{FF2B5EF4-FFF2-40B4-BE49-F238E27FC236}">
-                <a16:creationId xmlns:a16="http://schemas.microsoft.com/office/drawing/2014/main" id="{2C00CDC7-CD25-49DB-8B9C-A80EA6B17FF6}"/>
+          <p:cNvPr id="2050" name="Picture 2" descr="https://lsru.github.io/tv_course/img/01_tidyverse_data_science.png">
+            <a:extLst>
+              <a:ext uri="{FF2B5EF4-FFF2-40B4-BE49-F238E27FC236}">
+                <a16:creationId xmlns:a16="http://schemas.microsoft.com/office/drawing/2014/main" id="{1EF712B0-B322-4C76-9470-4EED3B95E0AE}"/>
               </a:ext>
             </a:extLst>
           </p:cNvPr>
           <p:cNvPicPr>
-            <a:picLocks noChangeAspect="1"/>
+            <a:picLocks noChangeAspect="1" noChangeArrowheads="1"/>
           </p:cNvPicPr>
           <p:nvPr/>
         </p:nvPicPr>
@@ -7296,24 +7347,35 @@
               </a:ext>
             </a:extLst>
           </a:blip>
+          <a:srcRect/>
           <a:stretch>
             <a:fillRect/>
           </a:stretch>
         </p:blipFill>
-        <p:spPr>
-          <a:xfrm>
-            <a:off x="3718001" y="1901336"/>
-            <a:ext cx="3940719" cy="3055327"/>
+        <p:spPr bwMode="auto">
+          <a:xfrm>
+            <a:off x="2492485" y="870437"/>
+            <a:ext cx="7207030" cy="5284177"/>
           </a:xfrm>
           <a:prstGeom prst="rect">
             <a:avLst/>
           </a:prstGeom>
+          <a:noFill/>
+          <a:extLst>
+            <a:ext uri="{909E8E84-426E-40DD-AFC4-6F175D3DCCD1}">
+              <a14:hiddenFill xmlns:a14="http://schemas.microsoft.com/office/drawing/2010/main">
+                <a:solidFill>
+                  <a:srgbClr val="FFFFFF"/>
+                </a:solidFill>
+              </a14:hiddenFill>
+            </a:ext>
+          </a:extLst>
         </p:spPr>
       </p:pic>
     </p:spTree>
     <p:extLst>
       <p:ext uri="{BB962C8B-B14F-4D97-AF65-F5344CB8AC3E}">
-        <p14:creationId xmlns:p14="http://schemas.microsoft.com/office/powerpoint/2010/main" val="583845475"/>
+        <p14:creationId xmlns:p14="http://schemas.microsoft.com/office/powerpoint/2010/main" val="3673220012"/>
       </p:ext>
     </p:extLst>
   </p:cSld>
@@ -7340,53 +7402,6 @@
           <a:chExt cx="0" cy="0"/>
         </a:xfrm>
       </p:grpSpPr>
-      <p:pic>
-        <p:nvPicPr>
-          <p:cNvPr id="1030" name="Picture 6" descr="https://revolution-computing.typepad.com/.a/6a010534b1db25970b01b7c7aac5fe970b-pi">
-            <a:extLst>
-              <a:ext uri="{FF2B5EF4-FFF2-40B4-BE49-F238E27FC236}">
-                <a16:creationId xmlns:a16="http://schemas.microsoft.com/office/drawing/2014/main" id="{45151BB5-FE0E-401A-9112-E12E9EACE04A}"/>
-              </a:ext>
-            </a:extLst>
-          </p:cNvPr>
-          <p:cNvPicPr>
-            <a:picLocks noChangeAspect="1" noChangeArrowheads="1"/>
-          </p:cNvPicPr>
-          <p:nvPr/>
-        </p:nvPicPr>
-        <p:blipFill>
-          <a:blip r:embed="rId2">
-            <a:extLst>
-              <a:ext uri="{28A0092B-C50C-407E-A947-70E740481C1C}">
-                <a14:useLocalDpi xmlns:a14="http://schemas.microsoft.com/office/drawing/2010/main" val="0"/>
-              </a:ext>
-            </a:extLst>
-          </a:blip>
-          <a:srcRect/>
-          <a:stretch>
-            <a:fillRect/>
-          </a:stretch>
-        </p:blipFill>
-        <p:spPr bwMode="auto">
-          <a:xfrm>
-            <a:off x="1222637" y="435219"/>
-            <a:ext cx="8931447" cy="5987562"/>
-          </a:xfrm>
-          <a:prstGeom prst="rect">
-            <a:avLst/>
-          </a:prstGeom>
-          <a:noFill/>
-          <a:extLst>
-            <a:ext uri="{909E8E84-426E-40DD-AFC4-6F175D3DCCD1}">
-              <a14:hiddenFill xmlns:a14="http://schemas.microsoft.com/office/drawing/2010/main">
-                <a:solidFill>
-                  <a:srgbClr val="FFFFFF"/>
-                </a:solidFill>
-              </a14:hiddenFill>
-            </a:ext>
-          </a:extLst>
-        </p:spPr>
-      </p:pic>
       <p:sp>
         <p:nvSpPr>
           <p:cNvPr id="2" name="제목 1">
@@ -7410,11 +7425,11 @@
           <a:p>
             <a:r>
               <a:rPr lang="en-US" altLang="ko-KR" dirty="0"/>
-              <a:t>R </a:t>
+              <a:t>base R</a:t>
             </a:r>
             <a:r>
               <a:rPr lang="ko-KR" altLang="en-US" dirty="0"/>
-              <a:t>생태계 소개</a:t>
+              <a:t>의 구성</a:t>
             </a:r>
           </a:p>
         </p:txBody>
@@ -7476,10 +7491,55 @@
           </a:p>
         </p:txBody>
       </p:sp>
+      <p:sp>
+        <p:nvSpPr>
+          <p:cNvPr id="5" name="텍스트 개체 틀 4">
+            <a:extLst>
+              <a:ext uri="{FF2B5EF4-FFF2-40B4-BE49-F238E27FC236}">
+                <a16:creationId xmlns:a16="http://schemas.microsoft.com/office/drawing/2014/main" id="{AABCE2BA-CE51-484E-8FC0-DEB91A836884}"/>
+              </a:ext>
+            </a:extLst>
+          </p:cNvPr>
+          <p:cNvSpPr>
+            <a:spLocks noGrp="1"/>
+          </p:cNvSpPr>
+          <p:nvPr>
+            <p:ph type="body" sz="quarter" idx="12"/>
+          </p:nvPr>
+        </p:nvSpPr>
+        <p:spPr/>
+        <p:txBody>
+          <a:bodyPr/>
+          <a:lstStyle/>
+          <a:p>
+            <a:r>
+              <a:rPr lang="ko-KR" altLang="en-US" dirty="0"/>
+              <a:t>데이터와 함수</a:t>
+            </a:r>
+            <a:endParaRPr lang="en-US" altLang="ko-KR" dirty="0"/>
+          </a:p>
+          <a:p>
+            <a:endParaRPr lang="en-US" altLang="ko-KR" dirty="0"/>
+          </a:p>
+          <a:p>
+            <a:r>
+              <a:rPr lang="ko-KR" altLang="en-US" dirty="0"/>
+              <a:t>프로그램의 흐름을 다루는 문법</a:t>
+            </a:r>
+            <a:endParaRPr lang="en-US" altLang="ko-KR" dirty="0"/>
+          </a:p>
+          <a:p>
+            <a:pPr marL="0" indent="0">
+              <a:buNone/>
+            </a:pPr>
+            <a:endParaRPr lang="en-US" altLang="ko-KR" dirty="0"/>
+          </a:p>
+        </p:txBody>
+      </p:sp>
     </p:spTree>
     <p:extLst>
       <p:ext uri="{BB962C8B-B14F-4D97-AF65-F5344CB8AC3E}">
-        <p14:creationId xmlns:p14="http://schemas.microsoft.com/office/powerpoint/2010/main" val="2810511851"/>
+        <p14:creationId xmlns:p14="http://schemas.microsoft.com/office/powerpoint/2010/main" val="2950223355"/>
       </p:ext>
     </p:extLst>
   </p:cSld>
@@ -7528,336 +7588,6 @@
           <a:lstStyle/>
           <a:p>
             <a:r>
-              <a:rPr lang="en-US" altLang="ko-KR" dirty="0"/>
-              <a:t>R </a:t>
-            </a:r>
-            <a:r>
-              <a:rPr lang="ko-KR" altLang="en-US" dirty="0"/>
-              <a:t>생태계 소개</a:t>
-            </a:r>
-          </a:p>
-        </p:txBody>
-      </p:sp>
-      <p:sp>
-        <p:nvSpPr>
-          <p:cNvPr id="3" name="텍스트 개체 틀 2">
-            <a:extLst>
-              <a:ext uri="{FF2B5EF4-FFF2-40B4-BE49-F238E27FC236}">
-                <a16:creationId xmlns:a16="http://schemas.microsoft.com/office/drawing/2014/main" id="{A7C28AF4-6C68-4FEE-A2C9-6984F14CF598}"/>
-              </a:ext>
-            </a:extLst>
-          </p:cNvPr>
-          <p:cNvSpPr>
-            <a:spLocks noGrp="1"/>
-          </p:cNvSpPr>
-          <p:nvPr>
-            <p:ph type="body" sz="quarter" idx="10"/>
-          </p:nvPr>
-        </p:nvSpPr>
-        <p:spPr/>
-        <p:txBody>
-          <a:bodyPr/>
-          <a:lstStyle/>
-          <a:p>
-            <a:r>
-              <a:rPr lang="en-US" altLang="ko-KR" dirty="0"/>
-              <a:t>00</a:t>
-            </a:r>
-            <a:endParaRPr lang="ko-KR" altLang="en-US" dirty="0"/>
-          </a:p>
-        </p:txBody>
-      </p:sp>
-      <p:sp>
-        <p:nvSpPr>
-          <p:cNvPr id="4" name="내용 개체 틀 3">
-            <a:extLst>
-              <a:ext uri="{FF2B5EF4-FFF2-40B4-BE49-F238E27FC236}">
-                <a16:creationId xmlns:a16="http://schemas.microsoft.com/office/drawing/2014/main" id="{2D68EABD-D500-47A5-A6E5-B07A501D8CC1}"/>
-              </a:ext>
-            </a:extLst>
-          </p:cNvPr>
-          <p:cNvSpPr>
-            <a:spLocks noGrp="1"/>
-          </p:cNvSpPr>
-          <p:nvPr>
-            <p:ph sz="quarter" idx="11"/>
-          </p:nvPr>
-        </p:nvSpPr>
-        <p:spPr/>
-        <p:txBody>
-          <a:bodyPr/>
-          <a:lstStyle/>
-          <a:p>
-            <a:r>
-              <a:rPr lang="ko-KR" altLang="en-US" dirty="0"/>
-              <a:t>강의 소개</a:t>
-            </a:r>
-          </a:p>
-        </p:txBody>
-      </p:sp>
-      <p:pic>
-        <p:nvPicPr>
-          <p:cNvPr id="2050" name="Picture 2" descr="https://lsru.github.io/tv_course/img/01_tidyverse_data_science.png">
-            <a:extLst>
-              <a:ext uri="{FF2B5EF4-FFF2-40B4-BE49-F238E27FC236}">
-                <a16:creationId xmlns:a16="http://schemas.microsoft.com/office/drawing/2014/main" id="{1EF712B0-B322-4C76-9470-4EED3B95E0AE}"/>
-              </a:ext>
-            </a:extLst>
-          </p:cNvPr>
-          <p:cNvPicPr>
-            <a:picLocks noChangeAspect="1" noChangeArrowheads="1"/>
-          </p:cNvPicPr>
-          <p:nvPr/>
-        </p:nvPicPr>
-        <p:blipFill>
-          <a:blip r:embed="rId2">
-            <a:extLst>
-              <a:ext uri="{28A0092B-C50C-407E-A947-70E740481C1C}">
-                <a14:useLocalDpi xmlns:a14="http://schemas.microsoft.com/office/drawing/2010/main" val="0"/>
-              </a:ext>
-            </a:extLst>
-          </a:blip>
-          <a:srcRect/>
-          <a:stretch>
-            <a:fillRect/>
-          </a:stretch>
-        </p:blipFill>
-        <p:spPr bwMode="auto">
-          <a:xfrm>
-            <a:off x="2492485" y="870437"/>
-            <a:ext cx="7207030" cy="5284177"/>
-          </a:xfrm>
-          <a:prstGeom prst="rect">
-            <a:avLst/>
-          </a:prstGeom>
-          <a:noFill/>
-          <a:extLst>
-            <a:ext uri="{909E8E84-426E-40DD-AFC4-6F175D3DCCD1}">
-              <a14:hiddenFill xmlns:a14="http://schemas.microsoft.com/office/drawing/2010/main">
-                <a:solidFill>
-                  <a:srgbClr val="FFFFFF"/>
-                </a:solidFill>
-              </a14:hiddenFill>
-            </a:ext>
-          </a:extLst>
-        </p:spPr>
-      </p:pic>
-    </p:spTree>
-    <p:extLst>
-      <p:ext uri="{BB962C8B-B14F-4D97-AF65-F5344CB8AC3E}">
-        <p14:creationId xmlns:p14="http://schemas.microsoft.com/office/powerpoint/2010/main" val="3673220012"/>
-      </p:ext>
-    </p:extLst>
-  </p:cSld>
-  <p:clrMapOvr>
-    <a:masterClrMapping/>
-  </p:clrMapOvr>
-</p:sld>
-</file>
-
-<file path=ppt/slides/slide13.xml><?xml version="1.0" encoding="utf-8"?>
-<p:sld xmlns:a="http://schemas.openxmlformats.org/drawingml/2006/main" xmlns:r="http://schemas.openxmlformats.org/officeDocument/2006/relationships" xmlns:p="http://schemas.openxmlformats.org/presentationml/2006/main">
-  <p:cSld>
-    <p:spTree>
-      <p:nvGrpSpPr>
-        <p:cNvPr id="1" name=""/>
-        <p:cNvGrpSpPr/>
-        <p:nvPr/>
-      </p:nvGrpSpPr>
-      <p:grpSpPr>
-        <a:xfrm>
-          <a:off x="0" y="0"/>
-          <a:ext cx="0" cy="0"/>
-          <a:chOff x="0" y="0"/>
-          <a:chExt cx="0" cy="0"/>
-        </a:xfrm>
-      </p:grpSpPr>
-      <p:sp>
-        <p:nvSpPr>
-          <p:cNvPr id="2" name="제목 1">
-            <a:extLst>
-              <a:ext uri="{FF2B5EF4-FFF2-40B4-BE49-F238E27FC236}">
-                <a16:creationId xmlns:a16="http://schemas.microsoft.com/office/drawing/2014/main" id="{87F7FAB7-DDA6-48D4-8248-6C40A00852FD}"/>
-              </a:ext>
-            </a:extLst>
-          </p:cNvPr>
-          <p:cNvSpPr>
-            <a:spLocks noGrp="1"/>
-          </p:cNvSpPr>
-          <p:nvPr>
-            <p:ph type="title"/>
-          </p:nvPr>
-        </p:nvSpPr>
-        <p:spPr/>
-        <p:txBody>
-          <a:bodyPr/>
-          <a:lstStyle/>
-          <a:p>
-            <a:r>
-              <a:rPr lang="en-US" altLang="ko-KR" dirty="0"/>
-              <a:t>base R</a:t>
-            </a:r>
-            <a:r>
-              <a:rPr lang="ko-KR" altLang="en-US" dirty="0"/>
-              <a:t>의 구성</a:t>
-            </a:r>
-          </a:p>
-        </p:txBody>
-      </p:sp>
-      <p:sp>
-        <p:nvSpPr>
-          <p:cNvPr id="3" name="텍스트 개체 틀 2">
-            <a:extLst>
-              <a:ext uri="{FF2B5EF4-FFF2-40B4-BE49-F238E27FC236}">
-                <a16:creationId xmlns:a16="http://schemas.microsoft.com/office/drawing/2014/main" id="{A7C28AF4-6C68-4FEE-A2C9-6984F14CF598}"/>
-              </a:ext>
-            </a:extLst>
-          </p:cNvPr>
-          <p:cNvSpPr>
-            <a:spLocks noGrp="1"/>
-          </p:cNvSpPr>
-          <p:nvPr>
-            <p:ph type="body" sz="quarter" idx="10"/>
-          </p:nvPr>
-        </p:nvSpPr>
-        <p:spPr/>
-        <p:txBody>
-          <a:bodyPr/>
-          <a:lstStyle/>
-          <a:p>
-            <a:r>
-              <a:rPr lang="en-US" altLang="ko-KR" dirty="0"/>
-              <a:t>00</a:t>
-            </a:r>
-            <a:endParaRPr lang="ko-KR" altLang="en-US" dirty="0"/>
-          </a:p>
-        </p:txBody>
-      </p:sp>
-      <p:sp>
-        <p:nvSpPr>
-          <p:cNvPr id="4" name="내용 개체 틀 3">
-            <a:extLst>
-              <a:ext uri="{FF2B5EF4-FFF2-40B4-BE49-F238E27FC236}">
-                <a16:creationId xmlns:a16="http://schemas.microsoft.com/office/drawing/2014/main" id="{2D68EABD-D500-47A5-A6E5-B07A501D8CC1}"/>
-              </a:ext>
-            </a:extLst>
-          </p:cNvPr>
-          <p:cNvSpPr>
-            <a:spLocks noGrp="1"/>
-          </p:cNvSpPr>
-          <p:nvPr>
-            <p:ph sz="quarter" idx="11"/>
-          </p:nvPr>
-        </p:nvSpPr>
-        <p:spPr/>
-        <p:txBody>
-          <a:bodyPr/>
-          <a:lstStyle/>
-          <a:p>
-            <a:r>
-              <a:rPr lang="ko-KR" altLang="en-US" dirty="0"/>
-              <a:t>강의 소개</a:t>
-            </a:r>
-          </a:p>
-        </p:txBody>
-      </p:sp>
-      <p:sp>
-        <p:nvSpPr>
-          <p:cNvPr id="5" name="텍스트 개체 틀 4">
-            <a:extLst>
-              <a:ext uri="{FF2B5EF4-FFF2-40B4-BE49-F238E27FC236}">
-                <a16:creationId xmlns:a16="http://schemas.microsoft.com/office/drawing/2014/main" id="{AABCE2BA-CE51-484E-8FC0-DEB91A836884}"/>
-              </a:ext>
-            </a:extLst>
-          </p:cNvPr>
-          <p:cNvSpPr>
-            <a:spLocks noGrp="1"/>
-          </p:cNvSpPr>
-          <p:nvPr>
-            <p:ph type="body" sz="quarter" idx="12"/>
-          </p:nvPr>
-        </p:nvSpPr>
-        <p:spPr/>
-        <p:txBody>
-          <a:bodyPr/>
-          <a:lstStyle/>
-          <a:p>
-            <a:r>
-              <a:rPr lang="ko-KR" altLang="en-US" dirty="0"/>
-              <a:t>데이터와 함수</a:t>
-            </a:r>
-            <a:endParaRPr lang="en-US" altLang="ko-KR" dirty="0"/>
-          </a:p>
-          <a:p>
-            <a:endParaRPr lang="en-US" altLang="ko-KR" dirty="0"/>
-          </a:p>
-          <a:p>
-            <a:r>
-              <a:rPr lang="ko-KR" altLang="en-US" dirty="0"/>
-              <a:t>프로그램의 흐름을 다루는 문법</a:t>
-            </a:r>
-            <a:endParaRPr lang="en-US" altLang="ko-KR" dirty="0"/>
-          </a:p>
-          <a:p>
-            <a:pPr marL="0" indent="0">
-              <a:buNone/>
-            </a:pPr>
-            <a:endParaRPr lang="en-US" altLang="ko-KR" dirty="0"/>
-          </a:p>
-        </p:txBody>
-      </p:sp>
-    </p:spTree>
-    <p:extLst>
-      <p:ext uri="{BB962C8B-B14F-4D97-AF65-F5344CB8AC3E}">
-        <p14:creationId xmlns:p14="http://schemas.microsoft.com/office/powerpoint/2010/main" val="2950223355"/>
-      </p:ext>
-    </p:extLst>
-  </p:cSld>
-  <p:clrMapOvr>
-    <a:masterClrMapping/>
-  </p:clrMapOvr>
-</p:sld>
-</file>
-
-<file path=ppt/slides/slide14.xml><?xml version="1.0" encoding="utf-8"?>
-<p:sld xmlns:a="http://schemas.openxmlformats.org/drawingml/2006/main" xmlns:r="http://schemas.openxmlformats.org/officeDocument/2006/relationships" xmlns:p="http://schemas.openxmlformats.org/presentationml/2006/main">
-  <p:cSld>
-    <p:spTree>
-      <p:nvGrpSpPr>
-        <p:cNvPr id="1" name=""/>
-        <p:cNvGrpSpPr/>
-        <p:nvPr/>
-      </p:nvGrpSpPr>
-      <p:grpSpPr>
-        <a:xfrm>
-          <a:off x="0" y="0"/>
-          <a:ext cx="0" cy="0"/>
-          <a:chOff x="0" y="0"/>
-          <a:chExt cx="0" cy="0"/>
-        </a:xfrm>
-      </p:grpSpPr>
-      <p:sp>
-        <p:nvSpPr>
-          <p:cNvPr id="2" name="제목 1">
-            <a:extLst>
-              <a:ext uri="{FF2B5EF4-FFF2-40B4-BE49-F238E27FC236}">
-                <a16:creationId xmlns:a16="http://schemas.microsoft.com/office/drawing/2014/main" id="{87F7FAB7-DDA6-48D4-8248-6C40A00852FD}"/>
-              </a:ext>
-            </a:extLst>
-          </p:cNvPr>
-          <p:cNvSpPr>
-            <a:spLocks noGrp="1"/>
-          </p:cNvSpPr>
-          <p:nvPr>
-            <p:ph type="title"/>
-          </p:nvPr>
-        </p:nvSpPr>
-        <p:spPr/>
-        <p:txBody>
-          <a:bodyPr/>
-          <a:lstStyle/>
-          <a:p>
-            <a:r>
               <a:rPr lang="ko-KR" altLang="en-US" dirty="0"/>
               <a:t>패키지란</a:t>
             </a:r>
@@ -7963,7 +7693,7 @@
 </p:sld>
 </file>
 
-<file path=ppt/slides/slide15.xml><?xml version="1.0" encoding="utf-8"?>
+<file path=ppt/slides/slide13.xml><?xml version="1.0" encoding="utf-8"?>
 <p:sld xmlns:a="http://schemas.openxmlformats.org/drawingml/2006/main" xmlns:r="http://schemas.openxmlformats.org/officeDocument/2006/relationships" xmlns:p="http://schemas.openxmlformats.org/presentationml/2006/main">
   <p:cSld>
     <p:spTree>
@@ -8265,7 +7995,7 @@
 </p:sld>
 </file>
 
-<file path=ppt/slides/slide16.xml><?xml version="1.0" encoding="utf-8"?>
+<file path=ppt/slides/slide14.xml><?xml version="1.0" encoding="utf-8"?>
 <p:sld xmlns:a="http://schemas.openxmlformats.org/drawingml/2006/main" xmlns:r="http://schemas.openxmlformats.org/officeDocument/2006/relationships" xmlns:p="http://schemas.openxmlformats.org/presentationml/2006/main">
   <p:cSld>
     <p:spTree>
@@ -8371,7 +8101,7 @@
 </p:sld>
 </file>
 
-<file path=ppt/slides/slide17.xml><?xml version="1.0" encoding="utf-8"?>
+<file path=ppt/slides/slide15.xml><?xml version="1.0" encoding="utf-8"?>
 <p:sld xmlns:a="http://schemas.openxmlformats.org/drawingml/2006/main" xmlns:r="http://schemas.openxmlformats.org/officeDocument/2006/relationships" xmlns:p="http://schemas.openxmlformats.org/presentationml/2006/main">
   <p:cSld>
     <p:spTree>
@@ -8467,7 +8197,7 @@
 </p:sld>
 </file>
 
-<file path=ppt/slides/slide18.xml><?xml version="1.0" encoding="utf-8"?>
+<file path=ppt/slides/slide16.xml><?xml version="1.0" encoding="utf-8"?>
 <p:sld xmlns:a="http://schemas.openxmlformats.org/drawingml/2006/main" xmlns:r="http://schemas.openxmlformats.org/officeDocument/2006/relationships" xmlns:p="http://schemas.openxmlformats.org/presentationml/2006/main">
   <p:cSld>
     <p:spTree>
@@ -8486,68 +8216,6 @@
       </p:grpSpPr>
       <p:sp>
         <p:nvSpPr>
-          <p:cNvPr id="2" name="텍스트 개체 틀 1"/>
-          <p:cNvSpPr>
-            <a:spLocks noGrp="1"/>
-          </p:cNvSpPr>
-          <p:nvPr>
-            <p:ph type="body" sz="quarter" idx="4294967295" hasCustomPrompt="1"/>
-          </p:nvPr>
-        </p:nvSpPr>
-        <p:spPr>
-          <a:xfrm>
-            <a:off x="682259" y="110625"/>
-            <a:ext cx="386922" cy="222136"/>
-          </a:xfrm>
-          <a:prstGeom prst="rect">
-            <a:avLst/>
-          </a:prstGeom>
-        </p:spPr>
-        <p:txBody>
-          <a:bodyPr/>
-          <a:lstStyle/>
-          <a:p>
-            <a:r>
-              <a:rPr lang="en-US" altLang="ko-KR" dirty="0"/>
-              <a:t>00</a:t>
-            </a:r>
-            <a:endParaRPr dirty="0"/>
-          </a:p>
-        </p:txBody>
-      </p:sp>
-      <p:sp>
-        <p:nvSpPr>
-          <p:cNvPr id="3" name="내용 개체 틀 2"/>
-          <p:cNvSpPr>
-            <a:spLocks noGrp="1"/>
-          </p:cNvSpPr>
-          <p:nvPr>
-            <p:ph sz="quarter" idx="4294967295" hasCustomPrompt="1"/>
-          </p:nvPr>
-        </p:nvSpPr>
-        <p:spPr>
-          <a:xfrm>
-            <a:off x="914559" y="110568"/>
-            <a:ext cx="2200592" cy="222250"/>
-          </a:xfrm>
-          <a:prstGeom prst="rect">
-            <a:avLst/>
-          </a:prstGeom>
-        </p:spPr>
-        <p:txBody>
-          <a:bodyPr/>
-          <a:lstStyle/>
-          <a:p>
-            <a:r>
-              <a:rPr lang="ko-KR" altLang="en-US" dirty="0"/>
-              <a:t>강의 소개</a:t>
-            </a:r>
-            <a:endParaRPr dirty="0"/>
-          </a:p>
-        </p:txBody>
-      </p:sp>
-      <p:sp>
-        <p:nvSpPr>
           <p:cNvPr id="4" name="제목 3"/>
           <p:cNvSpPr>
             <a:spLocks noGrp="1"/>
@@ -8568,6 +8236,73 @@
           <a:p>
             <a:r>
               <a:t>끝</a:t>
+            </a:r>
+          </a:p>
+        </p:txBody>
+      </p:sp>
+      <p:sp>
+        <p:nvSpPr>
+          <p:cNvPr id="5" name="텍스트 개체 틀 2">
+            <a:extLst>
+              <a:ext uri="{FF2B5EF4-FFF2-40B4-BE49-F238E27FC236}">
+                <a16:creationId xmlns:a16="http://schemas.microsoft.com/office/drawing/2014/main" id="{84905081-1C9C-4536-B325-F41864B8EC92}"/>
+              </a:ext>
+            </a:extLst>
+          </p:cNvPr>
+          <p:cNvSpPr>
+            <a:spLocks noGrp="1"/>
+          </p:cNvSpPr>
+          <p:nvPr>
+            <p:ph type="body" sz="quarter" idx="10"/>
+          </p:nvPr>
+        </p:nvSpPr>
+        <p:spPr>
+          <a:xfrm>
+            <a:off x="577751" y="119334"/>
+            <a:ext cx="386922" cy="222136"/>
+          </a:xfrm>
+        </p:spPr>
+        <p:txBody>
+          <a:bodyPr/>
+          <a:lstStyle/>
+          <a:p>
+            <a:r>
+              <a:rPr lang="en-US" altLang="ko-KR" dirty="0"/>
+              <a:t>00</a:t>
+            </a:r>
+            <a:endParaRPr lang="ko-KR" altLang="en-US" dirty="0"/>
+          </a:p>
+        </p:txBody>
+      </p:sp>
+      <p:sp>
+        <p:nvSpPr>
+          <p:cNvPr id="6" name="내용 개체 틀 3">
+            <a:extLst>
+              <a:ext uri="{FF2B5EF4-FFF2-40B4-BE49-F238E27FC236}">
+                <a16:creationId xmlns:a16="http://schemas.microsoft.com/office/drawing/2014/main" id="{A7BA2787-365F-4AFD-9956-5F12B7D626B1}"/>
+              </a:ext>
+            </a:extLst>
+          </p:cNvPr>
+          <p:cNvSpPr>
+            <a:spLocks noGrp="1"/>
+          </p:cNvSpPr>
+          <p:nvPr>
+            <p:ph sz="quarter" idx="11"/>
+          </p:nvPr>
+        </p:nvSpPr>
+        <p:spPr>
+          <a:xfrm>
+            <a:off x="757797" y="119277"/>
+            <a:ext cx="2200592" cy="222250"/>
+          </a:xfrm>
+        </p:spPr>
+        <p:txBody>
+          <a:bodyPr/>
+          <a:lstStyle/>
+          <a:p>
+            <a:r>
+              <a:rPr lang="ko-KR" altLang="en-US" dirty="0"/>
+              <a:t>강의 소개</a:t>
             </a:r>
           </a:p>
         </p:txBody>
@@ -8597,52 +8332,370 @@
           <a:chExt cx="0" cy="0"/>
         </a:xfrm>
       </p:grpSpPr>
-      <p:sp>
-        <p:nvSpPr>
-          <p:cNvPr id="2" name="텍스트 개체 틀 1"/>
+      <p:pic>
+        <p:nvPicPr>
+          <p:cNvPr id="1026" name="Picture 2" descr="https://avatars2.githubusercontent.com/u/6179259?v=4&amp;s=460">
+            <a:extLst>
+              <a:ext uri="{FF2B5EF4-FFF2-40B4-BE49-F238E27FC236}">
+                <a16:creationId xmlns:a16="http://schemas.microsoft.com/office/drawing/2014/main" id="{AF8F534C-A586-4392-9D51-0A3432110706}"/>
+              </a:ext>
+            </a:extLst>
+          </p:cNvPr>
+          <p:cNvPicPr>
+            <a:picLocks noChangeAspect="1" noChangeArrowheads="1"/>
+          </p:cNvPicPr>
+          <p:nvPr/>
+        </p:nvPicPr>
+        <p:blipFill>
+          <a:blip r:embed="rId2">
+            <a:extLst>
+              <a:ext uri="{28A0092B-C50C-407E-A947-70E740481C1C}">
+                <a14:useLocalDpi xmlns:a14="http://schemas.microsoft.com/office/drawing/2010/main" val="0"/>
+              </a:ext>
+            </a:extLst>
+          </a:blip>
+          <a:srcRect/>
+          <a:stretch>
+            <a:fillRect/>
+          </a:stretch>
+        </p:blipFill>
+        <p:spPr bwMode="auto">
+          <a:xfrm>
+            <a:off x="2296259" y="1939436"/>
+            <a:ext cx="2979127" cy="2979127"/>
+          </a:xfrm>
+          <a:prstGeom prst="rect">
+            <a:avLst/>
+          </a:prstGeom>
+          <a:noFill/>
+          <a:extLst>
+            <a:ext uri="{909E8E84-426E-40DD-AFC4-6F175D3DCCD1}">
+              <a14:hiddenFill xmlns:a14="http://schemas.microsoft.com/office/drawing/2010/main">
+                <a:solidFill>
+                  <a:srgbClr val="FFFFFF"/>
+                </a:solidFill>
+              </a14:hiddenFill>
+            </a:ext>
+          </a:extLst>
+        </p:spPr>
+      </p:pic>
+      <p:sp>
+        <p:nvSpPr>
+          <p:cNvPr id="2" name="직사각형 1">
+            <a:extLst>
+              <a:ext uri="{FF2B5EF4-FFF2-40B4-BE49-F238E27FC236}">
+                <a16:creationId xmlns:a16="http://schemas.microsoft.com/office/drawing/2014/main" id="{5425FD36-A64C-4481-B099-E5C0B0C08A31}"/>
+              </a:ext>
+            </a:extLst>
+          </p:cNvPr>
+          <p:cNvSpPr/>
+          <p:nvPr/>
+        </p:nvSpPr>
+        <p:spPr>
+          <a:xfrm>
+            <a:off x="5835160" y="1532707"/>
+            <a:ext cx="6096000" cy="3570208"/>
+          </a:xfrm>
+          <a:prstGeom prst="rect">
+            <a:avLst/>
+          </a:prstGeom>
+        </p:spPr>
+        <p:txBody>
+          <a:bodyPr>
+            <a:spAutoFit/>
+          </a:bodyPr>
+          <a:lstStyle/>
+          <a:p>
+            <a:r>
+              <a:rPr lang="ko-KR" altLang="en-US" sz="2800" b="1" dirty="0">
+                <a:latin typeface="Spoqa Han Sans"/>
+              </a:rPr>
+              <a:t>박찬엽</a:t>
+            </a:r>
+            <a:endParaRPr lang="en-US" altLang="ko-KR" sz="2800" b="1" dirty="0">
+              <a:latin typeface="Spoqa Han Sans"/>
+            </a:endParaRPr>
+          </a:p>
+          <a:p>
+            <a:endParaRPr lang="en-US" altLang="ko-KR" b="1" dirty="0">
+              <a:latin typeface="Spoqa Han Sans"/>
+            </a:endParaRPr>
+          </a:p>
+          <a:p>
+            <a:pPr marL="285750" indent="-285750">
+              <a:buFont typeface="Arial" panose="020B0604020202020204" pitchFamily="34" charset="0"/>
+              <a:buChar char="•"/>
+            </a:pPr>
+            <a:r>
+              <a:rPr lang="ko-KR" altLang="en-US" dirty="0" err="1">
+                <a:latin typeface="Spoqa Han Sans"/>
+              </a:rPr>
+              <a:t>코빗</a:t>
+            </a:r>
+            <a:r>
+              <a:rPr lang="ko-KR" altLang="en-US" dirty="0">
+                <a:latin typeface="Spoqa Han Sans"/>
+              </a:rPr>
+              <a:t> </a:t>
+            </a:r>
+            <a:r>
+              <a:rPr lang="ko-KR" altLang="en-US" dirty="0" err="1">
+                <a:latin typeface="Spoqa Han Sans"/>
+              </a:rPr>
+              <a:t>재무팀</a:t>
+            </a:r>
+            <a:r>
+              <a:rPr lang="ko-KR" altLang="en-US" dirty="0">
+                <a:latin typeface="Spoqa Han Sans"/>
+              </a:rPr>
+              <a:t> 데이터 담당</a:t>
+            </a:r>
+            <a:endParaRPr lang="en-US" altLang="ko-KR" dirty="0">
+              <a:latin typeface="Spoqa Han Sans"/>
+            </a:endParaRPr>
+          </a:p>
+          <a:p>
+            <a:pPr marL="742950" lvl="1" indent="-285750">
+              <a:buFontTx/>
+              <a:buChar char="-"/>
+            </a:pPr>
+            <a:r>
+              <a:rPr lang="ko-KR" altLang="en-US" dirty="0">
+                <a:latin typeface="Spoqa Han Sans"/>
+              </a:rPr>
+              <a:t>재무 데이터 관리 및 보고서 자동화</a:t>
+            </a:r>
+            <a:endParaRPr lang="en-US" altLang="ko-KR" dirty="0">
+              <a:latin typeface="Spoqa Han Sans"/>
+            </a:endParaRPr>
+          </a:p>
+          <a:p>
+            <a:pPr marL="742950" lvl="1" indent="-285750">
+              <a:buFontTx/>
+              <a:buChar char="-"/>
+            </a:pPr>
+            <a:endParaRPr lang="en-US" altLang="ko-KR" dirty="0">
+              <a:latin typeface="Spoqa Han Sans"/>
+            </a:endParaRPr>
+          </a:p>
+          <a:p>
+            <a:pPr marL="285750" indent="-285750">
+              <a:buFont typeface="Arial" panose="020B0604020202020204" pitchFamily="34" charset="0"/>
+              <a:buChar char="•"/>
+            </a:pPr>
+            <a:r>
+              <a:rPr lang="ko-KR" altLang="en-US" dirty="0">
+                <a:latin typeface="Spoqa Han Sans"/>
+              </a:rPr>
+              <a:t>서울도시가스 선행연구팀 연구원</a:t>
+            </a:r>
+            <a:endParaRPr lang="en-US" altLang="ko-KR" dirty="0">
+              <a:latin typeface="Spoqa Han Sans"/>
+            </a:endParaRPr>
+          </a:p>
+          <a:p>
+            <a:pPr marL="742950" lvl="1" indent="-285750">
+              <a:buFontTx/>
+              <a:buChar char="-"/>
+            </a:pPr>
+            <a:r>
+              <a:rPr lang="ko-KR" altLang="en-US" dirty="0" err="1">
+                <a:latin typeface="Spoqa Han Sans"/>
+              </a:rPr>
+              <a:t>챗봇</a:t>
+            </a:r>
+            <a:r>
+              <a:rPr lang="ko-KR" altLang="en-US" dirty="0">
+                <a:latin typeface="Spoqa Han Sans"/>
+              </a:rPr>
+              <a:t> 엔진 개발 및 서버 구축 </a:t>
+            </a:r>
+            <a:endParaRPr lang="en-US" altLang="ko-KR" dirty="0">
+              <a:latin typeface="Spoqa Han Sans"/>
+            </a:endParaRPr>
+          </a:p>
+          <a:p>
+            <a:pPr marL="742950" lvl="1" indent="-285750">
+              <a:buFontTx/>
+              <a:buChar char="-"/>
+            </a:pPr>
+            <a:endParaRPr lang="en-US" altLang="ko-KR" dirty="0">
+              <a:latin typeface="Spoqa Han Sans"/>
+            </a:endParaRPr>
+          </a:p>
+          <a:p>
+            <a:pPr marL="285750" indent="-285750">
+              <a:buFont typeface="Arial" panose="020B0604020202020204" pitchFamily="34" charset="0"/>
+              <a:buChar char="•"/>
+            </a:pPr>
+            <a:r>
+              <a:rPr lang="en-US" altLang="ko-KR" dirty="0">
+                <a:latin typeface="Spoqa Han Sans"/>
+              </a:rPr>
+              <a:t>2017 </a:t>
+            </a:r>
+            <a:r>
+              <a:rPr lang="ko-KR" altLang="en-US" dirty="0" err="1">
+                <a:latin typeface="Spoqa Han Sans"/>
+              </a:rPr>
+              <a:t>패스트</a:t>
+            </a:r>
+            <a:r>
+              <a:rPr lang="ko-KR" altLang="en-US" dirty="0">
+                <a:latin typeface="Spoqa Han Sans"/>
+              </a:rPr>
+              <a:t> 캠퍼스 데이터 분석 강의</a:t>
+            </a:r>
+            <a:endParaRPr lang="en-US" altLang="ko-KR" dirty="0">
+              <a:latin typeface="Spoqa Han Sans"/>
+            </a:endParaRPr>
+          </a:p>
+          <a:p>
+            <a:pPr marL="742950" lvl="1" indent="-285750">
+              <a:buFontTx/>
+              <a:buChar char="-"/>
+            </a:pPr>
+            <a:r>
+              <a:rPr lang="ko-KR" altLang="en-US" dirty="0">
+                <a:latin typeface="Spoqa Han Sans"/>
+              </a:rPr>
+              <a:t>데이터 분석을 위한 중급 </a:t>
+            </a:r>
+            <a:r>
+              <a:rPr lang="en-US" altLang="ko-KR" dirty="0">
+                <a:latin typeface="Spoqa Han Sans"/>
+              </a:rPr>
+              <a:t>R </a:t>
+            </a:r>
+            <a:r>
+              <a:rPr lang="ko-KR" altLang="en-US" dirty="0">
+                <a:latin typeface="Spoqa Han Sans"/>
+              </a:rPr>
+              <a:t>프로그래밍</a:t>
+            </a:r>
+            <a:endParaRPr lang="en-US" altLang="ko-KR" dirty="0">
+              <a:latin typeface="Spoqa Han Sans"/>
+            </a:endParaRPr>
+          </a:p>
+          <a:p>
+            <a:pPr marL="742950" lvl="1" indent="-285750">
+              <a:buFontTx/>
+              <a:buChar char="-"/>
+            </a:pPr>
+            <a:endParaRPr lang="en-US" altLang="ko-KR" dirty="0">
+              <a:latin typeface="Spoqa Han Sans"/>
+            </a:endParaRPr>
+          </a:p>
+          <a:p>
+            <a:pPr marL="285750" indent="-285750">
+              <a:buFont typeface="Arial" panose="020B0604020202020204" pitchFamily="34" charset="0"/>
+              <a:buChar char="•"/>
+            </a:pPr>
+            <a:r>
+              <a:rPr lang="en-US" altLang="ko-KR" dirty="0">
+                <a:latin typeface="Spoqa Han Sans"/>
+              </a:rPr>
+              <a:t>2018 L </a:t>
+            </a:r>
+            <a:r>
+              <a:rPr lang="ko-KR" altLang="en-US" dirty="0">
+                <a:latin typeface="Spoqa Han Sans"/>
+              </a:rPr>
+              <a:t>기업 </a:t>
+            </a:r>
+            <a:r>
+              <a:rPr lang="en-US" altLang="ko-KR" dirty="0">
+                <a:latin typeface="Spoqa Han Sans"/>
+              </a:rPr>
+              <a:t>R</a:t>
+            </a:r>
+            <a:r>
+              <a:rPr lang="ko-KR" altLang="en-US" dirty="0">
+                <a:latin typeface="Spoqa Han Sans"/>
+              </a:rPr>
+              <a:t>로 하는 </a:t>
+            </a:r>
+            <a:r>
+              <a:rPr lang="ko-KR" altLang="en-US" dirty="0" err="1">
+                <a:latin typeface="Spoqa Han Sans"/>
+              </a:rPr>
+              <a:t>머신러닝</a:t>
+            </a:r>
+            <a:r>
+              <a:rPr lang="ko-KR" altLang="en-US" dirty="0">
+                <a:latin typeface="Spoqa Han Sans"/>
+              </a:rPr>
+              <a:t> 기초</a:t>
+            </a:r>
+            <a:r>
+              <a:rPr lang="en-US" altLang="ko-KR" dirty="0">
+                <a:latin typeface="Spoqa Han Sans"/>
+              </a:rPr>
+              <a:t>, </a:t>
+            </a:r>
+            <a:r>
+              <a:rPr lang="ko-KR" altLang="en-US" dirty="0">
+                <a:latin typeface="Spoqa Han Sans"/>
+              </a:rPr>
+              <a:t>텍스트 마이닝 기초</a:t>
+            </a:r>
+            <a:endParaRPr lang="en-US" altLang="ko-KR" dirty="0">
+              <a:latin typeface="Spoqa Han Sans"/>
+            </a:endParaRPr>
+          </a:p>
+        </p:txBody>
+      </p:sp>
+      <p:sp>
+        <p:nvSpPr>
+          <p:cNvPr id="6" name="텍스트 개체 틀 5">
+            <a:extLst>
+              <a:ext uri="{FF2B5EF4-FFF2-40B4-BE49-F238E27FC236}">
+                <a16:creationId xmlns:a16="http://schemas.microsoft.com/office/drawing/2014/main" id="{02A872C1-8C72-473D-8BB8-050669554C2D}"/>
+              </a:ext>
+            </a:extLst>
+          </p:cNvPr>
           <p:cNvSpPr>
             <a:spLocks noGrp="1"/>
           </p:cNvSpPr>
           <p:nvPr>
-            <p:ph type="body" sz="quarter" idx="10" hasCustomPrompt="1"/>
+            <p:ph type="body" sz="quarter" idx="12"/>
           </p:nvPr>
         </p:nvSpPr>
-        <p:spPr>
-          <a:xfrm>
-            <a:off x="1577592" y="1800061"/>
-            <a:ext cx="826276" cy="461665"/>
-          </a:xfrm>
-        </p:spPr>
+        <p:spPr/>
         <p:txBody>
           <a:bodyPr/>
           <a:lstStyle/>
           <a:p>
-            <a:r>
-              <a:rPr dirty="0"/>
-              <a:t>0</a:t>
-            </a:r>
-            <a:r>
-              <a:rPr lang="en-US" altLang="ko-KR" dirty="0"/>
-              <a:t>0</a:t>
-            </a:r>
-            <a:endParaRPr dirty="0"/>
-          </a:p>
-        </p:txBody>
-      </p:sp>
-      <p:sp>
-        <p:nvSpPr>
-          <p:cNvPr id="3" name="제목 2"/>
+            <a:pPr marL="0" indent="0">
+              <a:buNone/>
+            </a:pPr>
+            <a:r>
+              <a:rPr lang="ko-KR" altLang="en-US" b="1" dirty="0"/>
+              <a:t>강사 소개</a:t>
+            </a:r>
+          </a:p>
+        </p:txBody>
+      </p:sp>
+      <p:sp>
+        <p:nvSpPr>
+          <p:cNvPr id="9" name="텍스트 개체 틀 2">
+            <a:extLst>
+              <a:ext uri="{FF2B5EF4-FFF2-40B4-BE49-F238E27FC236}">
+                <a16:creationId xmlns:a16="http://schemas.microsoft.com/office/drawing/2014/main" id="{02183901-CCD3-4B8B-9B14-C9D0B48F70B9}"/>
+              </a:ext>
+            </a:extLst>
+          </p:cNvPr>
           <p:cNvSpPr>
             <a:spLocks noGrp="1"/>
           </p:cNvSpPr>
           <p:nvPr>
-            <p:ph type="title" hasCustomPrompt="1"/>
+            <p:ph type="body" sz="quarter" idx="10"/>
           </p:nvPr>
         </p:nvSpPr>
         <p:spPr>
           <a:xfrm>
-            <a:off x="472440" y="2242743"/>
-            <a:ext cx="10515600" cy="556463"/>
+            <a:off x="577751" y="119334"/>
+            <a:ext cx="386922" cy="222136"/>
           </a:xfrm>
         </p:spPr>
         <p:txBody>
@@ -8650,76 +8703,225 @@
           <a:lstStyle/>
           <a:p>
             <a:r>
-              <a:rPr lang="ko-KR" altLang="en-US" dirty="0">
+              <a:rPr lang="en-US" altLang="ko-KR" dirty="0"/>
+              <a:t>00</a:t>
+            </a:r>
+            <a:endParaRPr lang="ko-KR" altLang="en-US" dirty="0"/>
+          </a:p>
+        </p:txBody>
+      </p:sp>
+      <p:sp>
+        <p:nvSpPr>
+          <p:cNvPr id="10" name="내용 개체 틀 3">
+            <a:extLst>
+              <a:ext uri="{FF2B5EF4-FFF2-40B4-BE49-F238E27FC236}">
+                <a16:creationId xmlns:a16="http://schemas.microsoft.com/office/drawing/2014/main" id="{E174223D-5049-4D0F-A7FE-D3F30AA763B0}"/>
+              </a:ext>
+            </a:extLst>
+          </p:cNvPr>
+          <p:cNvSpPr txBox="1">
+            <a:spLocks/>
+          </p:cNvSpPr>
+          <p:nvPr/>
+        </p:nvSpPr>
+        <p:spPr>
+          <a:xfrm>
+            <a:off x="757797" y="119277"/>
+            <a:ext cx="2200592" cy="222250"/>
+          </a:xfrm>
+          <a:prstGeom prst="rect">
+            <a:avLst/>
+          </a:prstGeom>
+          <a:ln>
+            <a:noFill/>
+          </a:ln>
+        </p:spPr>
+        <p:txBody>
+          <a:bodyPr/>
+          <a:lstStyle>
+            <a:lvl1pPr marL="0" indent="0" algn="l" defTabSz="914400" rtl="0" eaLnBrk="1" latinLnBrk="1" hangingPunct="1">
+              <a:lnSpc>
+                <a:spcPct val="90000"/>
+              </a:lnSpc>
+              <a:spcBef>
+                <a:spcPts val="1000"/>
+              </a:spcBef>
+              <a:buFont typeface="Arial" panose="020B0604020202020204" pitchFamily="34" charset="0"/>
+              <a:buNone/>
+              <a:defRPr sz="1000" kern="1200">
+                <a:ln>
+                  <a:solidFill>
+                    <a:schemeClr val="tx1">
+                      <a:alpha val="0"/>
+                    </a:schemeClr>
+                  </a:solidFill>
+                </a:ln>
                 <a:solidFill>
-                  <a:srgbClr val="F0234B"/>
+                  <a:schemeClr val="tx1"/>
                 </a:solidFill>
-              </a:rPr>
+                <a:latin typeface="Noto Sans CJK KR Medium" panose="020B0600000000000000" pitchFamily="34" charset="-127"/>
+                <a:ea typeface="Noto Sans CJK KR Medium" panose="020B0600000000000000" pitchFamily="34" charset="-127"/>
+                <a:cs typeface="+mn-cs"/>
+              </a:defRPr>
+            </a:lvl1pPr>
+            <a:lvl2pPr marL="685800" indent="-228600" algn="l" defTabSz="914400" rtl="0" eaLnBrk="1" latinLnBrk="1" hangingPunct="1">
+              <a:lnSpc>
+                <a:spcPct val="90000"/>
+              </a:lnSpc>
+              <a:spcBef>
+                <a:spcPts val="500"/>
+              </a:spcBef>
+              <a:buFont typeface="Arial" panose="020B0604020202020204" pitchFamily="34" charset="0"/>
+              <a:buChar char="•"/>
+              <a:defRPr sz="2400" kern="1200">
+                <a:solidFill>
+                  <a:schemeClr val="tx1"/>
+                </a:solidFill>
+                <a:latin typeface="+mn-lt"/>
+                <a:ea typeface="+mn-ea"/>
+                <a:cs typeface="+mn-cs"/>
+              </a:defRPr>
+            </a:lvl2pPr>
+            <a:lvl3pPr marL="1143000" indent="-228600" algn="l" defTabSz="914400" rtl="0" eaLnBrk="1" latinLnBrk="1" hangingPunct="1">
+              <a:lnSpc>
+                <a:spcPct val="90000"/>
+              </a:lnSpc>
+              <a:spcBef>
+                <a:spcPts val="500"/>
+              </a:spcBef>
+              <a:buFont typeface="Arial" panose="020B0604020202020204" pitchFamily="34" charset="0"/>
+              <a:buChar char="•"/>
+              <a:defRPr sz="2000" kern="1200">
+                <a:solidFill>
+                  <a:schemeClr val="tx1"/>
+                </a:solidFill>
+                <a:latin typeface="+mn-lt"/>
+                <a:ea typeface="+mn-ea"/>
+                <a:cs typeface="+mn-cs"/>
+              </a:defRPr>
+            </a:lvl3pPr>
+            <a:lvl4pPr marL="1600200" indent="-228600" algn="l" defTabSz="914400" rtl="0" eaLnBrk="1" latinLnBrk="1" hangingPunct="1">
+              <a:lnSpc>
+                <a:spcPct val="90000"/>
+              </a:lnSpc>
+              <a:spcBef>
+                <a:spcPts val="500"/>
+              </a:spcBef>
+              <a:buFont typeface="Arial" panose="020B0604020202020204" pitchFamily="34" charset="0"/>
+              <a:buChar char="•"/>
+              <a:defRPr sz="1800" kern="1200">
+                <a:solidFill>
+                  <a:schemeClr val="tx1"/>
+                </a:solidFill>
+                <a:latin typeface="+mn-lt"/>
+                <a:ea typeface="+mn-ea"/>
+                <a:cs typeface="+mn-cs"/>
+              </a:defRPr>
+            </a:lvl4pPr>
+            <a:lvl5pPr marL="2057400" indent="-228600" algn="l" defTabSz="914400" rtl="0" eaLnBrk="1" latinLnBrk="1" hangingPunct="1">
+              <a:lnSpc>
+                <a:spcPct val="90000"/>
+              </a:lnSpc>
+              <a:spcBef>
+                <a:spcPts val="500"/>
+              </a:spcBef>
+              <a:buFont typeface="Arial" panose="020B0604020202020204" pitchFamily="34" charset="0"/>
+              <a:buChar char="•"/>
+              <a:defRPr sz="1800" kern="1200">
+                <a:solidFill>
+                  <a:schemeClr val="tx1"/>
+                </a:solidFill>
+                <a:latin typeface="+mn-lt"/>
+                <a:ea typeface="+mn-ea"/>
+                <a:cs typeface="+mn-cs"/>
+              </a:defRPr>
+            </a:lvl5pPr>
+            <a:lvl6pPr marL="2514600" indent="-228600" algn="l" defTabSz="914400" rtl="0" eaLnBrk="1" latinLnBrk="1" hangingPunct="1">
+              <a:lnSpc>
+                <a:spcPct val="90000"/>
+              </a:lnSpc>
+              <a:spcBef>
+                <a:spcPts val="500"/>
+              </a:spcBef>
+              <a:buFont typeface="Arial" panose="020B0604020202020204" pitchFamily="34" charset="0"/>
+              <a:buChar char="•"/>
+              <a:defRPr sz="1800" kern="1200">
+                <a:solidFill>
+                  <a:schemeClr val="tx1"/>
+                </a:solidFill>
+                <a:latin typeface="+mn-lt"/>
+                <a:ea typeface="+mn-ea"/>
+                <a:cs typeface="+mn-cs"/>
+              </a:defRPr>
+            </a:lvl6pPr>
+            <a:lvl7pPr marL="2971800" indent="-228600" algn="l" defTabSz="914400" rtl="0" eaLnBrk="1" latinLnBrk="1" hangingPunct="1">
+              <a:lnSpc>
+                <a:spcPct val="90000"/>
+              </a:lnSpc>
+              <a:spcBef>
+                <a:spcPts val="500"/>
+              </a:spcBef>
+              <a:buFont typeface="Arial" panose="020B0604020202020204" pitchFamily="34" charset="0"/>
+              <a:buChar char="•"/>
+              <a:defRPr sz="1800" kern="1200">
+                <a:solidFill>
+                  <a:schemeClr val="tx1"/>
+                </a:solidFill>
+                <a:latin typeface="+mn-lt"/>
+                <a:ea typeface="+mn-ea"/>
+                <a:cs typeface="+mn-cs"/>
+              </a:defRPr>
+            </a:lvl7pPr>
+            <a:lvl8pPr marL="3429000" indent="-228600" algn="l" defTabSz="914400" rtl="0" eaLnBrk="1" latinLnBrk="1" hangingPunct="1">
+              <a:lnSpc>
+                <a:spcPct val="90000"/>
+              </a:lnSpc>
+              <a:spcBef>
+                <a:spcPts val="500"/>
+              </a:spcBef>
+              <a:buFont typeface="Arial" panose="020B0604020202020204" pitchFamily="34" charset="0"/>
+              <a:buChar char="•"/>
+              <a:defRPr sz="1800" kern="1200">
+                <a:solidFill>
+                  <a:schemeClr val="tx1"/>
+                </a:solidFill>
+                <a:latin typeface="+mn-lt"/>
+                <a:ea typeface="+mn-ea"/>
+                <a:cs typeface="+mn-cs"/>
+              </a:defRPr>
+            </a:lvl8pPr>
+            <a:lvl9pPr marL="3886200" indent="-228600" algn="l" defTabSz="914400" rtl="0" eaLnBrk="1" latinLnBrk="1" hangingPunct="1">
+              <a:lnSpc>
+                <a:spcPct val="90000"/>
+              </a:lnSpc>
+              <a:spcBef>
+                <a:spcPts val="500"/>
+              </a:spcBef>
+              <a:buFont typeface="Arial" panose="020B0604020202020204" pitchFamily="34" charset="0"/>
+              <a:buChar char="•"/>
+              <a:defRPr sz="1800" kern="1200">
+                <a:solidFill>
+                  <a:schemeClr val="tx1"/>
+                </a:solidFill>
+                <a:latin typeface="+mn-lt"/>
+                <a:ea typeface="+mn-ea"/>
+                <a:cs typeface="+mn-cs"/>
+              </a:defRPr>
+            </a:lvl9pPr>
+          </a:lstStyle>
+          <a:p>
+            <a:r>
+              <a:rPr lang="ko-KR" altLang="en-US"/>
               <a:t>강의 소개</a:t>
             </a:r>
-            <a:endParaRPr dirty="0">
-              <a:solidFill>
-                <a:srgbClr val="F0234B"/>
-              </a:solidFill>
-            </a:endParaRPr>
-          </a:p>
-        </p:txBody>
-      </p:sp>
-      <p:sp>
-        <p:nvSpPr>
-          <p:cNvPr id="4" name="텍스트 개체 틀 3"/>
-          <p:cNvSpPr>
-            <a:spLocks noGrp="1"/>
-          </p:cNvSpPr>
-          <p:nvPr>
-            <p:ph type="body" sz="quarter" idx="11" hasCustomPrompt="1"/>
-          </p:nvPr>
-        </p:nvSpPr>
-        <p:spPr>
-          <a:xfrm>
-            <a:off x="821490" y="2877946"/>
-            <a:ext cx="10136057" cy="2081938"/>
-          </a:xfrm>
-        </p:spPr>
-        <p:txBody>
-          <a:bodyPr/>
-          <a:lstStyle/>
-          <a:p>
-            <a:r>
-              <a:rPr lang="ko-KR" altLang="en-US" dirty="0"/>
-              <a:t>금</a:t>
-            </a:r>
-            <a:r>
-              <a:rPr lang="ko-KR" altLang="en-US" dirty="0">
-                <a:solidFill>
-                  <a:srgbClr val="FFFFFF"/>
-                </a:solidFill>
-              </a:rPr>
-              <a:t>융</a:t>
-            </a:r>
-            <a:r>
-              <a:rPr lang="ko-KR" altLang="en-US" dirty="0"/>
-              <a:t> 데이터 분석을 위한</a:t>
-            </a:r>
-            <a:endParaRPr lang="en-US" altLang="ko-KR" dirty="0"/>
-          </a:p>
-          <a:p>
-            <a:r>
-              <a:rPr lang="en-US" dirty="0"/>
-              <a:t>R </a:t>
-            </a:r>
-            <a:r>
-              <a:rPr lang="ko-KR" altLang="en-US" dirty="0"/>
-              <a:t>프로그래밍 기초</a:t>
-            </a:r>
-            <a:endParaRPr dirty="0"/>
+            <a:endParaRPr lang="ko-KR" altLang="en-US" dirty="0"/>
           </a:p>
         </p:txBody>
       </p:sp>
     </p:spTree>
     <p:extLst>
       <p:ext uri="{BB962C8B-B14F-4D97-AF65-F5344CB8AC3E}">
-        <p14:creationId xmlns:p14="http://schemas.microsoft.com/office/powerpoint/2010/main" val="2706408443"/>
+        <p14:creationId xmlns:p14="http://schemas.microsoft.com/office/powerpoint/2010/main" val="2779348963"/>
       </p:ext>
     </p:extLst>
   </p:cSld>
@@ -8748,70 +8950,61 @@
       </p:grpSpPr>
       <p:sp>
         <p:nvSpPr>
-          <p:cNvPr id="2" name="제목 1">
-            <a:extLst>
-              <a:ext uri="{FF2B5EF4-FFF2-40B4-BE49-F238E27FC236}">
-                <a16:creationId xmlns:a16="http://schemas.microsoft.com/office/drawing/2014/main" id="{DCFF4024-D5D7-4AFD-B193-63EB4F02DEB3}"/>
-              </a:ext>
-            </a:extLst>
-          </p:cNvPr>
-          <p:cNvSpPr>
-            <a:spLocks noGrp="1"/>
+          <p:cNvPr id="8" name="제목 3">
+            <a:extLst>
+              <a:ext uri="{FF2B5EF4-FFF2-40B4-BE49-F238E27FC236}">
+                <a16:creationId xmlns:a16="http://schemas.microsoft.com/office/drawing/2014/main" id="{BC3D074B-685C-4A78-A046-5F6B58E5A81D}"/>
+              </a:ext>
+            </a:extLst>
+          </p:cNvPr>
+          <p:cNvSpPr txBox="1">
+            <a:spLocks/>
           </p:cNvSpPr>
-          <p:nvPr>
-            <p:ph type="title"/>
-          </p:nvPr>
-        </p:nvSpPr>
-        <p:spPr/>
+          <p:nvPr/>
+        </p:nvSpPr>
+        <p:spPr>
+          <a:xfrm>
+            <a:off x="630867" y="2862057"/>
+            <a:ext cx="10930266" cy="1201773"/>
+          </a:xfrm>
+          <a:prstGeom prst="rect">
+            <a:avLst/>
+          </a:prstGeom>
+        </p:spPr>
         <p:txBody>
           <a:bodyPr/>
-          <a:lstStyle/>
-          <a:p>
-            <a:r>
-              <a:rPr lang="ko-KR" altLang="en-US" dirty="0"/>
-              <a:t>이건 </a:t>
-            </a:r>
-            <a:r>
-              <a:rPr lang="ko-KR" altLang="en-US"/>
-              <a:t>중간 슬라이드입니다</a:t>
-            </a:r>
-            <a:r>
-              <a:rPr lang="en-US" altLang="ko-KR" dirty="0"/>
-              <a:t>.</a:t>
-            </a:r>
-            <a:endParaRPr lang="ko-KR" altLang="en-US" dirty="0"/>
-          </a:p>
-        </p:txBody>
-      </p:sp>
-      <p:sp>
-        <p:nvSpPr>
-          <p:cNvPr id="3" name="텍스트 개체 틀 2">
-            <a:extLst>
-              <a:ext uri="{FF2B5EF4-FFF2-40B4-BE49-F238E27FC236}">
-                <a16:creationId xmlns:a16="http://schemas.microsoft.com/office/drawing/2014/main" id="{84C0B4C0-133F-4D1A-BDDD-B9E944DF63A1}"/>
-              </a:ext>
-            </a:extLst>
-          </p:cNvPr>
-          <p:cNvSpPr>
-            <a:spLocks noGrp="1"/>
-          </p:cNvSpPr>
-          <p:nvPr>
-            <p:ph type="body" sz="quarter" idx="10"/>
-          </p:nvPr>
-        </p:nvSpPr>
-        <p:spPr/>
-        <p:txBody>
-          <a:bodyPr/>
-          <a:lstStyle/>
-          <a:p>
-            <a:endParaRPr lang="ko-KR" altLang="en-US"/>
+          <a:lstStyle>
+            <a:lvl1pPr algn="l" defTabSz="914400" rtl="0" eaLnBrk="1" latinLnBrk="1" hangingPunct="1">
+              <a:lnSpc>
+                <a:spcPct val="90000"/>
+              </a:lnSpc>
+              <a:spcBef>
+                <a:spcPct val="0"/>
+              </a:spcBef>
+              <a:buNone/>
+              <a:defRPr sz="4400" kern="1200">
+                <a:solidFill>
+                  <a:schemeClr val="tx1"/>
+                </a:solidFill>
+                <a:latin typeface="+mj-lt"/>
+                <a:ea typeface="+mj-ea"/>
+                <a:cs typeface="+mj-cs"/>
+              </a:defRPr>
+            </a:lvl1pPr>
+          </a:lstStyle>
+          <a:p>
+            <a:pPr algn="ctr"/>
+            <a:r>
+              <a:rPr lang="ko-KR" altLang="en-US" sz="3600" b="1" dirty="0"/>
+              <a:t>강의의 목표</a:t>
+            </a:r>
           </a:p>
         </p:txBody>
       </p:sp>
     </p:spTree>
     <p:extLst>
       <p:ext uri="{BB962C8B-B14F-4D97-AF65-F5344CB8AC3E}">
-        <p14:creationId xmlns:p14="http://schemas.microsoft.com/office/powerpoint/2010/main" val="231680727"/>
+        <p14:creationId xmlns:p14="http://schemas.microsoft.com/office/powerpoint/2010/main" val="2323345167"/>
       </p:ext>
     </p:extLst>
   </p:cSld>
@@ -8854,7 +9047,7 @@
         </p:nvSpPr>
         <p:spPr>
           <a:xfrm>
-            <a:off x="630867" y="2862057"/>
+            <a:off x="630867" y="2316934"/>
             <a:ext cx="10930266" cy="1201773"/>
           </a:xfrm>
           <a:prstGeom prst="rect">
@@ -8883,10 +9076,18 @@
             </a:lvl1pPr>
           </a:lstStyle>
           <a:p>
-            <a:pPr algn="ctr"/>
-            <a:r>
-              <a:rPr lang="ko-KR" altLang="en-US" sz="3600" b="1" dirty="0"/>
-              <a:t>강의의 목표</a:t>
+            <a:pPr algn="ctr">
+              <a:lnSpc>
+                <a:spcPct val="150000"/>
+              </a:lnSpc>
+            </a:pPr>
+            <a:r>
+              <a:rPr lang="en-US" altLang="ko-KR" sz="3600" dirty="0"/>
+              <a:t>R </a:t>
+            </a:r>
+            <a:r>
+              <a:rPr lang="ko-KR" altLang="en-US" sz="3600" dirty="0"/>
+              <a:t>프로그래밍 기초와 데이터 다루기</a:t>
             </a:r>
           </a:p>
         </p:txBody>
@@ -8894,7 +9095,7 @@
     </p:spTree>
     <p:extLst>
       <p:ext uri="{BB962C8B-B14F-4D97-AF65-F5344CB8AC3E}">
-        <p14:creationId xmlns:p14="http://schemas.microsoft.com/office/powerpoint/2010/main" val="3656549564"/>
+        <p14:creationId xmlns:p14="http://schemas.microsoft.com/office/powerpoint/2010/main" val="70107518"/>
       </p:ext>
     </p:extLst>
   </p:cSld>
@@ -8923,68 +9124,27 @@
       </p:grpSpPr>
       <p:sp>
         <p:nvSpPr>
-          <p:cNvPr id="8" name="제목 3">
-            <a:extLst>
-              <a:ext uri="{FF2B5EF4-FFF2-40B4-BE49-F238E27FC236}">
-                <a16:creationId xmlns:a16="http://schemas.microsoft.com/office/drawing/2014/main" id="{BC3D074B-685C-4A78-A046-5F6B58E5A81D}"/>
-              </a:ext>
-            </a:extLst>
-          </p:cNvPr>
-          <p:cNvSpPr txBox="1">
-            <a:spLocks/>
+          <p:cNvPr id="2" name="제목 1">
+            <a:extLst>
+              <a:ext uri="{FF2B5EF4-FFF2-40B4-BE49-F238E27FC236}">
+                <a16:creationId xmlns:a16="http://schemas.microsoft.com/office/drawing/2014/main" id="{3D448522-7010-4BE1-BE27-3AA2D0414BC0}"/>
+              </a:ext>
+            </a:extLst>
+          </p:cNvPr>
+          <p:cNvSpPr>
+            <a:spLocks noGrp="1"/>
           </p:cNvSpPr>
-          <p:nvPr/>
-        </p:nvSpPr>
-        <p:spPr>
-          <a:xfrm>
-            <a:off x="630867" y="2316934"/>
-            <a:ext cx="10930266" cy="1201773"/>
-          </a:xfrm>
-          <a:prstGeom prst="rect">
-            <a:avLst/>
-          </a:prstGeom>
-        </p:spPr>
+          <p:nvPr>
+            <p:ph type="title"/>
+          </p:nvPr>
+        </p:nvSpPr>
+        <p:spPr/>
         <p:txBody>
           <a:bodyPr/>
-          <a:lstStyle>
-            <a:lvl1pPr algn="l" defTabSz="914400" rtl="0" eaLnBrk="1" latinLnBrk="1" hangingPunct="1">
-              <a:lnSpc>
-                <a:spcPct val="90000"/>
-              </a:lnSpc>
-              <a:spcBef>
-                <a:spcPct val="0"/>
-              </a:spcBef>
-              <a:buNone/>
-              <a:defRPr sz="4400" kern="1200">
-                <a:solidFill>
-                  <a:schemeClr val="tx1"/>
-                </a:solidFill>
-                <a:latin typeface="+mj-lt"/>
-                <a:ea typeface="+mj-ea"/>
-                <a:cs typeface="+mj-cs"/>
-              </a:defRPr>
-            </a:lvl1pPr>
-          </a:lstStyle>
-          <a:p>
-            <a:pPr algn="ctr">
-              <a:lnSpc>
-                <a:spcPct val="150000"/>
-              </a:lnSpc>
-            </a:pPr>
-            <a:r>
-              <a:rPr lang="ko-KR" altLang="en-US" sz="3600" dirty="0"/>
-              <a:t>혼자 공부하기 어려운 부분을</a:t>
-            </a:r>
-            <a:endParaRPr lang="en-US" altLang="ko-KR" sz="3200" dirty="0"/>
-          </a:p>
-          <a:p>
-            <a:pPr algn="ctr">
-              <a:lnSpc>
-                <a:spcPct val="150000"/>
-              </a:lnSpc>
-            </a:pPr>
-            <a:r>
-              <a:rPr lang="ko-KR" altLang="en-US" sz="3600" dirty="0">
+          <a:lstStyle/>
+          <a:p>
+            <a:r>
+              <a:rPr lang="ko-KR" altLang="en-US" dirty="0">
                 <a:solidFill>
                   <a:srgbClr val="F0234B"/>
                 </a:solidFill>
@@ -8992,21 +9152,125 @@
               <a:t>빠르게</a:t>
             </a:r>
             <a:r>
-              <a:rPr lang="ko-KR" altLang="en-US" sz="3600" dirty="0"/>
-              <a:t> 이해하도록 돕는다</a:t>
-            </a:r>
-            <a:r>
-              <a:rPr lang="en-US" altLang="ko-KR" sz="3600" dirty="0"/>
-              <a:t>.</a:t>
-            </a:r>
-            <a:endParaRPr lang="ko-KR" altLang="en-US" sz="3600" dirty="0"/>
+              <a:rPr lang="ko-KR" altLang="en-US" dirty="0"/>
+              <a:t> 공부하기 위해서</a:t>
+            </a:r>
+          </a:p>
+        </p:txBody>
+      </p:sp>
+      <p:sp>
+        <p:nvSpPr>
+          <p:cNvPr id="3" name="텍스트 개체 틀 2">
+            <a:extLst>
+              <a:ext uri="{FF2B5EF4-FFF2-40B4-BE49-F238E27FC236}">
+                <a16:creationId xmlns:a16="http://schemas.microsoft.com/office/drawing/2014/main" id="{D7872CA9-264E-4F26-B6D7-AA4BF1E7FC75}"/>
+              </a:ext>
+            </a:extLst>
+          </p:cNvPr>
+          <p:cNvSpPr>
+            <a:spLocks noGrp="1"/>
+          </p:cNvSpPr>
+          <p:nvPr>
+            <p:ph type="body" sz="quarter" idx="10"/>
+          </p:nvPr>
+        </p:nvSpPr>
+        <p:spPr/>
+        <p:txBody>
+          <a:bodyPr/>
+          <a:lstStyle/>
+          <a:p>
+            <a:r>
+              <a:rPr lang="en-US" altLang="ko-KR" dirty="0"/>
+              <a:t>00</a:t>
+            </a:r>
+            <a:endParaRPr lang="ko-KR" altLang="en-US" dirty="0"/>
+          </a:p>
+        </p:txBody>
+      </p:sp>
+      <p:sp>
+        <p:nvSpPr>
+          <p:cNvPr id="4" name="내용 개체 틀 3">
+            <a:extLst>
+              <a:ext uri="{FF2B5EF4-FFF2-40B4-BE49-F238E27FC236}">
+                <a16:creationId xmlns:a16="http://schemas.microsoft.com/office/drawing/2014/main" id="{9F38E2E2-ADCF-4FEC-AB6E-0F88A4E38410}"/>
+              </a:ext>
+            </a:extLst>
+          </p:cNvPr>
+          <p:cNvSpPr>
+            <a:spLocks noGrp="1"/>
+          </p:cNvSpPr>
+          <p:nvPr>
+            <p:ph sz="quarter" idx="11"/>
+          </p:nvPr>
+        </p:nvSpPr>
+        <p:spPr/>
+        <p:txBody>
+          <a:bodyPr/>
+          <a:lstStyle/>
+          <a:p>
+            <a:r>
+              <a:rPr lang="ko-KR" altLang="en-US" dirty="0"/>
+              <a:t>강의 소개</a:t>
+            </a:r>
+          </a:p>
+        </p:txBody>
+      </p:sp>
+      <p:sp>
+        <p:nvSpPr>
+          <p:cNvPr id="5" name="텍스트 개체 틀 4">
+            <a:extLst>
+              <a:ext uri="{FF2B5EF4-FFF2-40B4-BE49-F238E27FC236}">
+                <a16:creationId xmlns:a16="http://schemas.microsoft.com/office/drawing/2014/main" id="{66D6AE74-76CA-4B5C-A3FC-C41D7444B243}"/>
+              </a:ext>
+            </a:extLst>
+          </p:cNvPr>
+          <p:cNvSpPr>
+            <a:spLocks noGrp="1"/>
+          </p:cNvSpPr>
+          <p:nvPr>
+            <p:ph type="body" sz="quarter" idx="12"/>
+          </p:nvPr>
+        </p:nvSpPr>
+        <p:spPr/>
+        <p:txBody>
+          <a:bodyPr/>
+          <a:lstStyle/>
+          <a:p>
+            <a:r>
+              <a:rPr lang="ko-KR" altLang="en-US" dirty="0"/>
+              <a:t>자주 사용하는 함수를 학습</a:t>
+            </a:r>
+            <a:endParaRPr lang="en-US" altLang="ko-KR" dirty="0"/>
+          </a:p>
+          <a:p>
+            <a:endParaRPr lang="ko-KR" altLang="en-US" dirty="0"/>
+          </a:p>
+          <a:p>
+            <a:r>
+              <a:rPr lang="en-US" altLang="ko-KR" dirty="0"/>
+              <a:t>cheat sheet, help page</a:t>
+            </a:r>
+            <a:r>
+              <a:rPr lang="ko-KR" altLang="en-US" dirty="0"/>
+              <a:t>를 사전처럼 활용</a:t>
+            </a:r>
+            <a:endParaRPr lang="en-US" altLang="ko-KR" dirty="0"/>
+          </a:p>
+          <a:p>
+            <a:endParaRPr lang="ko-KR" altLang="en-US" dirty="0"/>
+          </a:p>
+          <a:p>
+            <a:r>
+              <a:rPr lang="ko-KR" altLang="en-US" dirty="0"/>
+              <a:t>개인 프로젝트 진행</a:t>
+            </a:r>
           </a:p>
         </p:txBody>
       </p:sp>
     </p:spTree>
     <p:extLst>
       <p:ext uri="{BB962C8B-B14F-4D97-AF65-F5344CB8AC3E}">
-        <p14:creationId xmlns:p14="http://schemas.microsoft.com/office/powerpoint/2010/main" val="70107518"/>
+        <p14:creationId xmlns:p14="http://schemas.microsoft.com/office/powerpoint/2010/main" val="2773528604"/>
       </p:ext>
     </p:extLst>
   </p:cSld>
@@ -9172,8 +9436,16 @@
           </a:p>
           <a:p>
             <a:r>
+              <a:rPr lang="ko-KR" altLang="en-US" dirty="0" err="1"/>
+              <a:t>작은</a:t>
+            </a:r>
+            <a:r>
+              <a:rPr lang="ko-KR" altLang="en-US" i="1" strike="sngStrike" dirty="0" err="1"/>
+              <a:t>개인</a:t>
+            </a:r>
+            <a:r>
               <a:rPr lang="ko-KR" altLang="en-US" dirty="0"/>
-              <a:t>개인 프로젝트 진행</a:t>
+              <a:t> 프로젝트 진행</a:t>
             </a:r>
           </a:p>
         </p:txBody>
@@ -9181,7 +9453,7 @@
     </p:spTree>
     <p:extLst>
       <p:ext uri="{BB962C8B-B14F-4D97-AF65-F5344CB8AC3E}">
-        <p14:creationId xmlns:p14="http://schemas.microsoft.com/office/powerpoint/2010/main" val="2773528604"/>
+        <p14:creationId xmlns:p14="http://schemas.microsoft.com/office/powerpoint/2010/main" val="1400417564"/>
       </p:ext>
     </p:extLst>
   </p:cSld>
@@ -9210,10 +9482,10 @@
       </p:grpSpPr>
       <p:sp>
         <p:nvSpPr>
-          <p:cNvPr id="2" name="제목 1">
-            <a:extLst>
-              <a:ext uri="{FF2B5EF4-FFF2-40B4-BE49-F238E27FC236}">
-                <a16:creationId xmlns:a16="http://schemas.microsoft.com/office/drawing/2014/main" id="{3D448522-7010-4BE1-BE27-3AA2D0414BC0}"/>
+          <p:cNvPr id="4" name="제목 3">
+            <a:extLst>
+              <a:ext uri="{FF2B5EF4-FFF2-40B4-BE49-F238E27FC236}">
+                <a16:creationId xmlns:a16="http://schemas.microsoft.com/office/drawing/2014/main" id="{D524399C-6534-4AC0-B6C8-0F875D9D7EF7}"/>
               </a:ext>
             </a:extLst>
           </p:cNvPr>
@@ -9230,26 +9502,18 @@
           <a:lstStyle/>
           <a:p>
             <a:r>
-              <a:rPr lang="ko-KR" altLang="en-US" dirty="0">
-                <a:solidFill>
-                  <a:srgbClr val="F0234B"/>
-                </a:solidFill>
-              </a:rPr>
-              <a:t>빠르게</a:t>
-            </a:r>
-            <a:r>
               <a:rPr lang="ko-KR" altLang="en-US" dirty="0"/>
-              <a:t> 공부하기 위해서</a:t>
-            </a:r>
-          </a:p>
-        </p:txBody>
-      </p:sp>
-      <p:sp>
-        <p:nvSpPr>
-          <p:cNvPr id="3" name="텍스트 개체 틀 2">
-            <a:extLst>
-              <a:ext uri="{FF2B5EF4-FFF2-40B4-BE49-F238E27FC236}">
-                <a16:creationId xmlns:a16="http://schemas.microsoft.com/office/drawing/2014/main" id="{D7872CA9-264E-4F26-B6D7-AA4BF1E7FC75}"/>
+              <a:t>강의를 통해 얻을 수 있는 것</a:t>
+            </a:r>
+          </a:p>
+        </p:txBody>
+      </p:sp>
+      <p:sp>
+        <p:nvSpPr>
+          <p:cNvPr id="5" name="텍스트 개체 틀 4">
+            <a:extLst>
+              <a:ext uri="{FF2B5EF4-FFF2-40B4-BE49-F238E27FC236}">
+                <a16:creationId xmlns:a16="http://schemas.microsoft.com/office/drawing/2014/main" id="{14205D56-F1E1-4F57-9639-775614A7FE10}"/>
               </a:ext>
             </a:extLst>
           </p:cNvPr>
@@ -9275,10 +9539,10 @@
       </p:sp>
       <p:sp>
         <p:nvSpPr>
-          <p:cNvPr id="4" name="내용 개체 틀 3">
-            <a:extLst>
-              <a:ext uri="{FF2B5EF4-FFF2-40B4-BE49-F238E27FC236}">
-                <a16:creationId xmlns:a16="http://schemas.microsoft.com/office/drawing/2014/main" id="{9F38E2E2-ADCF-4FEC-AB6E-0F88A4E38410}"/>
+          <p:cNvPr id="6" name="내용 개체 틀 5">
+            <a:extLst>
+              <a:ext uri="{FF2B5EF4-FFF2-40B4-BE49-F238E27FC236}">
+                <a16:creationId xmlns:a16="http://schemas.microsoft.com/office/drawing/2014/main" id="{A78B14C7-F8C1-4FD3-B4BE-9CF29D0443FF}"/>
               </a:ext>
             </a:extLst>
           </p:cNvPr>
@@ -9303,10 +9567,10 @@
       </p:sp>
       <p:sp>
         <p:nvSpPr>
-          <p:cNvPr id="5" name="텍스트 개체 틀 4">
-            <a:extLst>
-              <a:ext uri="{FF2B5EF4-FFF2-40B4-BE49-F238E27FC236}">
-                <a16:creationId xmlns:a16="http://schemas.microsoft.com/office/drawing/2014/main" id="{66D6AE74-76CA-4B5C-A3FC-C41D7444B243}"/>
+          <p:cNvPr id="7" name="텍스트 개체 틀 6">
+            <a:extLst>
+              <a:ext uri="{FF2B5EF4-FFF2-40B4-BE49-F238E27FC236}">
+                <a16:creationId xmlns:a16="http://schemas.microsoft.com/office/drawing/2014/main" id="{27BD6C36-4410-4900-904F-9FE3929CD7A4}"/>
               </a:ext>
             </a:extLst>
           </p:cNvPr>
@@ -9324,47 +9588,58 @@
           <a:p>
             <a:r>
               <a:rPr lang="ko-KR" altLang="en-US" dirty="0"/>
-              <a:t>자주 사용하는 함수를 학습</a:t>
-            </a:r>
+              <a:t>다른 </a:t>
+            </a:r>
+            <a:r>
+              <a:rPr lang="en-US" altLang="ko-KR" dirty="0"/>
+              <a:t>R </a:t>
+            </a:r>
+            <a:r>
+              <a:rPr lang="ko-KR" altLang="en-US" dirty="0"/>
+              <a:t>코드를 읽고 이해할 수 있는 능력</a:t>
+            </a:r>
+          </a:p>
+          <a:p>
             <a:endParaRPr lang="en-US" altLang="ko-KR" dirty="0"/>
           </a:p>
           <a:p>
-            <a:endParaRPr lang="ko-KR" altLang="en-US" dirty="0"/>
+            <a:r>
+              <a:rPr lang="ko-KR" altLang="en-US" dirty="0"/>
+              <a:t>코딩에 고민하는 시간을 아껴주는 유용한 패키지들</a:t>
+            </a:r>
+            <a:endParaRPr lang="en-US" altLang="ko-KR" dirty="0"/>
+          </a:p>
+          <a:p>
+            <a:endParaRPr lang="en-US" altLang="ko-KR" dirty="0"/>
           </a:p>
           <a:p>
             <a:r>
               <a:rPr lang="en-US" altLang="ko-KR" dirty="0"/>
-              <a:t>cheat sheet, help page</a:t>
+              <a:t>(</a:t>
             </a:r>
             <a:r>
               <a:rPr lang="ko-KR" altLang="en-US" dirty="0"/>
-              <a:t>를 사전처럼 활용</a:t>
+              <a:t>시계열</a:t>
+            </a:r>
+            <a:r>
+              <a:rPr lang="en-US" altLang="ko-KR" dirty="0"/>
+              <a:t>) </a:t>
+            </a:r>
+            <a:r>
+              <a:rPr lang="ko-KR" altLang="en-US" dirty="0"/>
+              <a:t>데이터를 다루는 방법</a:t>
             </a:r>
             <a:endParaRPr lang="en-US" altLang="ko-KR" dirty="0"/>
           </a:p>
           <a:p>
-            <a:endParaRPr lang="ko-KR" altLang="en-US" dirty="0"/>
-          </a:p>
-          <a:p>
-            <a:r>
-              <a:rPr lang="ko-KR" altLang="en-US" dirty="0" err="1"/>
-              <a:t>작은</a:t>
-            </a:r>
-            <a:r>
-              <a:rPr lang="ko-KR" altLang="en-US" i="1" strike="sngStrike" dirty="0" err="1"/>
-              <a:t>개인</a:t>
-            </a:r>
-            <a:r>
-              <a:rPr lang="ko-KR" altLang="en-US" dirty="0"/>
-              <a:t> 프로젝트 진행</a:t>
-            </a:r>
+            <a:endParaRPr lang="en-US" altLang="ko-KR" dirty="0"/>
           </a:p>
         </p:txBody>
       </p:sp>
     </p:spTree>
     <p:extLst>
       <p:ext uri="{BB962C8B-B14F-4D97-AF65-F5344CB8AC3E}">
-        <p14:creationId xmlns:p14="http://schemas.microsoft.com/office/powerpoint/2010/main" val="1400417564"/>
+        <p14:creationId xmlns:p14="http://schemas.microsoft.com/office/powerpoint/2010/main" val="1432872293"/>
       </p:ext>
     </p:extLst>
   </p:cSld>
@@ -9396,7 +9671,7 @@
           <p:cNvPr id="2" name="제목 1">
             <a:extLst>
               <a:ext uri="{FF2B5EF4-FFF2-40B4-BE49-F238E27FC236}">
-                <a16:creationId xmlns:a16="http://schemas.microsoft.com/office/drawing/2014/main" id="{F525E89E-A6E6-4AC2-BF72-3F3238342DD5}"/>
+                <a16:creationId xmlns:a16="http://schemas.microsoft.com/office/drawing/2014/main" id="{87F7FAB7-DDA6-48D4-8248-6C40A00852FD}"/>
               </a:ext>
             </a:extLst>
           </p:cNvPr>
@@ -9412,7 +9687,14 @@
           <a:bodyPr/>
           <a:lstStyle/>
           <a:p>
-            <a:endParaRPr lang="ko-KR" altLang="en-US"/>
+            <a:r>
+              <a:rPr lang="en-US" altLang="ko-KR" dirty="0"/>
+              <a:t>R </a:t>
+            </a:r>
+            <a:r>
+              <a:rPr lang="ko-KR" altLang="en-US" dirty="0"/>
+              <a:t>생태계 소개</a:t>
+            </a:r>
           </a:p>
         </p:txBody>
       </p:sp>
@@ -9421,7 +9703,7 @@
           <p:cNvPr id="3" name="텍스트 개체 틀 2">
             <a:extLst>
               <a:ext uri="{FF2B5EF4-FFF2-40B4-BE49-F238E27FC236}">
-                <a16:creationId xmlns:a16="http://schemas.microsoft.com/office/drawing/2014/main" id="{7FDB8D85-9A8F-4930-86D2-76E86C08B91E}"/>
+                <a16:creationId xmlns:a16="http://schemas.microsoft.com/office/drawing/2014/main" id="{A7C28AF4-6C68-4FEE-A2C9-6984F14CF598}"/>
               </a:ext>
             </a:extLst>
           </p:cNvPr>
@@ -9437,7 +9719,11 @@
           <a:bodyPr/>
           <a:lstStyle/>
           <a:p>
-            <a:endParaRPr lang="ko-KR" altLang="en-US"/>
+            <a:r>
+              <a:rPr lang="en-US" altLang="ko-KR" dirty="0"/>
+              <a:t>00</a:t>
+            </a:r>
+            <a:endParaRPr lang="ko-KR" altLang="en-US" dirty="0"/>
           </a:p>
         </p:txBody>
       </p:sp>
@@ -9446,7 +9732,7 @@
           <p:cNvPr id="4" name="내용 개체 틀 3">
             <a:extLst>
               <a:ext uri="{FF2B5EF4-FFF2-40B4-BE49-F238E27FC236}">
-                <a16:creationId xmlns:a16="http://schemas.microsoft.com/office/drawing/2014/main" id="{AEBCAB44-53B9-4D1E-8662-0B2DC1AC4FD0}"/>
+                <a16:creationId xmlns:a16="http://schemas.microsoft.com/office/drawing/2014/main" id="{2D68EABD-D500-47A5-A6E5-B07A501D8CC1}"/>
               </a:ext>
             </a:extLst>
           </p:cNvPr>
@@ -9462,39 +9748,53 @@
           <a:bodyPr/>
           <a:lstStyle/>
           <a:p>
-            <a:endParaRPr lang="ko-KR" altLang="en-US"/>
-          </a:p>
-        </p:txBody>
-      </p:sp>
-      <p:sp>
-        <p:nvSpPr>
-          <p:cNvPr id="5" name="텍스트 개체 틀 4">
-            <a:extLst>
-              <a:ext uri="{FF2B5EF4-FFF2-40B4-BE49-F238E27FC236}">
-                <a16:creationId xmlns:a16="http://schemas.microsoft.com/office/drawing/2014/main" id="{3A1175AD-8562-49B9-AB27-ABF73D066122}"/>
-              </a:ext>
-            </a:extLst>
-          </p:cNvPr>
-          <p:cNvSpPr>
-            <a:spLocks noGrp="1"/>
-          </p:cNvSpPr>
-          <p:nvPr>
-            <p:ph type="body" sz="quarter" idx="12"/>
-          </p:nvPr>
-        </p:nvSpPr>
-        <p:spPr/>
-        <p:txBody>
-          <a:bodyPr/>
-          <a:lstStyle/>
-          <a:p>
-            <a:endParaRPr lang="ko-KR" altLang="en-US"/>
-          </a:p>
-        </p:txBody>
-      </p:sp>
+            <a:r>
+              <a:rPr lang="ko-KR" altLang="en-US" dirty="0"/>
+              <a:t>강의 소개</a:t>
+            </a:r>
+          </a:p>
+        </p:txBody>
+      </p:sp>
+      <p:pic>
+        <p:nvPicPr>
+          <p:cNvPr id="10" name="그림 9">
+            <a:extLst>
+              <a:ext uri="{FF2B5EF4-FFF2-40B4-BE49-F238E27FC236}">
+                <a16:creationId xmlns:a16="http://schemas.microsoft.com/office/drawing/2014/main" id="{2C00CDC7-CD25-49DB-8B9C-A80EA6B17FF6}"/>
+              </a:ext>
+            </a:extLst>
+          </p:cNvPr>
+          <p:cNvPicPr>
+            <a:picLocks noChangeAspect="1"/>
+          </p:cNvPicPr>
+          <p:nvPr/>
+        </p:nvPicPr>
+        <p:blipFill>
+          <a:blip r:embed="rId2">
+            <a:extLst>
+              <a:ext uri="{28A0092B-C50C-407E-A947-70E740481C1C}">
+                <a14:useLocalDpi xmlns:a14="http://schemas.microsoft.com/office/drawing/2010/main" val="0"/>
+              </a:ext>
+            </a:extLst>
+          </a:blip>
+          <a:stretch>
+            <a:fillRect/>
+          </a:stretch>
+        </p:blipFill>
+        <p:spPr>
+          <a:xfrm>
+            <a:off x="3718001" y="1901336"/>
+            <a:ext cx="3940719" cy="3055327"/>
+          </a:xfrm>
+          <a:prstGeom prst="rect">
+            <a:avLst/>
+          </a:prstGeom>
+        </p:spPr>
+      </p:pic>
     </p:spTree>
     <p:extLst>
       <p:ext uri="{BB962C8B-B14F-4D97-AF65-F5344CB8AC3E}">
-        <p14:creationId xmlns:p14="http://schemas.microsoft.com/office/powerpoint/2010/main" val="3667496957"/>
+        <p14:creationId xmlns:p14="http://schemas.microsoft.com/office/powerpoint/2010/main" val="583845475"/>
       </p:ext>
     </p:extLst>
   </p:cSld>
@@ -9521,12 +9821,59 @@
           <a:chExt cx="0" cy="0"/>
         </a:xfrm>
       </p:grpSpPr>
-      <p:sp>
-        <p:nvSpPr>
-          <p:cNvPr id="4" name="제목 3">
-            <a:extLst>
-              <a:ext uri="{FF2B5EF4-FFF2-40B4-BE49-F238E27FC236}">
-                <a16:creationId xmlns:a16="http://schemas.microsoft.com/office/drawing/2014/main" id="{D524399C-6534-4AC0-B6C8-0F875D9D7EF7}"/>
+      <p:pic>
+        <p:nvPicPr>
+          <p:cNvPr id="1030" name="Picture 6" descr="https://revolution-computing.typepad.com/.a/6a010534b1db25970b01b7c7aac5fe970b-pi">
+            <a:extLst>
+              <a:ext uri="{FF2B5EF4-FFF2-40B4-BE49-F238E27FC236}">
+                <a16:creationId xmlns:a16="http://schemas.microsoft.com/office/drawing/2014/main" id="{45151BB5-FE0E-401A-9112-E12E9EACE04A}"/>
+              </a:ext>
+            </a:extLst>
+          </p:cNvPr>
+          <p:cNvPicPr>
+            <a:picLocks noChangeAspect="1" noChangeArrowheads="1"/>
+          </p:cNvPicPr>
+          <p:nvPr/>
+        </p:nvPicPr>
+        <p:blipFill>
+          <a:blip r:embed="rId2">
+            <a:extLst>
+              <a:ext uri="{28A0092B-C50C-407E-A947-70E740481C1C}">
+                <a14:useLocalDpi xmlns:a14="http://schemas.microsoft.com/office/drawing/2010/main" val="0"/>
+              </a:ext>
+            </a:extLst>
+          </a:blip>
+          <a:srcRect/>
+          <a:stretch>
+            <a:fillRect/>
+          </a:stretch>
+        </p:blipFill>
+        <p:spPr bwMode="auto">
+          <a:xfrm>
+            <a:off x="1222637" y="435219"/>
+            <a:ext cx="8931447" cy="5987562"/>
+          </a:xfrm>
+          <a:prstGeom prst="rect">
+            <a:avLst/>
+          </a:prstGeom>
+          <a:noFill/>
+          <a:extLst>
+            <a:ext uri="{909E8E84-426E-40DD-AFC4-6F175D3DCCD1}">
+              <a14:hiddenFill xmlns:a14="http://schemas.microsoft.com/office/drawing/2010/main">
+                <a:solidFill>
+                  <a:srgbClr val="FFFFFF"/>
+                </a:solidFill>
+              </a14:hiddenFill>
+            </a:ext>
+          </a:extLst>
+        </p:spPr>
+      </p:pic>
+      <p:sp>
+        <p:nvSpPr>
+          <p:cNvPr id="2" name="제목 1">
+            <a:extLst>
+              <a:ext uri="{FF2B5EF4-FFF2-40B4-BE49-F238E27FC236}">
+                <a16:creationId xmlns:a16="http://schemas.microsoft.com/office/drawing/2014/main" id="{87F7FAB7-DDA6-48D4-8248-6C40A00852FD}"/>
               </a:ext>
             </a:extLst>
           </p:cNvPr>
@@ -9543,18 +9890,22 @@
           <a:lstStyle/>
           <a:p>
             <a:r>
+              <a:rPr lang="en-US" altLang="ko-KR" dirty="0"/>
+              <a:t>R </a:t>
+            </a:r>
+            <a:r>
               <a:rPr lang="ko-KR" altLang="en-US" dirty="0"/>
-              <a:t>강의를 통해 얻을 수 있는 것</a:t>
-            </a:r>
-          </a:p>
-        </p:txBody>
-      </p:sp>
-      <p:sp>
-        <p:nvSpPr>
-          <p:cNvPr id="5" name="텍스트 개체 틀 4">
-            <a:extLst>
-              <a:ext uri="{FF2B5EF4-FFF2-40B4-BE49-F238E27FC236}">
-                <a16:creationId xmlns:a16="http://schemas.microsoft.com/office/drawing/2014/main" id="{14205D56-F1E1-4F57-9639-775614A7FE10}"/>
+              <a:t>생태계 소개</a:t>
+            </a:r>
+          </a:p>
+        </p:txBody>
+      </p:sp>
+      <p:sp>
+        <p:nvSpPr>
+          <p:cNvPr id="3" name="텍스트 개체 틀 2">
+            <a:extLst>
+              <a:ext uri="{FF2B5EF4-FFF2-40B4-BE49-F238E27FC236}">
+                <a16:creationId xmlns:a16="http://schemas.microsoft.com/office/drawing/2014/main" id="{A7C28AF4-6C68-4FEE-A2C9-6984F14CF598}"/>
               </a:ext>
             </a:extLst>
           </p:cNvPr>
@@ -9580,10 +9931,10 @@
       </p:sp>
       <p:sp>
         <p:nvSpPr>
-          <p:cNvPr id="6" name="내용 개체 틀 5">
-            <a:extLst>
-              <a:ext uri="{FF2B5EF4-FFF2-40B4-BE49-F238E27FC236}">
-                <a16:creationId xmlns:a16="http://schemas.microsoft.com/office/drawing/2014/main" id="{A78B14C7-F8C1-4FD3-B4BE-9CF29D0443FF}"/>
+          <p:cNvPr id="4" name="내용 개체 틀 3">
+            <a:extLst>
+              <a:ext uri="{FF2B5EF4-FFF2-40B4-BE49-F238E27FC236}">
+                <a16:creationId xmlns:a16="http://schemas.microsoft.com/office/drawing/2014/main" id="{2D68EABD-D500-47A5-A6E5-B07A501D8CC1}"/>
               </a:ext>
             </a:extLst>
           </p:cNvPr>
@@ -9606,81 +9957,10 @@
           </a:p>
         </p:txBody>
       </p:sp>
-      <p:sp>
-        <p:nvSpPr>
-          <p:cNvPr id="7" name="텍스트 개체 틀 6">
-            <a:extLst>
-              <a:ext uri="{FF2B5EF4-FFF2-40B4-BE49-F238E27FC236}">
-                <a16:creationId xmlns:a16="http://schemas.microsoft.com/office/drawing/2014/main" id="{27BD6C36-4410-4900-904F-9FE3929CD7A4}"/>
-              </a:ext>
-            </a:extLst>
-          </p:cNvPr>
-          <p:cNvSpPr>
-            <a:spLocks noGrp="1"/>
-          </p:cNvSpPr>
-          <p:nvPr>
-            <p:ph type="body" sz="quarter" idx="12"/>
-          </p:nvPr>
-        </p:nvSpPr>
-        <p:spPr/>
-        <p:txBody>
-          <a:bodyPr/>
-          <a:lstStyle/>
-          <a:p>
-            <a:r>
-              <a:rPr lang="ko-KR" altLang="en-US" dirty="0"/>
-              <a:t>다른 </a:t>
-            </a:r>
-            <a:r>
-              <a:rPr lang="en-US" altLang="ko-KR" dirty="0"/>
-              <a:t>R </a:t>
-            </a:r>
-            <a:r>
-              <a:rPr lang="ko-KR" altLang="en-US" dirty="0"/>
-              <a:t>코드를 읽고 이해할 수 있는 능력</a:t>
-            </a:r>
-          </a:p>
-          <a:p>
-            <a:endParaRPr lang="en-US" altLang="ko-KR" dirty="0"/>
-          </a:p>
-          <a:p>
-            <a:r>
-              <a:rPr lang="ko-KR" altLang="en-US" dirty="0"/>
-              <a:t>코딩에 고민하는 시간을 아껴주는 유용한 패키지들</a:t>
-            </a:r>
-            <a:endParaRPr lang="en-US" altLang="ko-KR" dirty="0"/>
-          </a:p>
-          <a:p>
-            <a:endParaRPr lang="en-US" altLang="ko-KR" dirty="0"/>
-          </a:p>
-          <a:p>
-            <a:r>
-              <a:rPr lang="en-US" altLang="ko-KR" dirty="0"/>
-              <a:t>(</a:t>
-            </a:r>
-            <a:r>
-              <a:rPr lang="ko-KR" altLang="en-US" dirty="0"/>
-              <a:t>시계열</a:t>
-            </a:r>
-            <a:r>
-              <a:rPr lang="en-US" altLang="ko-KR" dirty="0"/>
-              <a:t>) </a:t>
-            </a:r>
-            <a:r>
-              <a:rPr lang="ko-KR" altLang="en-US" dirty="0"/>
-              <a:t>데이터를 다루는 방법</a:t>
-            </a:r>
-            <a:endParaRPr lang="en-US" altLang="ko-KR" dirty="0"/>
-          </a:p>
-          <a:p>
-            <a:endParaRPr lang="en-US" altLang="ko-KR" dirty="0"/>
-          </a:p>
-        </p:txBody>
-      </p:sp>
     </p:spTree>
     <p:extLst>
       <p:ext uri="{BB962C8B-B14F-4D97-AF65-F5344CB8AC3E}">
-        <p14:creationId xmlns:p14="http://schemas.microsoft.com/office/powerpoint/2010/main" val="1432872293"/>
+        <p14:creationId xmlns:p14="http://schemas.microsoft.com/office/powerpoint/2010/main" val="2810511851"/>
       </p:ext>
     </p:extLst>
   </p:cSld>

--- a/slide/chapter00_01.pptx
+++ b/slide/chapter00_01.pptx
@@ -5,28 +5,30 @@
     <p:sldMasterId id="2147483648" r:id="rId1"/>
   </p:sldMasterIdLst>
   <p:notesMasterIdLst>
-    <p:notesMasterId r:id="rId18"/>
+    <p:notesMasterId r:id="rId20"/>
   </p:notesMasterIdLst>
   <p:handoutMasterIdLst>
-    <p:handoutMasterId r:id="rId19"/>
+    <p:handoutMasterId r:id="rId21"/>
   </p:handoutMasterIdLst>
   <p:sldIdLst>
-    <p:sldId id="277" r:id="rId2"/>
-    <p:sldId id="280" r:id="rId3"/>
+    <p:sldId id="278" r:id="rId2"/>
+    <p:sldId id="277" r:id="rId3"/>
     <p:sldId id="279" r:id="rId4"/>
-    <p:sldId id="267" r:id="rId5"/>
-    <p:sldId id="268" r:id="rId6"/>
-    <p:sldId id="272" r:id="rId7"/>
-    <p:sldId id="259" r:id="rId8"/>
-    <p:sldId id="260" r:id="rId9"/>
-    <p:sldId id="275" r:id="rId10"/>
-    <p:sldId id="273" r:id="rId11"/>
-    <p:sldId id="261" r:id="rId12"/>
-    <p:sldId id="262" r:id="rId13"/>
-    <p:sldId id="276" r:id="rId14"/>
-    <p:sldId id="270" r:id="rId15"/>
-    <p:sldId id="269" r:id="rId16"/>
-    <p:sldId id="257" r:id="rId17"/>
+    <p:sldId id="265" r:id="rId5"/>
+    <p:sldId id="267" r:id="rId6"/>
+    <p:sldId id="268" r:id="rId7"/>
+    <p:sldId id="272" r:id="rId8"/>
+    <p:sldId id="280" r:id="rId9"/>
+    <p:sldId id="259" r:id="rId10"/>
+    <p:sldId id="260" r:id="rId11"/>
+    <p:sldId id="275" r:id="rId12"/>
+    <p:sldId id="273" r:id="rId13"/>
+    <p:sldId id="261" r:id="rId14"/>
+    <p:sldId id="262" r:id="rId15"/>
+    <p:sldId id="276" r:id="rId16"/>
+    <p:sldId id="270" r:id="rId17"/>
+    <p:sldId id="269" r:id="rId18"/>
+    <p:sldId id="257" r:id="rId19"/>
   </p:sldIdLst>
   <p:sldSz cx="12192000" cy="6858000"/>
   <p:notesSz cx="6858000" cy="9144000"/>
@@ -241,7 +243,7 @@
           <a:p>
             <a:fld id="{29390878-AFCD-49E6-A91A-D3D82D9E9D55}" type="datetimeFigureOut">
               <a:rPr lang="ko-KR" altLang="en-US" smtClean="0"/>
-              <a:t>2019-02-27</a:t>
+              <a:t>2019-02-16</a:t>
             </a:fld>
             <a:endParaRPr lang="ko-KR" altLang="en-US"/>
           </a:p>
@@ -418,7 +420,7 @@
           <a:p>
             <a:fld id="{459417EB-76F7-4DE7-93AA-C880C553CE34}" type="datetimeFigureOut">
               <a:rPr lang="ko-KR" altLang="en-US" smtClean="0"/>
-              <a:t>2019-02-27</a:t>
+              <a:t>2019-02-16</a:t>
             </a:fld>
             <a:endParaRPr lang="ko-KR" altLang="en-US"/>
           </a:p>
@@ -750,7 +752,7 @@
           <a:p>
             <a:fld id="{213A6B79-CA84-4470-8AA2-12D2AB24A357}" type="slidenum">
               <a:rPr lang="ko-KR" altLang="en-US" smtClean="0"/>
-              <a:t>1</a:t>
+              <a:t>2</a:t>
             </a:fld>
             <a:endParaRPr lang="ko-KR" altLang="en-US"/>
           </a:p>
@@ -7080,136 +7082,83 @@
       </p:grpSpPr>
       <p:sp>
         <p:nvSpPr>
-          <p:cNvPr id="2" name="텍스트 개체 틀 1"/>
+          <p:cNvPr id="4" name="제목 3">
+            <a:extLst>
+              <a:ext uri="{FF2B5EF4-FFF2-40B4-BE49-F238E27FC236}">
+                <a16:creationId xmlns:a16="http://schemas.microsoft.com/office/drawing/2014/main" id="{E009F0BC-5E5C-409A-8F08-B6451539CFC7}"/>
+              </a:ext>
+            </a:extLst>
+          </p:cNvPr>
           <p:cNvSpPr>
             <a:spLocks noGrp="1"/>
           </p:cNvSpPr>
           <p:nvPr>
-            <p:ph type="body" sz="quarter" idx="10" hasCustomPrompt="1"/>
+            <p:ph type="title"/>
           </p:nvPr>
         </p:nvSpPr>
-        <p:spPr>
-          <a:xfrm>
-            <a:off x="1577592" y="1800061"/>
-            <a:ext cx="826276" cy="461665"/>
-          </a:xfrm>
-        </p:spPr>
+        <p:spPr/>
         <p:txBody>
           <a:bodyPr/>
           <a:lstStyle/>
           <a:p>
-            <a:r>
-              <a:rPr dirty="0"/>
-              <a:t>0</a:t>
-            </a:r>
-            <a:r>
-              <a:rPr lang="en-US" altLang="ko-KR" dirty="0"/>
-              <a:t>0</a:t>
-            </a:r>
-            <a:endParaRPr dirty="0"/>
-          </a:p>
-        </p:txBody>
-      </p:sp>
-      <p:sp>
-        <p:nvSpPr>
-          <p:cNvPr id="3" name="제목 2"/>
+            <a:endParaRPr lang="ko-KR" altLang="en-US"/>
+          </a:p>
+        </p:txBody>
+      </p:sp>
+      <p:sp>
+        <p:nvSpPr>
+          <p:cNvPr id="5" name="텍스트 개체 틀 4">
+            <a:extLst>
+              <a:ext uri="{FF2B5EF4-FFF2-40B4-BE49-F238E27FC236}">
+                <a16:creationId xmlns:a16="http://schemas.microsoft.com/office/drawing/2014/main" id="{7635B48D-89A6-495C-9E93-0366CEB060D3}"/>
+              </a:ext>
+            </a:extLst>
+          </p:cNvPr>
           <p:cNvSpPr>
             <a:spLocks noGrp="1"/>
           </p:cNvSpPr>
           <p:nvPr>
-            <p:ph type="title" hasCustomPrompt="1"/>
+            <p:ph type="body" sz="quarter" idx="10"/>
           </p:nvPr>
         </p:nvSpPr>
-        <p:spPr>
-          <a:xfrm>
-            <a:off x="472440" y="2242743"/>
-            <a:ext cx="10515600" cy="556463"/>
-          </a:xfrm>
-        </p:spPr>
+        <p:spPr/>
         <p:txBody>
           <a:bodyPr/>
           <a:lstStyle/>
           <a:p>
-            <a:r>
-              <a:rPr lang="ko-KR" altLang="en-US" dirty="0">
-                <a:solidFill>
-                  <a:srgbClr val="F0234B"/>
-                </a:solidFill>
-              </a:rPr>
-              <a:t>강의 소개</a:t>
-            </a:r>
-            <a:endParaRPr dirty="0">
-              <a:solidFill>
-                <a:srgbClr val="F0234B"/>
-              </a:solidFill>
-            </a:endParaRPr>
-          </a:p>
-        </p:txBody>
-      </p:sp>
-      <p:sp>
-        <p:nvSpPr>
-          <p:cNvPr id="4" name="텍스트 개체 틀 3"/>
+            <a:endParaRPr lang="ko-KR" altLang="en-US"/>
+          </a:p>
+        </p:txBody>
+      </p:sp>
+      <p:sp>
+        <p:nvSpPr>
+          <p:cNvPr id="6" name="텍스트 개체 틀 5">
+            <a:extLst>
+              <a:ext uri="{FF2B5EF4-FFF2-40B4-BE49-F238E27FC236}">
+                <a16:creationId xmlns:a16="http://schemas.microsoft.com/office/drawing/2014/main" id="{D425946E-14A9-44CA-B2C0-76ADDF602BA3}"/>
+              </a:ext>
+            </a:extLst>
+          </p:cNvPr>
           <p:cNvSpPr>
             <a:spLocks noGrp="1"/>
           </p:cNvSpPr>
           <p:nvPr>
-            <p:ph type="body" sz="quarter" idx="11" hasCustomPrompt="1"/>
+            <p:ph type="body" sz="quarter" idx="11"/>
           </p:nvPr>
         </p:nvSpPr>
-        <p:spPr>
-          <a:xfrm>
-            <a:off x="821490" y="2877946"/>
-            <a:ext cx="10925033" cy="2081938"/>
-          </a:xfrm>
-        </p:spPr>
+        <p:spPr/>
         <p:txBody>
           <a:bodyPr/>
           <a:lstStyle/>
           <a:p>
-            <a:r>
-              <a:rPr lang="ko-KR" altLang="en-US" dirty="0"/>
-              <a:t>금융공학</a:t>
-            </a:r>
-            <a:r>
-              <a:rPr lang="en-US" altLang="ko-KR" dirty="0"/>
-              <a:t>/</a:t>
-            </a:r>
-            <a:r>
-              <a:rPr lang="ko-KR" altLang="en-US" dirty="0" err="1"/>
-              <a:t>퀀트</a:t>
-            </a:r>
-            <a:r>
-              <a:rPr lang="ko-KR" altLang="en-US" dirty="0"/>
-              <a:t> </a:t>
-            </a:r>
-            <a:r>
-              <a:rPr lang="ko-KR" altLang="en-US" dirty="0" err="1"/>
-              <a:t>올인원</a:t>
-            </a:r>
-            <a:r>
-              <a:rPr lang="ko-KR" altLang="en-US" dirty="0"/>
-              <a:t> 패키지</a:t>
-            </a:r>
-            <a:endParaRPr lang="en-US" altLang="ko-KR" dirty="0"/>
-          </a:p>
-          <a:p>
-            <a:pPr fontAlgn="base" latinLnBrk="0"/>
-            <a:r>
-              <a:rPr lang="en-US" altLang="ko-KR" dirty="0"/>
-              <a:t>R</a:t>
-            </a:r>
-            <a:r>
-              <a:rPr lang="ko-KR" altLang="en-US" dirty="0"/>
-              <a:t>을 활용한 금융 데이터 분석 기초</a:t>
-            </a:r>
-            <a:endParaRPr lang="ko-KR" altLang="en-US" b="0" dirty="0"/>
+            <a:endParaRPr lang="ko-KR" altLang="en-US"/>
           </a:p>
         </p:txBody>
       </p:sp>
     </p:spTree>
     <p:extLst>
       <p:ext uri="{BB962C8B-B14F-4D97-AF65-F5344CB8AC3E}">
-        <p14:creationId xmlns:p14="http://schemas.microsoft.com/office/powerpoint/2010/main" val="2706408443"/>
+        <p14:creationId xmlns:p14="http://schemas.microsoft.com/office/powerpoint/2010/main" val="1060006248"/>
       </p:ext>
     </p:extLst>
   </p:cSld>
@@ -7327,15 +7276,15 @@
       </p:sp>
       <p:pic>
         <p:nvPicPr>
-          <p:cNvPr id="2050" name="Picture 2" descr="https://lsru.github.io/tv_course/img/01_tidyverse_data_science.png">
-            <a:extLst>
-              <a:ext uri="{FF2B5EF4-FFF2-40B4-BE49-F238E27FC236}">
-                <a16:creationId xmlns:a16="http://schemas.microsoft.com/office/drawing/2014/main" id="{1EF712B0-B322-4C76-9470-4EED3B95E0AE}"/>
+          <p:cNvPr id="10" name="그림 9">
+            <a:extLst>
+              <a:ext uri="{FF2B5EF4-FFF2-40B4-BE49-F238E27FC236}">
+                <a16:creationId xmlns:a16="http://schemas.microsoft.com/office/drawing/2014/main" id="{2C00CDC7-CD25-49DB-8B9C-A80EA6B17FF6}"/>
               </a:ext>
             </a:extLst>
           </p:cNvPr>
           <p:cNvPicPr>
-            <a:picLocks noChangeAspect="1" noChangeArrowheads="1"/>
+            <a:picLocks noChangeAspect="1"/>
           </p:cNvPicPr>
           <p:nvPr/>
         </p:nvPicPr>
@@ -7347,35 +7296,24 @@
               </a:ext>
             </a:extLst>
           </a:blip>
-          <a:srcRect/>
           <a:stretch>
             <a:fillRect/>
           </a:stretch>
         </p:blipFill>
-        <p:spPr bwMode="auto">
-          <a:xfrm>
-            <a:off x="2492485" y="870437"/>
-            <a:ext cx="7207030" cy="5284177"/>
+        <p:spPr>
+          <a:xfrm>
+            <a:off x="3718001" y="1901336"/>
+            <a:ext cx="3940719" cy="3055327"/>
           </a:xfrm>
           <a:prstGeom prst="rect">
             <a:avLst/>
           </a:prstGeom>
-          <a:noFill/>
-          <a:extLst>
-            <a:ext uri="{909E8E84-426E-40DD-AFC4-6F175D3DCCD1}">
-              <a14:hiddenFill xmlns:a14="http://schemas.microsoft.com/office/drawing/2010/main">
-                <a:solidFill>
-                  <a:srgbClr val="FFFFFF"/>
-                </a:solidFill>
-              </a14:hiddenFill>
-            </a:ext>
-          </a:extLst>
         </p:spPr>
       </p:pic>
     </p:spTree>
     <p:extLst>
       <p:ext uri="{BB962C8B-B14F-4D97-AF65-F5344CB8AC3E}">
-        <p14:creationId xmlns:p14="http://schemas.microsoft.com/office/powerpoint/2010/main" val="3673220012"/>
+        <p14:creationId xmlns:p14="http://schemas.microsoft.com/office/powerpoint/2010/main" val="583845475"/>
       </p:ext>
     </p:extLst>
   </p:cSld>
@@ -7402,6 +7340,53 @@
           <a:chExt cx="0" cy="0"/>
         </a:xfrm>
       </p:grpSpPr>
+      <p:pic>
+        <p:nvPicPr>
+          <p:cNvPr id="1030" name="Picture 6" descr="https://revolution-computing.typepad.com/.a/6a010534b1db25970b01b7c7aac5fe970b-pi">
+            <a:extLst>
+              <a:ext uri="{FF2B5EF4-FFF2-40B4-BE49-F238E27FC236}">
+                <a16:creationId xmlns:a16="http://schemas.microsoft.com/office/drawing/2014/main" id="{45151BB5-FE0E-401A-9112-E12E9EACE04A}"/>
+              </a:ext>
+            </a:extLst>
+          </p:cNvPr>
+          <p:cNvPicPr>
+            <a:picLocks noChangeAspect="1" noChangeArrowheads="1"/>
+          </p:cNvPicPr>
+          <p:nvPr/>
+        </p:nvPicPr>
+        <p:blipFill>
+          <a:blip r:embed="rId2">
+            <a:extLst>
+              <a:ext uri="{28A0092B-C50C-407E-A947-70E740481C1C}">
+                <a14:useLocalDpi xmlns:a14="http://schemas.microsoft.com/office/drawing/2010/main" val="0"/>
+              </a:ext>
+            </a:extLst>
+          </a:blip>
+          <a:srcRect/>
+          <a:stretch>
+            <a:fillRect/>
+          </a:stretch>
+        </p:blipFill>
+        <p:spPr bwMode="auto">
+          <a:xfrm>
+            <a:off x="1222637" y="435219"/>
+            <a:ext cx="8931447" cy="5987562"/>
+          </a:xfrm>
+          <a:prstGeom prst="rect">
+            <a:avLst/>
+          </a:prstGeom>
+          <a:noFill/>
+          <a:extLst>
+            <a:ext uri="{909E8E84-426E-40DD-AFC4-6F175D3DCCD1}">
+              <a14:hiddenFill xmlns:a14="http://schemas.microsoft.com/office/drawing/2010/main">
+                <a:solidFill>
+                  <a:srgbClr val="FFFFFF"/>
+                </a:solidFill>
+              </a14:hiddenFill>
+            </a:ext>
+          </a:extLst>
+        </p:spPr>
+      </p:pic>
       <p:sp>
         <p:nvSpPr>
           <p:cNvPr id="2" name="제목 1">
@@ -7425,11 +7410,11 @@
           <a:p>
             <a:r>
               <a:rPr lang="en-US" altLang="ko-KR" dirty="0"/>
-              <a:t>base R</a:t>
+              <a:t>R </a:t>
             </a:r>
             <a:r>
               <a:rPr lang="ko-KR" altLang="en-US" dirty="0"/>
-              <a:t>의 구성</a:t>
+              <a:t>생태계 소개</a:t>
             </a:r>
           </a:p>
         </p:txBody>
@@ -7491,55 +7476,10 @@
           </a:p>
         </p:txBody>
       </p:sp>
-      <p:sp>
-        <p:nvSpPr>
-          <p:cNvPr id="5" name="텍스트 개체 틀 4">
-            <a:extLst>
-              <a:ext uri="{FF2B5EF4-FFF2-40B4-BE49-F238E27FC236}">
-                <a16:creationId xmlns:a16="http://schemas.microsoft.com/office/drawing/2014/main" id="{AABCE2BA-CE51-484E-8FC0-DEB91A836884}"/>
-              </a:ext>
-            </a:extLst>
-          </p:cNvPr>
-          <p:cNvSpPr>
-            <a:spLocks noGrp="1"/>
-          </p:cNvSpPr>
-          <p:nvPr>
-            <p:ph type="body" sz="quarter" idx="12"/>
-          </p:nvPr>
-        </p:nvSpPr>
-        <p:spPr/>
-        <p:txBody>
-          <a:bodyPr/>
-          <a:lstStyle/>
-          <a:p>
-            <a:r>
-              <a:rPr lang="ko-KR" altLang="en-US" dirty="0"/>
-              <a:t>데이터와 함수</a:t>
-            </a:r>
-            <a:endParaRPr lang="en-US" altLang="ko-KR" dirty="0"/>
-          </a:p>
-          <a:p>
-            <a:endParaRPr lang="en-US" altLang="ko-KR" dirty="0"/>
-          </a:p>
-          <a:p>
-            <a:r>
-              <a:rPr lang="ko-KR" altLang="en-US" dirty="0"/>
-              <a:t>프로그램의 흐름을 다루는 문법</a:t>
-            </a:r>
-            <a:endParaRPr lang="en-US" altLang="ko-KR" dirty="0"/>
-          </a:p>
-          <a:p>
-            <a:pPr marL="0" indent="0">
-              <a:buNone/>
-            </a:pPr>
-            <a:endParaRPr lang="en-US" altLang="ko-KR" dirty="0"/>
-          </a:p>
-        </p:txBody>
-      </p:sp>
     </p:spTree>
     <p:extLst>
       <p:ext uri="{BB962C8B-B14F-4D97-AF65-F5344CB8AC3E}">
-        <p14:creationId xmlns:p14="http://schemas.microsoft.com/office/powerpoint/2010/main" val="2950223355"/>
+        <p14:creationId xmlns:p14="http://schemas.microsoft.com/office/powerpoint/2010/main" val="2810511851"/>
       </p:ext>
     </p:extLst>
   </p:cSld>
@@ -7588,6 +7528,336 @@
           <a:lstStyle/>
           <a:p>
             <a:r>
+              <a:rPr lang="en-US" altLang="ko-KR" dirty="0"/>
+              <a:t>R </a:t>
+            </a:r>
+            <a:r>
+              <a:rPr lang="ko-KR" altLang="en-US" dirty="0"/>
+              <a:t>생태계 소개</a:t>
+            </a:r>
+          </a:p>
+        </p:txBody>
+      </p:sp>
+      <p:sp>
+        <p:nvSpPr>
+          <p:cNvPr id="3" name="텍스트 개체 틀 2">
+            <a:extLst>
+              <a:ext uri="{FF2B5EF4-FFF2-40B4-BE49-F238E27FC236}">
+                <a16:creationId xmlns:a16="http://schemas.microsoft.com/office/drawing/2014/main" id="{A7C28AF4-6C68-4FEE-A2C9-6984F14CF598}"/>
+              </a:ext>
+            </a:extLst>
+          </p:cNvPr>
+          <p:cNvSpPr>
+            <a:spLocks noGrp="1"/>
+          </p:cNvSpPr>
+          <p:nvPr>
+            <p:ph type="body" sz="quarter" idx="10"/>
+          </p:nvPr>
+        </p:nvSpPr>
+        <p:spPr/>
+        <p:txBody>
+          <a:bodyPr/>
+          <a:lstStyle/>
+          <a:p>
+            <a:r>
+              <a:rPr lang="en-US" altLang="ko-KR" dirty="0"/>
+              <a:t>00</a:t>
+            </a:r>
+            <a:endParaRPr lang="ko-KR" altLang="en-US" dirty="0"/>
+          </a:p>
+        </p:txBody>
+      </p:sp>
+      <p:sp>
+        <p:nvSpPr>
+          <p:cNvPr id="4" name="내용 개체 틀 3">
+            <a:extLst>
+              <a:ext uri="{FF2B5EF4-FFF2-40B4-BE49-F238E27FC236}">
+                <a16:creationId xmlns:a16="http://schemas.microsoft.com/office/drawing/2014/main" id="{2D68EABD-D500-47A5-A6E5-B07A501D8CC1}"/>
+              </a:ext>
+            </a:extLst>
+          </p:cNvPr>
+          <p:cNvSpPr>
+            <a:spLocks noGrp="1"/>
+          </p:cNvSpPr>
+          <p:nvPr>
+            <p:ph sz="quarter" idx="11"/>
+          </p:nvPr>
+        </p:nvSpPr>
+        <p:spPr/>
+        <p:txBody>
+          <a:bodyPr/>
+          <a:lstStyle/>
+          <a:p>
+            <a:r>
+              <a:rPr lang="ko-KR" altLang="en-US" dirty="0"/>
+              <a:t>강의 소개</a:t>
+            </a:r>
+          </a:p>
+        </p:txBody>
+      </p:sp>
+      <p:pic>
+        <p:nvPicPr>
+          <p:cNvPr id="2050" name="Picture 2" descr="https://lsru.github.io/tv_course/img/01_tidyverse_data_science.png">
+            <a:extLst>
+              <a:ext uri="{FF2B5EF4-FFF2-40B4-BE49-F238E27FC236}">
+                <a16:creationId xmlns:a16="http://schemas.microsoft.com/office/drawing/2014/main" id="{1EF712B0-B322-4C76-9470-4EED3B95E0AE}"/>
+              </a:ext>
+            </a:extLst>
+          </p:cNvPr>
+          <p:cNvPicPr>
+            <a:picLocks noChangeAspect="1" noChangeArrowheads="1"/>
+          </p:cNvPicPr>
+          <p:nvPr/>
+        </p:nvPicPr>
+        <p:blipFill>
+          <a:blip r:embed="rId2">
+            <a:extLst>
+              <a:ext uri="{28A0092B-C50C-407E-A947-70E740481C1C}">
+                <a14:useLocalDpi xmlns:a14="http://schemas.microsoft.com/office/drawing/2010/main" val="0"/>
+              </a:ext>
+            </a:extLst>
+          </a:blip>
+          <a:srcRect/>
+          <a:stretch>
+            <a:fillRect/>
+          </a:stretch>
+        </p:blipFill>
+        <p:spPr bwMode="auto">
+          <a:xfrm>
+            <a:off x="2492485" y="870437"/>
+            <a:ext cx="7207030" cy="5284177"/>
+          </a:xfrm>
+          <a:prstGeom prst="rect">
+            <a:avLst/>
+          </a:prstGeom>
+          <a:noFill/>
+          <a:extLst>
+            <a:ext uri="{909E8E84-426E-40DD-AFC4-6F175D3DCCD1}">
+              <a14:hiddenFill xmlns:a14="http://schemas.microsoft.com/office/drawing/2010/main">
+                <a:solidFill>
+                  <a:srgbClr val="FFFFFF"/>
+                </a:solidFill>
+              </a14:hiddenFill>
+            </a:ext>
+          </a:extLst>
+        </p:spPr>
+      </p:pic>
+    </p:spTree>
+    <p:extLst>
+      <p:ext uri="{BB962C8B-B14F-4D97-AF65-F5344CB8AC3E}">
+        <p14:creationId xmlns:p14="http://schemas.microsoft.com/office/powerpoint/2010/main" val="3673220012"/>
+      </p:ext>
+    </p:extLst>
+  </p:cSld>
+  <p:clrMapOvr>
+    <a:masterClrMapping/>
+  </p:clrMapOvr>
+</p:sld>
+</file>
+
+<file path=ppt/slides/slide13.xml><?xml version="1.0" encoding="utf-8"?>
+<p:sld xmlns:a="http://schemas.openxmlformats.org/drawingml/2006/main" xmlns:r="http://schemas.openxmlformats.org/officeDocument/2006/relationships" xmlns:p="http://schemas.openxmlformats.org/presentationml/2006/main">
+  <p:cSld>
+    <p:spTree>
+      <p:nvGrpSpPr>
+        <p:cNvPr id="1" name=""/>
+        <p:cNvGrpSpPr/>
+        <p:nvPr/>
+      </p:nvGrpSpPr>
+      <p:grpSpPr>
+        <a:xfrm>
+          <a:off x="0" y="0"/>
+          <a:ext cx="0" cy="0"/>
+          <a:chOff x="0" y="0"/>
+          <a:chExt cx="0" cy="0"/>
+        </a:xfrm>
+      </p:grpSpPr>
+      <p:sp>
+        <p:nvSpPr>
+          <p:cNvPr id="2" name="제목 1">
+            <a:extLst>
+              <a:ext uri="{FF2B5EF4-FFF2-40B4-BE49-F238E27FC236}">
+                <a16:creationId xmlns:a16="http://schemas.microsoft.com/office/drawing/2014/main" id="{87F7FAB7-DDA6-48D4-8248-6C40A00852FD}"/>
+              </a:ext>
+            </a:extLst>
+          </p:cNvPr>
+          <p:cNvSpPr>
+            <a:spLocks noGrp="1"/>
+          </p:cNvSpPr>
+          <p:nvPr>
+            <p:ph type="title"/>
+          </p:nvPr>
+        </p:nvSpPr>
+        <p:spPr/>
+        <p:txBody>
+          <a:bodyPr/>
+          <a:lstStyle/>
+          <a:p>
+            <a:r>
+              <a:rPr lang="en-US" altLang="ko-KR" dirty="0"/>
+              <a:t>base R</a:t>
+            </a:r>
+            <a:r>
+              <a:rPr lang="ko-KR" altLang="en-US" dirty="0"/>
+              <a:t>의 구성</a:t>
+            </a:r>
+          </a:p>
+        </p:txBody>
+      </p:sp>
+      <p:sp>
+        <p:nvSpPr>
+          <p:cNvPr id="3" name="텍스트 개체 틀 2">
+            <a:extLst>
+              <a:ext uri="{FF2B5EF4-FFF2-40B4-BE49-F238E27FC236}">
+                <a16:creationId xmlns:a16="http://schemas.microsoft.com/office/drawing/2014/main" id="{A7C28AF4-6C68-4FEE-A2C9-6984F14CF598}"/>
+              </a:ext>
+            </a:extLst>
+          </p:cNvPr>
+          <p:cNvSpPr>
+            <a:spLocks noGrp="1"/>
+          </p:cNvSpPr>
+          <p:nvPr>
+            <p:ph type="body" sz="quarter" idx="10"/>
+          </p:nvPr>
+        </p:nvSpPr>
+        <p:spPr/>
+        <p:txBody>
+          <a:bodyPr/>
+          <a:lstStyle/>
+          <a:p>
+            <a:r>
+              <a:rPr lang="en-US" altLang="ko-KR" dirty="0"/>
+              <a:t>00</a:t>
+            </a:r>
+            <a:endParaRPr lang="ko-KR" altLang="en-US" dirty="0"/>
+          </a:p>
+        </p:txBody>
+      </p:sp>
+      <p:sp>
+        <p:nvSpPr>
+          <p:cNvPr id="4" name="내용 개체 틀 3">
+            <a:extLst>
+              <a:ext uri="{FF2B5EF4-FFF2-40B4-BE49-F238E27FC236}">
+                <a16:creationId xmlns:a16="http://schemas.microsoft.com/office/drawing/2014/main" id="{2D68EABD-D500-47A5-A6E5-B07A501D8CC1}"/>
+              </a:ext>
+            </a:extLst>
+          </p:cNvPr>
+          <p:cNvSpPr>
+            <a:spLocks noGrp="1"/>
+          </p:cNvSpPr>
+          <p:nvPr>
+            <p:ph sz="quarter" idx="11"/>
+          </p:nvPr>
+        </p:nvSpPr>
+        <p:spPr/>
+        <p:txBody>
+          <a:bodyPr/>
+          <a:lstStyle/>
+          <a:p>
+            <a:r>
+              <a:rPr lang="ko-KR" altLang="en-US" dirty="0"/>
+              <a:t>강의 소개</a:t>
+            </a:r>
+          </a:p>
+        </p:txBody>
+      </p:sp>
+      <p:sp>
+        <p:nvSpPr>
+          <p:cNvPr id="5" name="텍스트 개체 틀 4">
+            <a:extLst>
+              <a:ext uri="{FF2B5EF4-FFF2-40B4-BE49-F238E27FC236}">
+                <a16:creationId xmlns:a16="http://schemas.microsoft.com/office/drawing/2014/main" id="{AABCE2BA-CE51-484E-8FC0-DEB91A836884}"/>
+              </a:ext>
+            </a:extLst>
+          </p:cNvPr>
+          <p:cNvSpPr>
+            <a:spLocks noGrp="1"/>
+          </p:cNvSpPr>
+          <p:nvPr>
+            <p:ph type="body" sz="quarter" idx="12"/>
+          </p:nvPr>
+        </p:nvSpPr>
+        <p:spPr/>
+        <p:txBody>
+          <a:bodyPr/>
+          <a:lstStyle/>
+          <a:p>
+            <a:r>
+              <a:rPr lang="ko-KR" altLang="en-US" dirty="0"/>
+              <a:t>데이터와 함수</a:t>
+            </a:r>
+            <a:endParaRPr lang="en-US" altLang="ko-KR" dirty="0"/>
+          </a:p>
+          <a:p>
+            <a:endParaRPr lang="en-US" altLang="ko-KR" dirty="0"/>
+          </a:p>
+          <a:p>
+            <a:r>
+              <a:rPr lang="ko-KR" altLang="en-US" dirty="0"/>
+              <a:t>프로그램의 흐름을 다루는 문법</a:t>
+            </a:r>
+            <a:endParaRPr lang="en-US" altLang="ko-KR" dirty="0"/>
+          </a:p>
+          <a:p>
+            <a:pPr marL="0" indent="0">
+              <a:buNone/>
+            </a:pPr>
+            <a:endParaRPr lang="en-US" altLang="ko-KR" dirty="0"/>
+          </a:p>
+        </p:txBody>
+      </p:sp>
+    </p:spTree>
+    <p:extLst>
+      <p:ext uri="{BB962C8B-B14F-4D97-AF65-F5344CB8AC3E}">
+        <p14:creationId xmlns:p14="http://schemas.microsoft.com/office/powerpoint/2010/main" val="2950223355"/>
+      </p:ext>
+    </p:extLst>
+  </p:cSld>
+  <p:clrMapOvr>
+    <a:masterClrMapping/>
+  </p:clrMapOvr>
+</p:sld>
+</file>
+
+<file path=ppt/slides/slide14.xml><?xml version="1.0" encoding="utf-8"?>
+<p:sld xmlns:a="http://schemas.openxmlformats.org/drawingml/2006/main" xmlns:r="http://schemas.openxmlformats.org/officeDocument/2006/relationships" xmlns:p="http://schemas.openxmlformats.org/presentationml/2006/main">
+  <p:cSld>
+    <p:spTree>
+      <p:nvGrpSpPr>
+        <p:cNvPr id="1" name=""/>
+        <p:cNvGrpSpPr/>
+        <p:nvPr/>
+      </p:nvGrpSpPr>
+      <p:grpSpPr>
+        <a:xfrm>
+          <a:off x="0" y="0"/>
+          <a:ext cx="0" cy="0"/>
+          <a:chOff x="0" y="0"/>
+          <a:chExt cx="0" cy="0"/>
+        </a:xfrm>
+      </p:grpSpPr>
+      <p:sp>
+        <p:nvSpPr>
+          <p:cNvPr id="2" name="제목 1">
+            <a:extLst>
+              <a:ext uri="{FF2B5EF4-FFF2-40B4-BE49-F238E27FC236}">
+                <a16:creationId xmlns:a16="http://schemas.microsoft.com/office/drawing/2014/main" id="{87F7FAB7-DDA6-48D4-8248-6C40A00852FD}"/>
+              </a:ext>
+            </a:extLst>
+          </p:cNvPr>
+          <p:cNvSpPr>
+            <a:spLocks noGrp="1"/>
+          </p:cNvSpPr>
+          <p:nvPr>
+            <p:ph type="title"/>
+          </p:nvPr>
+        </p:nvSpPr>
+        <p:spPr/>
+        <p:txBody>
+          <a:bodyPr/>
+          <a:lstStyle/>
+          <a:p>
+            <a:r>
               <a:rPr lang="ko-KR" altLang="en-US" dirty="0"/>
               <a:t>패키지란</a:t>
             </a:r>
@@ -7693,7 +7963,7 @@
 </p:sld>
 </file>
 
-<file path=ppt/slides/slide13.xml><?xml version="1.0" encoding="utf-8"?>
+<file path=ppt/slides/slide15.xml><?xml version="1.0" encoding="utf-8"?>
 <p:sld xmlns:a="http://schemas.openxmlformats.org/drawingml/2006/main" xmlns:r="http://schemas.openxmlformats.org/officeDocument/2006/relationships" xmlns:p="http://schemas.openxmlformats.org/presentationml/2006/main">
   <p:cSld>
     <p:spTree>
@@ -7995,7 +8265,7 @@
 </p:sld>
 </file>
 
-<file path=ppt/slides/slide14.xml><?xml version="1.0" encoding="utf-8"?>
+<file path=ppt/slides/slide16.xml><?xml version="1.0" encoding="utf-8"?>
 <p:sld xmlns:a="http://schemas.openxmlformats.org/drawingml/2006/main" xmlns:r="http://schemas.openxmlformats.org/officeDocument/2006/relationships" xmlns:p="http://schemas.openxmlformats.org/presentationml/2006/main">
   <p:cSld>
     <p:spTree>
@@ -8101,7 +8371,7 @@
 </p:sld>
 </file>
 
-<file path=ppt/slides/slide15.xml><?xml version="1.0" encoding="utf-8"?>
+<file path=ppt/slides/slide17.xml><?xml version="1.0" encoding="utf-8"?>
 <p:sld xmlns:a="http://schemas.openxmlformats.org/drawingml/2006/main" xmlns:r="http://schemas.openxmlformats.org/officeDocument/2006/relationships" xmlns:p="http://schemas.openxmlformats.org/presentationml/2006/main">
   <p:cSld>
     <p:spTree>
@@ -8197,7 +8467,7 @@
 </p:sld>
 </file>
 
-<file path=ppt/slides/slide16.xml><?xml version="1.0" encoding="utf-8"?>
+<file path=ppt/slides/slide18.xml><?xml version="1.0" encoding="utf-8"?>
 <p:sld xmlns:a="http://schemas.openxmlformats.org/drawingml/2006/main" xmlns:r="http://schemas.openxmlformats.org/officeDocument/2006/relationships" xmlns:p="http://schemas.openxmlformats.org/presentationml/2006/main">
   <p:cSld>
     <p:spTree>
@@ -8216,6 +8486,68 @@
       </p:grpSpPr>
       <p:sp>
         <p:nvSpPr>
+          <p:cNvPr id="2" name="텍스트 개체 틀 1"/>
+          <p:cNvSpPr>
+            <a:spLocks noGrp="1"/>
+          </p:cNvSpPr>
+          <p:nvPr>
+            <p:ph type="body" sz="quarter" idx="4294967295" hasCustomPrompt="1"/>
+          </p:nvPr>
+        </p:nvSpPr>
+        <p:spPr>
+          <a:xfrm>
+            <a:off x="682259" y="110625"/>
+            <a:ext cx="386922" cy="222136"/>
+          </a:xfrm>
+          <a:prstGeom prst="rect">
+            <a:avLst/>
+          </a:prstGeom>
+        </p:spPr>
+        <p:txBody>
+          <a:bodyPr/>
+          <a:lstStyle/>
+          <a:p>
+            <a:r>
+              <a:rPr lang="en-US" altLang="ko-KR" dirty="0"/>
+              <a:t>00</a:t>
+            </a:r>
+            <a:endParaRPr dirty="0"/>
+          </a:p>
+        </p:txBody>
+      </p:sp>
+      <p:sp>
+        <p:nvSpPr>
+          <p:cNvPr id="3" name="내용 개체 틀 2"/>
+          <p:cNvSpPr>
+            <a:spLocks noGrp="1"/>
+          </p:cNvSpPr>
+          <p:nvPr>
+            <p:ph sz="quarter" idx="4294967295" hasCustomPrompt="1"/>
+          </p:nvPr>
+        </p:nvSpPr>
+        <p:spPr>
+          <a:xfrm>
+            <a:off x="914559" y="110568"/>
+            <a:ext cx="2200592" cy="222250"/>
+          </a:xfrm>
+          <a:prstGeom prst="rect">
+            <a:avLst/>
+          </a:prstGeom>
+        </p:spPr>
+        <p:txBody>
+          <a:bodyPr/>
+          <a:lstStyle/>
+          <a:p>
+            <a:r>
+              <a:rPr lang="ko-KR" altLang="en-US" dirty="0"/>
+              <a:t>강의 소개</a:t>
+            </a:r>
+            <a:endParaRPr dirty="0"/>
+          </a:p>
+        </p:txBody>
+      </p:sp>
+      <p:sp>
+        <p:nvSpPr>
           <p:cNvPr id="4" name="제목 3"/>
           <p:cNvSpPr>
             <a:spLocks noGrp="1"/>
@@ -8236,73 +8568,6 @@
           <a:p>
             <a:r>
               <a:t>끝</a:t>
-            </a:r>
-          </a:p>
-        </p:txBody>
-      </p:sp>
-      <p:sp>
-        <p:nvSpPr>
-          <p:cNvPr id="5" name="텍스트 개체 틀 2">
-            <a:extLst>
-              <a:ext uri="{FF2B5EF4-FFF2-40B4-BE49-F238E27FC236}">
-                <a16:creationId xmlns:a16="http://schemas.microsoft.com/office/drawing/2014/main" id="{84905081-1C9C-4536-B325-F41864B8EC92}"/>
-              </a:ext>
-            </a:extLst>
-          </p:cNvPr>
-          <p:cNvSpPr>
-            <a:spLocks noGrp="1"/>
-          </p:cNvSpPr>
-          <p:nvPr>
-            <p:ph type="body" sz="quarter" idx="10"/>
-          </p:nvPr>
-        </p:nvSpPr>
-        <p:spPr>
-          <a:xfrm>
-            <a:off x="577751" y="119334"/>
-            <a:ext cx="386922" cy="222136"/>
-          </a:xfrm>
-        </p:spPr>
-        <p:txBody>
-          <a:bodyPr/>
-          <a:lstStyle/>
-          <a:p>
-            <a:r>
-              <a:rPr lang="en-US" altLang="ko-KR" dirty="0"/>
-              <a:t>00</a:t>
-            </a:r>
-            <a:endParaRPr lang="ko-KR" altLang="en-US" dirty="0"/>
-          </a:p>
-        </p:txBody>
-      </p:sp>
-      <p:sp>
-        <p:nvSpPr>
-          <p:cNvPr id="6" name="내용 개체 틀 3">
-            <a:extLst>
-              <a:ext uri="{FF2B5EF4-FFF2-40B4-BE49-F238E27FC236}">
-                <a16:creationId xmlns:a16="http://schemas.microsoft.com/office/drawing/2014/main" id="{A7BA2787-365F-4AFD-9956-5F12B7D626B1}"/>
-              </a:ext>
-            </a:extLst>
-          </p:cNvPr>
-          <p:cNvSpPr>
-            <a:spLocks noGrp="1"/>
-          </p:cNvSpPr>
-          <p:nvPr>
-            <p:ph sz="quarter" idx="11"/>
-          </p:nvPr>
-        </p:nvSpPr>
-        <p:spPr>
-          <a:xfrm>
-            <a:off x="757797" y="119277"/>
-            <a:ext cx="2200592" cy="222250"/>
-          </a:xfrm>
-        </p:spPr>
-        <p:txBody>
-          <a:bodyPr/>
-          <a:lstStyle/>
-          <a:p>
-            <a:r>
-              <a:rPr lang="ko-KR" altLang="en-US" dirty="0"/>
-              <a:t>강의 소개</a:t>
             </a:r>
           </a:p>
         </p:txBody>
@@ -8332,370 +8597,52 @@
           <a:chExt cx="0" cy="0"/>
         </a:xfrm>
       </p:grpSpPr>
-      <p:pic>
-        <p:nvPicPr>
-          <p:cNvPr id="1026" name="Picture 2" descr="https://avatars2.githubusercontent.com/u/6179259?v=4&amp;s=460">
-            <a:extLst>
-              <a:ext uri="{FF2B5EF4-FFF2-40B4-BE49-F238E27FC236}">
-                <a16:creationId xmlns:a16="http://schemas.microsoft.com/office/drawing/2014/main" id="{AF8F534C-A586-4392-9D51-0A3432110706}"/>
-              </a:ext>
-            </a:extLst>
-          </p:cNvPr>
-          <p:cNvPicPr>
-            <a:picLocks noChangeAspect="1" noChangeArrowheads="1"/>
-          </p:cNvPicPr>
-          <p:nvPr/>
-        </p:nvPicPr>
-        <p:blipFill>
-          <a:blip r:embed="rId2">
-            <a:extLst>
-              <a:ext uri="{28A0092B-C50C-407E-A947-70E740481C1C}">
-                <a14:useLocalDpi xmlns:a14="http://schemas.microsoft.com/office/drawing/2010/main" val="0"/>
-              </a:ext>
-            </a:extLst>
-          </a:blip>
-          <a:srcRect/>
-          <a:stretch>
-            <a:fillRect/>
-          </a:stretch>
-        </p:blipFill>
-        <p:spPr bwMode="auto">
-          <a:xfrm>
-            <a:off x="2296259" y="1939436"/>
-            <a:ext cx="2979127" cy="2979127"/>
-          </a:xfrm>
-          <a:prstGeom prst="rect">
-            <a:avLst/>
-          </a:prstGeom>
-          <a:noFill/>
-          <a:extLst>
-            <a:ext uri="{909E8E84-426E-40DD-AFC4-6F175D3DCCD1}">
-              <a14:hiddenFill xmlns:a14="http://schemas.microsoft.com/office/drawing/2010/main">
-                <a:solidFill>
-                  <a:srgbClr val="FFFFFF"/>
-                </a:solidFill>
-              </a14:hiddenFill>
-            </a:ext>
-          </a:extLst>
-        </p:spPr>
-      </p:pic>
-      <p:sp>
-        <p:nvSpPr>
-          <p:cNvPr id="2" name="직사각형 1">
-            <a:extLst>
-              <a:ext uri="{FF2B5EF4-FFF2-40B4-BE49-F238E27FC236}">
-                <a16:creationId xmlns:a16="http://schemas.microsoft.com/office/drawing/2014/main" id="{5425FD36-A64C-4481-B099-E5C0B0C08A31}"/>
-              </a:ext>
-            </a:extLst>
-          </p:cNvPr>
-          <p:cNvSpPr/>
-          <p:nvPr/>
-        </p:nvSpPr>
-        <p:spPr>
-          <a:xfrm>
-            <a:off x="5835160" y="1532707"/>
-            <a:ext cx="6096000" cy="3570208"/>
-          </a:xfrm>
-          <a:prstGeom prst="rect">
-            <a:avLst/>
-          </a:prstGeom>
-        </p:spPr>
-        <p:txBody>
-          <a:bodyPr>
-            <a:spAutoFit/>
-          </a:bodyPr>
-          <a:lstStyle/>
-          <a:p>
-            <a:r>
-              <a:rPr lang="ko-KR" altLang="en-US" sz="2800" b="1" dirty="0">
-                <a:latin typeface="Spoqa Han Sans"/>
-              </a:rPr>
-              <a:t>박찬엽</a:t>
-            </a:r>
-            <a:endParaRPr lang="en-US" altLang="ko-KR" sz="2800" b="1" dirty="0">
-              <a:latin typeface="Spoqa Han Sans"/>
-            </a:endParaRPr>
-          </a:p>
-          <a:p>
-            <a:endParaRPr lang="en-US" altLang="ko-KR" b="1" dirty="0">
-              <a:latin typeface="Spoqa Han Sans"/>
-            </a:endParaRPr>
-          </a:p>
-          <a:p>
-            <a:pPr marL="285750" indent="-285750">
-              <a:buFont typeface="Arial" panose="020B0604020202020204" pitchFamily="34" charset="0"/>
-              <a:buChar char="•"/>
-            </a:pPr>
-            <a:r>
-              <a:rPr lang="ko-KR" altLang="en-US" dirty="0" err="1">
-                <a:latin typeface="Spoqa Han Sans"/>
-              </a:rPr>
-              <a:t>코빗</a:t>
-            </a:r>
-            <a:r>
-              <a:rPr lang="ko-KR" altLang="en-US" dirty="0">
-                <a:latin typeface="Spoqa Han Sans"/>
-              </a:rPr>
-              <a:t> </a:t>
-            </a:r>
-            <a:r>
-              <a:rPr lang="ko-KR" altLang="en-US" dirty="0" err="1">
-                <a:latin typeface="Spoqa Han Sans"/>
-              </a:rPr>
-              <a:t>재무팀</a:t>
-            </a:r>
-            <a:r>
-              <a:rPr lang="ko-KR" altLang="en-US" dirty="0">
-                <a:latin typeface="Spoqa Han Sans"/>
-              </a:rPr>
-              <a:t> 데이터 담당</a:t>
-            </a:r>
-            <a:endParaRPr lang="en-US" altLang="ko-KR" dirty="0">
-              <a:latin typeface="Spoqa Han Sans"/>
-            </a:endParaRPr>
-          </a:p>
-          <a:p>
-            <a:pPr marL="742950" lvl="1" indent="-285750">
-              <a:buFontTx/>
-              <a:buChar char="-"/>
-            </a:pPr>
-            <a:r>
-              <a:rPr lang="ko-KR" altLang="en-US" dirty="0">
-                <a:latin typeface="Spoqa Han Sans"/>
-              </a:rPr>
-              <a:t>재무 데이터 관리 및 보고서 자동화</a:t>
-            </a:r>
-            <a:endParaRPr lang="en-US" altLang="ko-KR" dirty="0">
-              <a:latin typeface="Spoqa Han Sans"/>
-            </a:endParaRPr>
-          </a:p>
-          <a:p>
-            <a:pPr marL="742950" lvl="1" indent="-285750">
-              <a:buFontTx/>
-              <a:buChar char="-"/>
-            </a:pPr>
-            <a:endParaRPr lang="en-US" altLang="ko-KR" dirty="0">
-              <a:latin typeface="Spoqa Han Sans"/>
-            </a:endParaRPr>
-          </a:p>
-          <a:p>
-            <a:pPr marL="285750" indent="-285750">
-              <a:buFont typeface="Arial" panose="020B0604020202020204" pitchFamily="34" charset="0"/>
-              <a:buChar char="•"/>
-            </a:pPr>
-            <a:r>
-              <a:rPr lang="ko-KR" altLang="en-US" dirty="0">
-                <a:latin typeface="Spoqa Han Sans"/>
-              </a:rPr>
-              <a:t>서울도시가스 선행연구팀 연구원</a:t>
-            </a:r>
-            <a:endParaRPr lang="en-US" altLang="ko-KR" dirty="0">
-              <a:latin typeface="Spoqa Han Sans"/>
-            </a:endParaRPr>
-          </a:p>
-          <a:p>
-            <a:pPr marL="742950" lvl="1" indent="-285750">
-              <a:buFontTx/>
-              <a:buChar char="-"/>
-            </a:pPr>
-            <a:r>
-              <a:rPr lang="ko-KR" altLang="en-US" dirty="0" err="1">
-                <a:latin typeface="Spoqa Han Sans"/>
-              </a:rPr>
-              <a:t>챗봇</a:t>
-            </a:r>
-            <a:r>
-              <a:rPr lang="ko-KR" altLang="en-US" dirty="0">
-                <a:latin typeface="Spoqa Han Sans"/>
-              </a:rPr>
-              <a:t> 엔진 개발 및 서버 구축 </a:t>
-            </a:r>
-            <a:endParaRPr lang="en-US" altLang="ko-KR" dirty="0">
-              <a:latin typeface="Spoqa Han Sans"/>
-            </a:endParaRPr>
-          </a:p>
-          <a:p>
-            <a:pPr marL="742950" lvl="1" indent="-285750">
-              <a:buFontTx/>
-              <a:buChar char="-"/>
-            </a:pPr>
-            <a:endParaRPr lang="en-US" altLang="ko-KR" dirty="0">
-              <a:latin typeface="Spoqa Han Sans"/>
-            </a:endParaRPr>
-          </a:p>
-          <a:p>
-            <a:pPr marL="285750" indent="-285750">
-              <a:buFont typeface="Arial" panose="020B0604020202020204" pitchFamily="34" charset="0"/>
-              <a:buChar char="•"/>
-            </a:pPr>
-            <a:r>
-              <a:rPr lang="en-US" altLang="ko-KR" dirty="0">
-                <a:latin typeface="Spoqa Han Sans"/>
-              </a:rPr>
-              <a:t>2017 </a:t>
-            </a:r>
-            <a:r>
-              <a:rPr lang="ko-KR" altLang="en-US" dirty="0" err="1">
-                <a:latin typeface="Spoqa Han Sans"/>
-              </a:rPr>
-              <a:t>패스트</a:t>
-            </a:r>
-            <a:r>
-              <a:rPr lang="ko-KR" altLang="en-US" dirty="0">
-                <a:latin typeface="Spoqa Han Sans"/>
-              </a:rPr>
-              <a:t> 캠퍼스 데이터 분석 강의</a:t>
-            </a:r>
-            <a:endParaRPr lang="en-US" altLang="ko-KR" dirty="0">
-              <a:latin typeface="Spoqa Han Sans"/>
-            </a:endParaRPr>
-          </a:p>
-          <a:p>
-            <a:pPr marL="742950" lvl="1" indent="-285750">
-              <a:buFontTx/>
-              <a:buChar char="-"/>
-            </a:pPr>
-            <a:r>
-              <a:rPr lang="ko-KR" altLang="en-US" dirty="0">
-                <a:latin typeface="Spoqa Han Sans"/>
-              </a:rPr>
-              <a:t>데이터 분석을 위한 중급 </a:t>
-            </a:r>
-            <a:r>
-              <a:rPr lang="en-US" altLang="ko-KR" dirty="0">
-                <a:latin typeface="Spoqa Han Sans"/>
-              </a:rPr>
-              <a:t>R </a:t>
-            </a:r>
-            <a:r>
-              <a:rPr lang="ko-KR" altLang="en-US" dirty="0">
-                <a:latin typeface="Spoqa Han Sans"/>
-              </a:rPr>
-              <a:t>프로그래밍</a:t>
-            </a:r>
-            <a:endParaRPr lang="en-US" altLang="ko-KR" dirty="0">
-              <a:latin typeface="Spoqa Han Sans"/>
-            </a:endParaRPr>
-          </a:p>
-          <a:p>
-            <a:pPr marL="742950" lvl="1" indent="-285750">
-              <a:buFontTx/>
-              <a:buChar char="-"/>
-            </a:pPr>
-            <a:endParaRPr lang="en-US" altLang="ko-KR" dirty="0">
-              <a:latin typeface="Spoqa Han Sans"/>
-            </a:endParaRPr>
-          </a:p>
-          <a:p>
-            <a:pPr marL="285750" indent="-285750">
-              <a:buFont typeface="Arial" panose="020B0604020202020204" pitchFamily="34" charset="0"/>
-              <a:buChar char="•"/>
-            </a:pPr>
-            <a:r>
-              <a:rPr lang="en-US" altLang="ko-KR" dirty="0">
-                <a:latin typeface="Spoqa Han Sans"/>
-              </a:rPr>
-              <a:t>2018 L </a:t>
-            </a:r>
-            <a:r>
-              <a:rPr lang="ko-KR" altLang="en-US" dirty="0">
-                <a:latin typeface="Spoqa Han Sans"/>
-              </a:rPr>
-              <a:t>기업 </a:t>
-            </a:r>
-            <a:r>
-              <a:rPr lang="en-US" altLang="ko-KR" dirty="0">
-                <a:latin typeface="Spoqa Han Sans"/>
-              </a:rPr>
-              <a:t>R</a:t>
-            </a:r>
-            <a:r>
-              <a:rPr lang="ko-KR" altLang="en-US" dirty="0">
-                <a:latin typeface="Spoqa Han Sans"/>
-              </a:rPr>
-              <a:t>로 하는 </a:t>
-            </a:r>
-            <a:r>
-              <a:rPr lang="ko-KR" altLang="en-US" dirty="0" err="1">
-                <a:latin typeface="Spoqa Han Sans"/>
-              </a:rPr>
-              <a:t>머신러닝</a:t>
-            </a:r>
-            <a:r>
-              <a:rPr lang="ko-KR" altLang="en-US" dirty="0">
-                <a:latin typeface="Spoqa Han Sans"/>
-              </a:rPr>
-              <a:t> 기초</a:t>
-            </a:r>
-            <a:r>
-              <a:rPr lang="en-US" altLang="ko-KR" dirty="0">
-                <a:latin typeface="Spoqa Han Sans"/>
-              </a:rPr>
-              <a:t>, </a:t>
-            </a:r>
-            <a:r>
-              <a:rPr lang="ko-KR" altLang="en-US" dirty="0">
-                <a:latin typeface="Spoqa Han Sans"/>
-              </a:rPr>
-              <a:t>텍스트 마이닝 기초</a:t>
-            </a:r>
-            <a:endParaRPr lang="en-US" altLang="ko-KR" dirty="0">
-              <a:latin typeface="Spoqa Han Sans"/>
-            </a:endParaRPr>
-          </a:p>
-        </p:txBody>
-      </p:sp>
-      <p:sp>
-        <p:nvSpPr>
-          <p:cNvPr id="6" name="텍스트 개체 틀 5">
-            <a:extLst>
-              <a:ext uri="{FF2B5EF4-FFF2-40B4-BE49-F238E27FC236}">
-                <a16:creationId xmlns:a16="http://schemas.microsoft.com/office/drawing/2014/main" id="{02A872C1-8C72-473D-8BB8-050669554C2D}"/>
-              </a:ext>
-            </a:extLst>
-          </p:cNvPr>
+      <p:sp>
+        <p:nvSpPr>
+          <p:cNvPr id="2" name="텍스트 개체 틀 1"/>
           <p:cNvSpPr>
             <a:spLocks noGrp="1"/>
           </p:cNvSpPr>
           <p:nvPr>
-            <p:ph type="body" sz="quarter" idx="12"/>
+            <p:ph type="body" sz="quarter" idx="10" hasCustomPrompt="1"/>
           </p:nvPr>
         </p:nvSpPr>
-        <p:spPr/>
+        <p:spPr>
+          <a:xfrm>
+            <a:off x="1577592" y="1800061"/>
+            <a:ext cx="826276" cy="461665"/>
+          </a:xfrm>
+        </p:spPr>
         <p:txBody>
           <a:bodyPr/>
           <a:lstStyle/>
           <a:p>
-            <a:pPr marL="0" indent="0">
-              <a:buNone/>
-            </a:pPr>
-            <a:r>
-              <a:rPr lang="ko-KR" altLang="en-US" b="1" dirty="0"/>
-              <a:t>강사 소개</a:t>
-            </a:r>
-          </a:p>
-        </p:txBody>
-      </p:sp>
-      <p:sp>
-        <p:nvSpPr>
-          <p:cNvPr id="9" name="텍스트 개체 틀 2">
-            <a:extLst>
-              <a:ext uri="{FF2B5EF4-FFF2-40B4-BE49-F238E27FC236}">
-                <a16:creationId xmlns:a16="http://schemas.microsoft.com/office/drawing/2014/main" id="{02183901-CCD3-4B8B-9B14-C9D0B48F70B9}"/>
-              </a:ext>
-            </a:extLst>
-          </p:cNvPr>
+            <a:r>
+              <a:rPr dirty="0"/>
+              <a:t>0</a:t>
+            </a:r>
+            <a:r>
+              <a:rPr lang="en-US" altLang="ko-KR" dirty="0"/>
+              <a:t>0</a:t>
+            </a:r>
+            <a:endParaRPr dirty="0"/>
+          </a:p>
+        </p:txBody>
+      </p:sp>
+      <p:sp>
+        <p:nvSpPr>
+          <p:cNvPr id="3" name="제목 2"/>
           <p:cNvSpPr>
             <a:spLocks noGrp="1"/>
           </p:cNvSpPr>
           <p:nvPr>
-            <p:ph type="body" sz="quarter" idx="10"/>
+            <p:ph type="title" hasCustomPrompt="1"/>
           </p:nvPr>
         </p:nvSpPr>
         <p:spPr>
           <a:xfrm>
-            <a:off x="577751" y="119334"/>
-            <a:ext cx="386922" cy="222136"/>
+            <a:off x="472440" y="2242743"/>
+            <a:ext cx="10515600" cy="556463"/>
           </a:xfrm>
         </p:spPr>
         <p:txBody>
@@ -8703,225 +8650,76 @@
           <a:lstStyle/>
           <a:p>
             <a:r>
-              <a:rPr lang="en-US" altLang="ko-KR" dirty="0"/>
-              <a:t>00</a:t>
-            </a:r>
-            <a:endParaRPr lang="ko-KR" altLang="en-US" dirty="0"/>
-          </a:p>
-        </p:txBody>
-      </p:sp>
-      <p:sp>
-        <p:nvSpPr>
-          <p:cNvPr id="10" name="내용 개체 틀 3">
-            <a:extLst>
-              <a:ext uri="{FF2B5EF4-FFF2-40B4-BE49-F238E27FC236}">
-                <a16:creationId xmlns:a16="http://schemas.microsoft.com/office/drawing/2014/main" id="{E174223D-5049-4D0F-A7FE-D3F30AA763B0}"/>
-              </a:ext>
-            </a:extLst>
-          </p:cNvPr>
-          <p:cNvSpPr txBox="1">
-            <a:spLocks/>
+              <a:rPr lang="ko-KR" altLang="en-US" dirty="0">
+                <a:solidFill>
+                  <a:srgbClr val="F0234B"/>
+                </a:solidFill>
+              </a:rPr>
+              <a:t>강의 소개</a:t>
+            </a:r>
+            <a:endParaRPr dirty="0">
+              <a:solidFill>
+                <a:srgbClr val="F0234B"/>
+              </a:solidFill>
+            </a:endParaRPr>
+          </a:p>
+        </p:txBody>
+      </p:sp>
+      <p:sp>
+        <p:nvSpPr>
+          <p:cNvPr id="4" name="텍스트 개체 틀 3"/>
+          <p:cNvSpPr>
+            <a:spLocks noGrp="1"/>
           </p:cNvSpPr>
-          <p:nvPr/>
-        </p:nvSpPr>
-        <p:spPr>
-          <a:xfrm>
-            <a:off x="757797" y="119277"/>
-            <a:ext cx="2200592" cy="222250"/>
-          </a:xfrm>
-          <a:prstGeom prst="rect">
-            <a:avLst/>
-          </a:prstGeom>
-          <a:ln>
-            <a:noFill/>
-          </a:ln>
+          <p:nvPr>
+            <p:ph type="body" sz="quarter" idx="11" hasCustomPrompt="1"/>
+          </p:nvPr>
+        </p:nvSpPr>
+        <p:spPr>
+          <a:xfrm>
+            <a:off x="821490" y="2877946"/>
+            <a:ext cx="10136057" cy="2081938"/>
+          </a:xfrm>
         </p:spPr>
         <p:txBody>
           <a:bodyPr/>
-          <a:lstStyle>
-            <a:lvl1pPr marL="0" indent="0" algn="l" defTabSz="914400" rtl="0" eaLnBrk="1" latinLnBrk="1" hangingPunct="1">
-              <a:lnSpc>
-                <a:spcPct val="90000"/>
-              </a:lnSpc>
-              <a:spcBef>
-                <a:spcPts val="1000"/>
-              </a:spcBef>
-              <a:buFont typeface="Arial" panose="020B0604020202020204" pitchFamily="34" charset="0"/>
-              <a:buNone/>
-              <a:defRPr sz="1000" kern="1200">
-                <a:ln>
-                  <a:solidFill>
-                    <a:schemeClr val="tx1">
-                      <a:alpha val="0"/>
-                    </a:schemeClr>
-                  </a:solidFill>
-                </a:ln>
+          <a:lstStyle/>
+          <a:p>
+            <a:r>
+              <a:rPr lang="ko-KR" altLang="en-US" dirty="0"/>
+              <a:t>금</a:t>
+            </a:r>
+            <a:r>
+              <a:rPr lang="ko-KR" altLang="en-US" dirty="0">
                 <a:solidFill>
-                  <a:schemeClr val="tx1"/>
+                  <a:srgbClr val="FFFFFF"/>
                 </a:solidFill>
-                <a:latin typeface="Noto Sans CJK KR Medium" panose="020B0600000000000000" pitchFamily="34" charset="-127"/>
-                <a:ea typeface="Noto Sans CJK KR Medium" panose="020B0600000000000000" pitchFamily="34" charset="-127"/>
-                <a:cs typeface="+mn-cs"/>
-              </a:defRPr>
-            </a:lvl1pPr>
-            <a:lvl2pPr marL="685800" indent="-228600" algn="l" defTabSz="914400" rtl="0" eaLnBrk="1" latinLnBrk="1" hangingPunct="1">
-              <a:lnSpc>
-                <a:spcPct val="90000"/>
-              </a:lnSpc>
-              <a:spcBef>
-                <a:spcPts val="500"/>
-              </a:spcBef>
-              <a:buFont typeface="Arial" panose="020B0604020202020204" pitchFamily="34" charset="0"/>
-              <a:buChar char="•"/>
-              <a:defRPr sz="2400" kern="1200">
-                <a:solidFill>
-                  <a:schemeClr val="tx1"/>
-                </a:solidFill>
-                <a:latin typeface="+mn-lt"/>
-                <a:ea typeface="+mn-ea"/>
-                <a:cs typeface="+mn-cs"/>
-              </a:defRPr>
-            </a:lvl2pPr>
-            <a:lvl3pPr marL="1143000" indent="-228600" algn="l" defTabSz="914400" rtl="0" eaLnBrk="1" latinLnBrk="1" hangingPunct="1">
-              <a:lnSpc>
-                <a:spcPct val="90000"/>
-              </a:lnSpc>
-              <a:spcBef>
-                <a:spcPts val="500"/>
-              </a:spcBef>
-              <a:buFont typeface="Arial" panose="020B0604020202020204" pitchFamily="34" charset="0"/>
-              <a:buChar char="•"/>
-              <a:defRPr sz="2000" kern="1200">
-                <a:solidFill>
-                  <a:schemeClr val="tx1"/>
-                </a:solidFill>
-                <a:latin typeface="+mn-lt"/>
-                <a:ea typeface="+mn-ea"/>
-                <a:cs typeface="+mn-cs"/>
-              </a:defRPr>
-            </a:lvl3pPr>
-            <a:lvl4pPr marL="1600200" indent="-228600" algn="l" defTabSz="914400" rtl="0" eaLnBrk="1" latinLnBrk="1" hangingPunct="1">
-              <a:lnSpc>
-                <a:spcPct val="90000"/>
-              </a:lnSpc>
-              <a:spcBef>
-                <a:spcPts val="500"/>
-              </a:spcBef>
-              <a:buFont typeface="Arial" panose="020B0604020202020204" pitchFamily="34" charset="0"/>
-              <a:buChar char="•"/>
-              <a:defRPr sz="1800" kern="1200">
-                <a:solidFill>
-                  <a:schemeClr val="tx1"/>
-                </a:solidFill>
-                <a:latin typeface="+mn-lt"/>
-                <a:ea typeface="+mn-ea"/>
-                <a:cs typeface="+mn-cs"/>
-              </a:defRPr>
-            </a:lvl4pPr>
-            <a:lvl5pPr marL="2057400" indent="-228600" algn="l" defTabSz="914400" rtl="0" eaLnBrk="1" latinLnBrk="1" hangingPunct="1">
-              <a:lnSpc>
-                <a:spcPct val="90000"/>
-              </a:lnSpc>
-              <a:spcBef>
-                <a:spcPts val="500"/>
-              </a:spcBef>
-              <a:buFont typeface="Arial" panose="020B0604020202020204" pitchFamily="34" charset="0"/>
-              <a:buChar char="•"/>
-              <a:defRPr sz="1800" kern="1200">
-                <a:solidFill>
-                  <a:schemeClr val="tx1"/>
-                </a:solidFill>
-                <a:latin typeface="+mn-lt"/>
-                <a:ea typeface="+mn-ea"/>
-                <a:cs typeface="+mn-cs"/>
-              </a:defRPr>
-            </a:lvl5pPr>
-            <a:lvl6pPr marL="2514600" indent="-228600" algn="l" defTabSz="914400" rtl="0" eaLnBrk="1" latinLnBrk="1" hangingPunct="1">
-              <a:lnSpc>
-                <a:spcPct val="90000"/>
-              </a:lnSpc>
-              <a:spcBef>
-                <a:spcPts val="500"/>
-              </a:spcBef>
-              <a:buFont typeface="Arial" panose="020B0604020202020204" pitchFamily="34" charset="0"/>
-              <a:buChar char="•"/>
-              <a:defRPr sz="1800" kern="1200">
-                <a:solidFill>
-                  <a:schemeClr val="tx1"/>
-                </a:solidFill>
-                <a:latin typeface="+mn-lt"/>
-                <a:ea typeface="+mn-ea"/>
-                <a:cs typeface="+mn-cs"/>
-              </a:defRPr>
-            </a:lvl6pPr>
-            <a:lvl7pPr marL="2971800" indent="-228600" algn="l" defTabSz="914400" rtl="0" eaLnBrk="1" latinLnBrk="1" hangingPunct="1">
-              <a:lnSpc>
-                <a:spcPct val="90000"/>
-              </a:lnSpc>
-              <a:spcBef>
-                <a:spcPts val="500"/>
-              </a:spcBef>
-              <a:buFont typeface="Arial" panose="020B0604020202020204" pitchFamily="34" charset="0"/>
-              <a:buChar char="•"/>
-              <a:defRPr sz="1800" kern="1200">
-                <a:solidFill>
-                  <a:schemeClr val="tx1"/>
-                </a:solidFill>
-                <a:latin typeface="+mn-lt"/>
-                <a:ea typeface="+mn-ea"/>
-                <a:cs typeface="+mn-cs"/>
-              </a:defRPr>
-            </a:lvl7pPr>
-            <a:lvl8pPr marL="3429000" indent="-228600" algn="l" defTabSz="914400" rtl="0" eaLnBrk="1" latinLnBrk="1" hangingPunct="1">
-              <a:lnSpc>
-                <a:spcPct val="90000"/>
-              </a:lnSpc>
-              <a:spcBef>
-                <a:spcPts val="500"/>
-              </a:spcBef>
-              <a:buFont typeface="Arial" panose="020B0604020202020204" pitchFamily="34" charset="0"/>
-              <a:buChar char="•"/>
-              <a:defRPr sz="1800" kern="1200">
-                <a:solidFill>
-                  <a:schemeClr val="tx1"/>
-                </a:solidFill>
-                <a:latin typeface="+mn-lt"/>
-                <a:ea typeface="+mn-ea"/>
-                <a:cs typeface="+mn-cs"/>
-              </a:defRPr>
-            </a:lvl8pPr>
-            <a:lvl9pPr marL="3886200" indent="-228600" algn="l" defTabSz="914400" rtl="0" eaLnBrk="1" latinLnBrk="1" hangingPunct="1">
-              <a:lnSpc>
-                <a:spcPct val="90000"/>
-              </a:lnSpc>
-              <a:spcBef>
-                <a:spcPts val="500"/>
-              </a:spcBef>
-              <a:buFont typeface="Arial" panose="020B0604020202020204" pitchFamily="34" charset="0"/>
-              <a:buChar char="•"/>
-              <a:defRPr sz="1800" kern="1200">
-                <a:solidFill>
-                  <a:schemeClr val="tx1"/>
-                </a:solidFill>
-                <a:latin typeface="+mn-lt"/>
-                <a:ea typeface="+mn-ea"/>
-                <a:cs typeface="+mn-cs"/>
-              </a:defRPr>
-            </a:lvl9pPr>
-          </a:lstStyle>
-          <a:p>
-            <a:r>
-              <a:rPr lang="ko-KR" altLang="en-US"/>
-              <a:t>강의 소개</a:t>
-            </a:r>
-            <a:endParaRPr lang="ko-KR" altLang="en-US" dirty="0"/>
+              </a:rPr>
+              <a:t>융</a:t>
+            </a:r>
+            <a:r>
+              <a:rPr lang="ko-KR" altLang="en-US" dirty="0"/>
+              <a:t> 데이터 분석을 위한</a:t>
+            </a:r>
+            <a:endParaRPr lang="en-US" altLang="ko-KR" dirty="0"/>
+          </a:p>
+          <a:p>
+            <a:r>
+              <a:rPr lang="en-US" dirty="0"/>
+              <a:t>R </a:t>
+            </a:r>
+            <a:r>
+              <a:rPr lang="ko-KR" altLang="en-US" dirty="0"/>
+              <a:t>프로그래밍 기초</a:t>
+            </a:r>
+            <a:endParaRPr dirty="0"/>
           </a:p>
         </p:txBody>
       </p:sp>
     </p:spTree>
     <p:extLst>
       <p:ext uri="{BB962C8B-B14F-4D97-AF65-F5344CB8AC3E}">
-        <p14:creationId xmlns:p14="http://schemas.microsoft.com/office/powerpoint/2010/main" val="2779348963"/>
+        <p14:creationId xmlns:p14="http://schemas.microsoft.com/office/powerpoint/2010/main" val="2706408443"/>
       </p:ext>
     </p:extLst>
   </p:cSld>
@@ -8950,61 +8748,70 @@
       </p:grpSpPr>
       <p:sp>
         <p:nvSpPr>
-          <p:cNvPr id="8" name="제목 3">
-            <a:extLst>
-              <a:ext uri="{FF2B5EF4-FFF2-40B4-BE49-F238E27FC236}">
-                <a16:creationId xmlns:a16="http://schemas.microsoft.com/office/drawing/2014/main" id="{BC3D074B-685C-4A78-A046-5F6B58E5A81D}"/>
-              </a:ext>
-            </a:extLst>
-          </p:cNvPr>
-          <p:cNvSpPr txBox="1">
-            <a:spLocks/>
+          <p:cNvPr id="2" name="제목 1">
+            <a:extLst>
+              <a:ext uri="{FF2B5EF4-FFF2-40B4-BE49-F238E27FC236}">
+                <a16:creationId xmlns:a16="http://schemas.microsoft.com/office/drawing/2014/main" id="{DCFF4024-D5D7-4AFD-B193-63EB4F02DEB3}"/>
+              </a:ext>
+            </a:extLst>
+          </p:cNvPr>
+          <p:cNvSpPr>
+            <a:spLocks noGrp="1"/>
           </p:cNvSpPr>
-          <p:nvPr/>
-        </p:nvSpPr>
-        <p:spPr>
-          <a:xfrm>
-            <a:off x="630867" y="2862057"/>
-            <a:ext cx="10930266" cy="1201773"/>
-          </a:xfrm>
-          <a:prstGeom prst="rect">
-            <a:avLst/>
-          </a:prstGeom>
-        </p:spPr>
+          <p:nvPr>
+            <p:ph type="title"/>
+          </p:nvPr>
+        </p:nvSpPr>
+        <p:spPr/>
         <p:txBody>
           <a:bodyPr/>
-          <a:lstStyle>
-            <a:lvl1pPr algn="l" defTabSz="914400" rtl="0" eaLnBrk="1" latinLnBrk="1" hangingPunct="1">
-              <a:lnSpc>
-                <a:spcPct val="90000"/>
-              </a:lnSpc>
-              <a:spcBef>
-                <a:spcPct val="0"/>
-              </a:spcBef>
-              <a:buNone/>
-              <a:defRPr sz="4400" kern="1200">
-                <a:solidFill>
-                  <a:schemeClr val="tx1"/>
-                </a:solidFill>
-                <a:latin typeface="+mj-lt"/>
-                <a:ea typeface="+mj-ea"/>
-                <a:cs typeface="+mj-cs"/>
-              </a:defRPr>
-            </a:lvl1pPr>
-          </a:lstStyle>
-          <a:p>
-            <a:pPr algn="ctr"/>
-            <a:r>
-              <a:rPr lang="ko-KR" altLang="en-US" sz="3600" b="1" dirty="0"/>
-              <a:t>강의의 목표</a:t>
-            </a:r>
+          <a:lstStyle/>
+          <a:p>
+            <a:r>
+              <a:rPr lang="ko-KR" altLang="en-US" dirty="0"/>
+              <a:t>이건 </a:t>
+            </a:r>
+            <a:r>
+              <a:rPr lang="ko-KR" altLang="en-US"/>
+              <a:t>중간 슬라이드입니다</a:t>
+            </a:r>
+            <a:r>
+              <a:rPr lang="en-US" altLang="ko-KR" dirty="0"/>
+              <a:t>.</a:t>
+            </a:r>
+            <a:endParaRPr lang="ko-KR" altLang="en-US" dirty="0"/>
+          </a:p>
+        </p:txBody>
+      </p:sp>
+      <p:sp>
+        <p:nvSpPr>
+          <p:cNvPr id="3" name="텍스트 개체 틀 2">
+            <a:extLst>
+              <a:ext uri="{FF2B5EF4-FFF2-40B4-BE49-F238E27FC236}">
+                <a16:creationId xmlns:a16="http://schemas.microsoft.com/office/drawing/2014/main" id="{84C0B4C0-133F-4D1A-BDDD-B9E944DF63A1}"/>
+              </a:ext>
+            </a:extLst>
+          </p:cNvPr>
+          <p:cNvSpPr>
+            <a:spLocks noGrp="1"/>
+          </p:cNvSpPr>
+          <p:nvPr>
+            <p:ph type="body" sz="quarter" idx="10"/>
+          </p:nvPr>
+        </p:nvSpPr>
+        <p:spPr/>
+        <p:txBody>
+          <a:bodyPr/>
+          <a:lstStyle/>
+          <a:p>
+            <a:endParaRPr lang="ko-KR" altLang="en-US"/>
           </a:p>
         </p:txBody>
       </p:sp>
     </p:spTree>
     <p:extLst>
       <p:ext uri="{BB962C8B-B14F-4D97-AF65-F5344CB8AC3E}">
-        <p14:creationId xmlns:p14="http://schemas.microsoft.com/office/powerpoint/2010/main" val="2323345167"/>
+        <p14:creationId xmlns:p14="http://schemas.microsoft.com/office/powerpoint/2010/main" val="231680727"/>
       </p:ext>
     </p:extLst>
   </p:cSld>
@@ -9047,7 +8854,7 @@
         </p:nvSpPr>
         <p:spPr>
           <a:xfrm>
-            <a:off x="630867" y="2316934"/>
+            <a:off x="630867" y="2862057"/>
             <a:ext cx="10930266" cy="1201773"/>
           </a:xfrm>
           <a:prstGeom prst="rect">
@@ -9076,18 +8883,10 @@
             </a:lvl1pPr>
           </a:lstStyle>
           <a:p>
-            <a:pPr algn="ctr">
-              <a:lnSpc>
-                <a:spcPct val="150000"/>
-              </a:lnSpc>
-            </a:pPr>
-            <a:r>
-              <a:rPr lang="en-US" altLang="ko-KR" sz="3600" dirty="0"/>
-              <a:t>R </a:t>
-            </a:r>
-            <a:r>
-              <a:rPr lang="ko-KR" altLang="en-US" sz="3600" dirty="0"/>
-              <a:t>프로그래밍 기초와 데이터 다루기</a:t>
+            <a:pPr algn="ctr"/>
+            <a:r>
+              <a:rPr lang="ko-KR" altLang="en-US" sz="3600" b="1" dirty="0"/>
+              <a:t>강의의 목표</a:t>
             </a:r>
           </a:p>
         </p:txBody>
@@ -9095,7 +8894,7 @@
     </p:spTree>
     <p:extLst>
       <p:ext uri="{BB962C8B-B14F-4D97-AF65-F5344CB8AC3E}">
-        <p14:creationId xmlns:p14="http://schemas.microsoft.com/office/powerpoint/2010/main" val="70107518"/>
+        <p14:creationId xmlns:p14="http://schemas.microsoft.com/office/powerpoint/2010/main" val="3656549564"/>
       </p:ext>
     </p:extLst>
   </p:cSld>
@@ -9124,27 +8923,68 @@
       </p:grpSpPr>
       <p:sp>
         <p:nvSpPr>
-          <p:cNvPr id="2" name="제목 1">
-            <a:extLst>
-              <a:ext uri="{FF2B5EF4-FFF2-40B4-BE49-F238E27FC236}">
-                <a16:creationId xmlns:a16="http://schemas.microsoft.com/office/drawing/2014/main" id="{3D448522-7010-4BE1-BE27-3AA2D0414BC0}"/>
-              </a:ext>
-            </a:extLst>
-          </p:cNvPr>
-          <p:cNvSpPr>
-            <a:spLocks noGrp="1"/>
+          <p:cNvPr id="8" name="제목 3">
+            <a:extLst>
+              <a:ext uri="{FF2B5EF4-FFF2-40B4-BE49-F238E27FC236}">
+                <a16:creationId xmlns:a16="http://schemas.microsoft.com/office/drawing/2014/main" id="{BC3D074B-685C-4A78-A046-5F6B58E5A81D}"/>
+              </a:ext>
+            </a:extLst>
+          </p:cNvPr>
+          <p:cNvSpPr txBox="1">
+            <a:spLocks/>
           </p:cNvSpPr>
-          <p:nvPr>
-            <p:ph type="title"/>
-          </p:nvPr>
-        </p:nvSpPr>
-        <p:spPr/>
+          <p:nvPr/>
+        </p:nvSpPr>
+        <p:spPr>
+          <a:xfrm>
+            <a:off x="630867" y="2316934"/>
+            <a:ext cx="10930266" cy="1201773"/>
+          </a:xfrm>
+          <a:prstGeom prst="rect">
+            <a:avLst/>
+          </a:prstGeom>
+        </p:spPr>
         <p:txBody>
           <a:bodyPr/>
-          <a:lstStyle/>
-          <a:p>
-            <a:r>
-              <a:rPr lang="ko-KR" altLang="en-US" dirty="0">
+          <a:lstStyle>
+            <a:lvl1pPr algn="l" defTabSz="914400" rtl="0" eaLnBrk="1" latinLnBrk="1" hangingPunct="1">
+              <a:lnSpc>
+                <a:spcPct val="90000"/>
+              </a:lnSpc>
+              <a:spcBef>
+                <a:spcPct val="0"/>
+              </a:spcBef>
+              <a:buNone/>
+              <a:defRPr sz="4400" kern="1200">
+                <a:solidFill>
+                  <a:schemeClr val="tx1"/>
+                </a:solidFill>
+                <a:latin typeface="+mj-lt"/>
+                <a:ea typeface="+mj-ea"/>
+                <a:cs typeface="+mj-cs"/>
+              </a:defRPr>
+            </a:lvl1pPr>
+          </a:lstStyle>
+          <a:p>
+            <a:pPr algn="ctr">
+              <a:lnSpc>
+                <a:spcPct val="150000"/>
+              </a:lnSpc>
+            </a:pPr>
+            <a:r>
+              <a:rPr lang="ko-KR" altLang="en-US" sz="3600" dirty="0"/>
+              <a:t>혼자 공부하기 어려운 부분을</a:t>
+            </a:r>
+            <a:endParaRPr lang="en-US" altLang="ko-KR" sz="3200" dirty="0"/>
+          </a:p>
+          <a:p>
+            <a:pPr algn="ctr">
+              <a:lnSpc>
+                <a:spcPct val="150000"/>
+              </a:lnSpc>
+            </a:pPr>
+            <a:r>
+              <a:rPr lang="ko-KR" altLang="en-US" sz="3600" dirty="0">
                 <a:solidFill>
                   <a:srgbClr val="F0234B"/>
                 </a:solidFill>
@@ -9152,125 +8992,21 @@
               <a:t>빠르게</a:t>
             </a:r>
             <a:r>
-              <a:rPr lang="ko-KR" altLang="en-US" dirty="0"/>
-              <a:t> 공부하기 위해서</a:t>
-            </a:r>
-          </a:p>
-        </p:txBody>
-      </p:sp>
-      <p:sp>
-        <p:nvSpPr>
-          <p:cNvPr id="3" name="텍스트 개체 틀 2">
-            <a:extLst>
-              <a:ext uri="{FF2B5EF4-FFF2-40B4-BE49-F238E27FC236}">
-                <a16:creationId xmlns:a16="http://schemas.microsoft.com/office/drawing/2014/main" id="{D7872CA9-264E-4F26-B6D7-AA4BF1E7FC75}"/>
-              </a:ext>
-            </a:extLst>
-          </p:cNvPr>
-          <p:cNvSpPr>
-            <a:spLocks noGrp="1"/>
-          </p:cNvSpPr>
-          <p:nvPr>
-            <p:ph type="body" sz="quarter" idx="10"/>
-          </p:nvPr>
-        </p:nvSpPr>
-        <p:spPr/>
-        <p:txBody>
-          <a:bodyPr/>
-          <a:lstStyle/>
-          <a:p>
-            <a:r>
-              <a:rPr lang="en-US" altLang="ko-KR" dirty="0"/>
-              <a:t>00</a:t>
-            </a:r>
-            <a:endParaRPr lang="ko-KR" altLang="en-US" dirty="0"/>
-          </a:p>
-        </p:txBody>
-      </p:sp>
-      <p:sp>
-        <p:nvSpPr>
-          <p:cNvPr id="4" name="내용 개체 틀 3">
-            <a:extLst>
-              <a:ext uri="{FF2B5EF4-FFF2-40B4-BE49-F238E27FC236}">
-                <a16:creationId xmlns:a16="http://schemas.microsoft.com/office/drawing/2014/main" id="{9F38E2E2-ADCF-4FEC-AB6E-0F88A4E38410}"/>
-              </a:ext>
-            </a:extLst>
-          </p:cNvPr>
-          <p:cNvSpPr>
-            <a:spLocks noGrp="1"/>
-          </p:cNvSpPr>
-          <p:nvPr>
-            <p:ph sz="quarter" idx="11"/>
-          </p:nvPr>
-        </p:nvSpPr>
-        <p:spPr/>
-        <p:txBody>
-          <a:bodyPr/>
-          <a:lstStyle/>
-          <a:p>
-            <a:r>
-              <a:rPr lang="ko-KR" altLang="en-US" dirty="0"/>
-              <a:t>강의 소개</a:t>
-            </a:r>
-          </a:p>
-        </p:txBody>
-      </p:sp>
-      <p:sp>
-        <p:nvSpPr>
-          <p:cNvPr id="5" name="텍스트 개체 틀 4">
-            <a:extLst>
-              <a:ext uri="{FF2B5EF4-FFF2-40B4-BE49-F238E27FC236}">
-                <a16:creationId xmlns:a16="http://schemas.microsoft.com/office/drawing/2014/main" id="{66D6AE74-76CA-4B5C-A3FC-C41D7444B243}"/>
-              </a:ext>
-            </a:extLst>
-          </p:cNvPr>
-          <p:cNvSpPr>
-            <a:spLocks noGrp="1"/>
-          </p:cNvSpPr>
-          <p:nvPr>
-            <p:ph type="body" sz="quarter" idx="12"/>
-          </p:nvPr>
-        </p:nvSpPr>
-        <p:spPr/>
-        <p:txBody>
-          <a:bodyPr/>
-          <a:lstStyle/>
-          <a:p>
-            <a:r>
-              <a:rPr lang="ko-KR" altLang="en-US" dirty="0"/>
-              <a:t>자주 사용하는 함수를 학습</a:t>
-            </a:r>
-            <a:endParaRPr lang="en-US" altLang="ko-KR" dirty="0"/>
-          </a:p>
-          <a:p>
-            <a:endParaRPr lang="ko-KR" altLang="en-US" dirty="0"/>
-          </a:p>
-          <a:p>
-            <a:r>
-              <a:rPr lang="en-US" altLang="ko-KR" dirty="0"/>
-              <a:t>cheat sheet, help page</a:t>
-            </a:r>
-            <a:r>
-              <a:rPr lang="ko-KR" altLang="en-US" dirty="0"/>
-              <a:t>를 사전처럼 활용</a:t>
-            </a:r>
-            <a:endParaRPr lang="en-US" altLang="ko-KR" dirty="0"/>
-          </a:p>
-          <a:p>
-            <a:endParaRPr lang="ko-KR" altLang="en-US" dirty="0"/>
-          </a:p>
-          <a:p>
-            <a:r>
-              <a:rPr lang="ko-KR" altLang="en-US" dirty="0"/>
-              <a:t>개인 프로젝트 진행</a:t>
-            </a:r>
+              <a:rPr lang="ko-KR" altLang="en-US" sz="3600" dirty="0"/>
+              <a:t> 이해하도록 돕는다</a:t>
+            </a:r>
+            <a:r>
+              <a:rPr lang="en-US" altLang="ko-KR" sz="3600" dirty="0"/>
+              <a:t>.</a:t>
+            </a:r>
+            <a:endParaRPr lang="ko-KR" altLang="en-US" sz="3600" dirty="0"/>
           </a:p>
         </p:txBody>
       </p:sp>
     </p:spTree>
     <p:extLst>
       <p:ext uri="{BB962C8B-B14F-4D97-AF65-F5344CB8AC3E}">
-        <p14:creationId xmlns:p14="http://schemas.microsoft.com/office/powerpoint/2010/main" val="2773528604"/>
+        <p14:creationId xmlns:p14="http://schemas.microsoft.com/office/powerpoint/2010/main" val="70107518"/>
       </p:ext>
     </p:extLst>
   </p:cSld>
@@ -9436,16 +9172,8 @@
           </a:p>
           <a:p>
             <a:r>
-              <a:rPr lang="ko-KR" altLang="en-US" dirty="0" err="1"/>
-              <a:t>작은</a:t>
-            </a:r>
-            <a:r>
-              <a:rPr lang="ko-KR" altLang="en-US" i="1" strike="sngStrike" dirty="0" err="1"/>
-              <a:t>개인</a:t>
-            </a:r>
-            <a:r>
               <a:rPr lang="ko-KR" altLang="en-US" dirty="0"/>
-              <a:t> 프로젝트 진행</a:t>
+              <a:t>개인 프로젝트 진행</a:t>
             </a:r>
           </a:p>
         </p:txBody>
@@ -9453,7 +9181,7 @@
     </p:spTree>
     <p:extLst>
       <p:ext uri="{BB962C8B-B14F-4D97-AF65-F5344CB8AC3E}">
-        <p14:creationId xmlns:p14="http://schemas.microsoft.com/office/powerpoint/2010/main" val="1400417564"/>
+        <p14:creationId xmlns:p14="http://schemas.microsoft.com/office/powerpoint/2010/main" val="2773528604"/>
       </p:ext>
     </p:extLst>
   </p:cSld>
@@ -9482,10 +9210,10 @@
       </p:grpSpPr>
       <p:sp>
         <p:nvSpPr>
-          <p:cNvPr id="4" name="제목 3">
-            <a:extLst>
-              <a:ext uri="{FF2B5EF4-FFF2-40B4-BE49-F238E27FC236}">
-                <a16:creationId xmlns:a16="http://schemas.microsoft.com/office/drawing/2014/main" id="{D524399C-6534-4AC0-B6C8-0F875D9D7EF7}"/>
+          <p:cNvPr id="2" name="제목 1">
+            <a:extLst>
+              <a:ext uri="{FF2B5EF4-FFF2-40B4-BE49-F238E27FC236}">
+                <a16:creationId xmlns:a16="http://schemas.microsoft.com/office/drawing/2014/main" id="{3D448522-7010-4BE1-BE27-3AA2D0414BC0}"/>
               </a:ext>
             </a:extLst>
           </p:cNvPr>
@@ -9502,18 +9230,26 @@
           <a:lstStyle/>
           <a:p>
             <a:r>
+              <a:rPr lang="ko-KR" altLang="en-US" dirty="0">
+                <a:solidFill>
+                  <a:srgbClr val="F0234B"/>
+                </a:solidFill>
+              </a:rPr>
+              <a:t>빠르게</a:t>
+            </a:r>
+            <a:r>
               <a:rPr lang="ko-KR" altLang="en-US" dirty="0"/>
-              <a:t>강의를 통해 얻을 수 있는 것</a:t>
-            </a:r>
-          </a:p>
-        </p:txBody>
-      </p:sp>
-      <p:sp>
-        <p:nvSpPr>
-          <p:cNvPr id="5" name="텍스트 개체 틀 4">
-            <a:extLst>
-              <a:ext uri="{FF2B5EF4-FFF2-40B4-BE49-F238E27FC236}">
-                <a16:creationId xmlns:a16="http://schemas.microsoft.com/office/drawing/2014/main" id="{14205D56-F1E1-4F57-9639-775614A7FE10}"/>
+              <a:t> 공부하기 위해서</a:t>
+            </a:r>
+          </a:p>
+        </p:txBody>
+      </p:sp>
+      <p:sp>
+        <p:nvSpPr>
+          <p:cNvPr id="3" name="텍스트 개체 틀 2">
+            <a:extLst>
+              <a:ext uri="{FF2B5EF4-FFF2-40B4-BE49-F238E27FC236}">
+                <a16:creationId xmlns:a16="http://schemas.microsoft.com/office/drawing/2014/main" id="{D7872CA9-264E-4F26-B6D7-AA4BF1E7FC75}"/>
               </a:ext>
             </a:extLst>
           </p:cNvPr>
@@ -9539,10 +9275,10 @@
       </p:sp>
       <p:sp>
         <p:nvSpPr>
-          <p:cNvPr id="6" name="내용 개체 틀 5">
-            <a:extLst>
-              <a:ext uri="{FF2B5EF4-FFF2-40B4-BE49-F238E27FC236}">
-                <a16:creationId xmlns:a16="http://schemas.microsoft.com/office/drawing/2014/main" id="{A78B14C7-F8C1-4FD3-B4BE-9CF29D0443FF}"/>
+          <p:cNvPr id="4" name="내용 개체 틀 3">
+            <a:extLst>
+              <a:ext uri="{FF2B5EF4-FFF2-40B4-BE49-F238E27FC236}">
+                <a16:creationId xmlns:a16="http://schemas.microsoft.com/office/drawing/2014/main" id="{9F38E2E2-ADCF-4FEC-AB6E-0F88A4E38410}"/>
               </a:ext>
             </a:extLst>
           </p:cNvPr>
@@ -9567,10 +9303,10 @@
       </p:sp>
       <p:sp>
         <p:nvSpPr>
-          <p:cNvPr id="7" name="텍스트 개체 틀 6">
-            <a:extLst>
-              <a:ext uri="{FF2B5EF4-FFF2-40B4-BE49-F238E27FC236}">
-                <a16:creationId xmlns:a16="http://schemas.microsoft.com/office/drawing/2014/main" id="{27BD6C36-4410-4900-904F-9FE3929CD7A4}"/>
+          <p:cNvPr id="5" name="텍스트 개체 틀 4">
+            <a:extLst>
+              <a:ext uri="{FF2B5EF4-FFF2-40B4-BE49-F238E27FC236}">
+                <a16:creationId xmlns:a16="http://schemas.microsoft.com/office/drawing/2014/main" id="{66D6AE74-76CA-4B5C-A3FC-C41D7444B243}"/>
               </a:ext>
             </a:extLst>
           </p:cNvPr>
@@ -9588,58 +9324,47 @@
           <a:p>
             <a:r>
               <a:rPr lang="ko-KR" altLang="en-US" dirty="0"/>
-              <a:t>다른 </a:t>
-            </a:r>
+              <a:t>자주 사용하는 함수를 학습</a:t>
+            </a:r>
+            <a:endParaRPr lang="en-US" altLang="ko-KR" dirty="0"/>
+          </a:p>
+          <a:p>
+            <a:endParaRPr lang="ko-KR" altLang="en-US" dirty="0"/>
+          </a:p>
+          <a:p>
             <a:r>
               <a:rPr lang="en-US" altLang="ko-KR" dirty="0"/>
-              <a:t>R </a:t>
+              <a:t>cheat sheet, help page</a:t>
             </a:r>
             <a:r>
               <a:rPr lang="ko-KR" altLang="en-US" dirty="0"/>
-              <a:t>코드를 읽고 이해할 수 있는 능력</a:t>
-            </a:r>
-          </a:p>
-          <a:p>
+              <a:t>를 사전처럼 활용</a:t>
+            </a:r>
             <a:endParaRPr lang="en-US" altLang="ko-KR" dirty="0"/>
           </a:p>
           <a:p>
+            <a:endParaRPr lang="ko-KR" altLang="en-US" dirty="0"/>
+          </a:p>
+          <a:p>
+            <a:r>
+              <a:rPr lang="ko-KR" altLang="en-US" dirty="0" err="1"/>
+              <a:t>작은</a:t>
+            </a:r>
+            <a:r>
+              <a:rPr lang="ko-KR" altLang="en-US" i="1" strike="sngStrike" dirty="0" err="1"/>
+              <a:t>개인</a:t>
+            </a:r>
             <a:r>
               <a:rPr lang="ko-KR" altLang="en-US" dirty="0"/>
-              <a:t>코딩에 고민하는 시간을 아껴주는 유용한 패키지들</a:t>
-            </a:r>
-            <a:endParaRPr lang="en-US" altLang="ko-KR" dirty="0"/>
-          </a:p>
-          <a:p>
-            <a:endParaRPr lang="en-US" altLang="ko-KR" dirty="0"/>
-          </a:p>
-          <a:p>
-            <a:r>
-              <a:rPr lang="en-US" altLang="ko-KR" dirty="0"/>
-              <a:t>(</a:t>
-            </a:r>
-            <a:r>
-              <a:rPr lang="ko-KR" altLang="en-US" dirty="0"/>
-              <a:t>시계열</a:t>
-            </a:r>
-            <a:r>
-              <a:rPr lang="en-US" altLang="ko-KR" dirty="0"/>
-              <a:t>) </a:t>
-            </a:r>
-            <a:r>
-              <a:rPr lang="ko-KR" altLang="en-US" dirty="0"/>
-              <a:t>데이터를 다루는 방법</a:t>
-            </a:r>
-            <a:endParaRPr lang="en-US" altLang="ko-KR" dirty="0"/>
-          </a:p>
-          <a:p>
-            <a:endParaRPr lang="en-US" altLang="ko-KR" dirty="0"/>
+              <a:t> 프로젝트 진행</a:t>
+            </a:r>
           </a:p>
         </p:txBody>
       </p:sp>
     </p:spTree>
     <p:extLst>
       <p:ext uri="{BB962C8B-B14F-4D97-AF65-F5344CB8AC3E}">
-        <p14:creationId xmlns:p14="http://schemas.microsoft.com/office/powerpoint/2010/main" val="1432872293"/>
+        <p14:creationId xmlns:p14="http://schemas.microsoft.com/office/powerpoint/2010/main" val="1400417564"/>
       </p:ext>
     </p:extLst>
   </p:cSld>
@@ -9671,7 +9396,7 @@
           <p:cNvPr id="2" name="제목 1">
             <a:extLst>
               <a:ext uri="{FF2B5EF4-FFF2-40B4-BE49-F238E27FC236}">
-                <a16:creationId xmlns:a16="http://schemas.microsoft.com/office/drawing/2014/main" id="{87F7FAB7-DDA6-48D4-8248-6C40A00852FD}"/>
+                <a16:creationId xmlns:a16="http://schemas.microsoft.com/office/drawing/2014/main" id="{F525E89E-A6E6-4AC2-BF72-3F3238342DD5}"/>
               </a:ext>
             </a:extLst>
           </p:cNvPr>
@@ -9687,14 +9412,7 @@
           <a:bodyPr/>
           <a:lstStyle/>
           <a:p>
-            <a:r>
-              <a:rPr lang="en-US" altLang="ko-KR" dirty="0"/>
-              <a:t>R </a:t>
-            </a:r>
-            <a:r>
-              <a:rPr lang="ko-KR" altLang="en-US" dirty="0"/>
-              <a:t>생태계 소개</a:t>
-            </a:r>
+            <a:endParaRPr lang="ko-KR" altLang="en-US"/>
           </a:p>
         </p:txBody>
       </p:sp>
@@ -9703,7 +9421,7 @@
           <p:cNvPr id="3" name="텍스트 개체 틀 2">
             <a:extLst>
               <a:ext uri="{FF2B5EF4-FFF2-40B4-BE49-F238E27FC236}">
-                <a16:creationId xmlns:a16="http://schemas.microsoft.com/office/drawing/2014/main" id="{A7C28AF4-6C68-4FEE-A2C9-6984F14CF598}"/>
+                <a16:creationId xmlns:a16="http://schemas.microsoft.com/office/drawing/2014/main" id="{7FDB8D85-9A8F-4930-86D2-76E86C08B91E}"/>
               </a:ext>
             </a:extLst>
           </p:cNvPr>
@@ -9719,11 +9437,7 @@
           <a:bodyPr/>
           <a:lstStyle/>
           <a:p>
-            <a:r>
-              <a:rPr lang="en-US" altLang="ko-KR" dirty="0"/>
-              <a:t>00</a:t>
-            </a:r>
-            <a:endParaRPr lang="ko-KR" altLang="en-US" dirty="0"/>
+            <a:endParaRPr lang="ko-KR" altLang="en-US"/>
           </a:p>
         </p:txBody>
       </p:sp>
@@ -9732,7 +9446,7 @@
           <p:cNvPr id="4" name="내용 개체 틀 3">
             <a:extLst>
               <a:ext uri="{FF2B5EF4-FFF2-40B4-BE49-F238E27FC236}">
-                <a16:creationId xmlns:a16="http://schemas.microsoft.com/office/drawing/2014/main" id="{2D68EABD-D500-47A5-A6E5-B07A501D8CC1}"/>
+                <a16:creationId xmlns:a16="http://schemas.microsoft.com/office/drawing/2014/main" id="{AEBCAB44-53B9-4D1E-8662-0B2DC1AC4FD0}"/>
               </a:ext>
             </a:extLst>
           </p:cNvPr>
@@ -9748,53 +9462,39 @@
           <a:bodyPr/>
           <a:lstStyle/>
           <a:p>
-            <a:r>
-              <a:rPr lang="ko-KR" altLang="en-US" dirty="0"/>
-              <a:t>강의 소개</a:t>
-            </a:r>
-          </a:p>
-        </p:txBody>
-      </p:sp>
-      <p:pic>
-        <p:nvPicPr>
-          <p:cNvPr id="10" name="그림 9">
-            <a:extLst>
-              <a:ext uri="{FF2B5EF4-FFF2-40B4-BE49-F238E27FC236}">
-                <a16:creationId xmlns:a16="http://schemas.microsoft.com/office/drawing/2014/main" id="{2C00CDC7-CD25-49DB-8B9C-A80EA6B17FF6}"/>
-              </a:ext>
-            </a:extLst>
-          </p:cNvPr>
-          <p:cNvPicPr>
-            <a:picLocks noChangeAspect="1"/>
-          </p:cNvPicPr>
-          <p:nvPr/>
-        </p:nvPicPr>
-        <p:blipFill>
-          <a:blip r:embed="rId2">
-            <a:extLst>
-              <a:ext uri="{28A0092B-C50C-407E-A947-70E740481C1C}">
-                <a14:useLocalDpi xmlns:a14="http://schemas.microsoft.com/office/drawing/2010/main" val="0"/>
-              </a:ext>
-            </a:extLst>
-          </a:blip>
-          <a:stretch>
-            <a:fillRect/>
-          </a:stretch>
-        </p:blipFill>
-        <p:spPr>
-          <a:xfrm>
-            <a:off x="3718001" y="1901336"/>
-            <a:ext cx="3940719" cy="3055327"/>
-          </a:xfrm>
-          <a:prstGeom prst="rect">
-            <a:avLst/>
-          </a:prstGeom>
-        </p:spPr>
-      </p:pic>
+            <a:endParaRPr lang="ko-KR" altLang="en-US"/>
+          </a:p>
+        </p:txBody>
+      </p:sp>
+      <p:sp>
+        <p:nvSpPr>
+          <p:cNvPr id="5" name="텍스트 개체 틀 4">
+            <a:extLst>
+              <a:ext uri="{FF2B5EF4-FFF2-40B4-BE49-F238E27FC236}">
+                <a16:creationId xmlns:a16="http://schemas.microsoft.com/office/drawing/2014/main" id="{3A1175AD-8562-49B9-AB27-ABF73D066122}"/>
+              </a:ext>
+            </a:extLst>
+          </p:cNvPr>
+          <p:cNvSpPr>
+            <a:spLocks noGrp="1"/>
+          </p:cNvSpPr>
+          <p:nvPr>
+            <p:ph type="body" sz="quarter" idx="12"/>
+          </p:nvPr>
+        </p:nvSpPr>
+        <p:spPr/>
+        <p:txBody>
+          <a:bodyPr/>
+          <a:lstStyle/>
+          <a:p>
+            <a:endParaRPr lang="ko-KR" altLang="en-US"/>
+          </a:p>
+        </p:txBody>
+      </p:sp>
     </p:spTree>
     <p:extLst>
       <p:ext uri="{BB962C8B-B14F-4D97-AF65-F5344CB8AC3E}">
-        <p14:creationId xmlns:p14="http://schemas.microsoft.com/office/powerpoint/2010/main" val="583845475"/>
+        <p14:creationId xmlns:p14="http://schemas.microsoft.com/office/powerpoint/2010/main" val="3667496957"/>
       </p:ext>
     </p:extLst>
   </p:cSld>
@@ -9821,59 +9521,12 @@
           <a:chExt cx="0" cy="0"/>
         </a:xfrm>
       </p:grpSpPr>
-      <p:pic>
-        <p:nvPicPr>
-          <p:cNvPr id="1030" name="Picture 6" descr="https://revolution-computing.typepad.com/.a/6a010534b1db25970b01b7c7aac5fe970b-pi">
-            <a:extLst>
-              <a:ext uri="{FF2B5EF4-FFF2-40B4-BE49-F238E27FC236}">
-                <a16:creationId xmlns:a16="http://schemas.microsoft.com/office/drawing/2014/main" id="{45151BB5-FE0E-401A-9112-E12E9EACE04A}"/>
-              </a:ext>
-            </a:extLst>
-          </p:cNvPr>
-          <p:cNvPicPr>
-            <a:picLocks noChangeAspect="1" noChangeArrowheads="1"/>
-          </p:cNvPicPr>
-          <p:nvPr/>
-        </p:nvPicPr>
-        <p:blipFill>
-          <a:blip r:embed="rId2">
-            <a:extLst>
-              <a:ext uri="{28A0092B-C50C-407E-A947-70E740481C1C}">
-                <a14:useLocalDpi xmlns:a14="http://schemas.microsoft.com/office/drawing/2010/main" val="0"/>
-              </a:ext>
-            </a:extLst>
-          </a:blip>
-          <a:srcRect/>
-          <a:stretch>
-            <a:fillRect/>
-          </a:stretch>
-        </p:blipFill>
-        <p:spPr bwMode="auto">
-          <a:xfrm>
-            <a:off x="1222637" y="435219"/>
-            <a:ext cx="8931447" cy="5987562"/>
-          </a:xfrm>
-          <a:prstGeom prst="rect">
-            <a:avLst/>
-          </a:prstGeom>
-          <a:noFill/>
-          <a:extLst>
-            <a:ext uri="{909E8E84-426E-40DD-AFC4-6F175D3DCCD1}">
-              <a14:hiddenFill xmlns:a14="http://schemas.microsoft.com/office/drawing/2010/main">
-                <a:solidFill>
-                  <a:srgbClr val="FFFFFF"/>
-                </a:solidFill>
-              </a14:hiddenFill>
-            </a:ext>
-          </a:extLst>
-        </p:spPr>
-      </p:pic>
-      <p:sp>
-        <p:nvSpPr>
-          <p:cNvPr id="2" name="제목 1">
-            <a:extLst>
-              <a:ext uri="{FF2B5EF4-FFF2-40B4-BE49-F238E27FC236}">
-                <a16:creationId xmlns:a16="http://schemas.microsoft.com/office/drawing/2014/main" id="{87F7FAB7-DDA6-48D4-8248-6C40A00852FD}"/>
+      <p:sp>
+        <p:nvSpPr>
+          <p:cNvPr id="4" name="제목 3">
+            <a:extLst>
+              <a:ext uri="{FF2B5EF4-FFF2-40B4-BE49-F238E27FC236}">
+                <a16:creationId xmlns:a16="http://schemas.microsoft.com/office/drawing/2014/main" id="{D524399C-6534-4AC0-B6C8-0F875D9D7EF7}"/>
               </a:ext>
             </a:extLst>
           </p:cNvPr>
@@ -9890,22 +9543,18 @@
           <a:lstStyle/>
           <a:p>
             <a:r>
-              <a:rPr lang="en-US" altLang="ko-KR" dirty="0"/>
-              <a:t>R </a:t>
-            </a:r>
-            <a:r>
               <a:rPr lang="ko-KR" altLang="en-US" dirty="0"/>
-              <a:t>생태계 소개</a:t>
-            </a:r>
-          </a:p>
-        </p:txBody>
-      </p:sp>
-      <p:sp>
-        <p:nvSpPr>
-          <p:cNvPr id="3" name="텍스트 개체 틀 2">
-            <a:extLst>
-              <a:ext uri="{FF2B5EF4-FFF2-40B4-BE49-F238E27FC236}">
-                <a16:creationId xmlns:a16="http://schemas.microsoft.com/office/drawing/2014/main" id="{A7C28AF4-6C68-4FEE-A2C9-6984F14CF598}"/>
+              <a:t>강의를 통해 얻을 수 있는 것</a:t>
+            </a:r>
+          </a:p>
+        </p:txBody>
+      </p:sp>
+      <p:sp>
+        <p:nvSpPr>
+          <p:cNvPr id="5" name="텍스트 개체 틀 4">
+            <a:extLst>
+              <a:ext uri="{FF2B5EF4-FFF2-40B4-BE49-F238E27FC236}">
+                <a16:creationId xmlns:a16="http://schemas.microsoft.com/office/drawing/2014/main" id="{14205D56-F1E1-4F57-9639-775614A7FE10}"/>
               </a:ext>
             </a:extLst>
           </p:cNvPr>
@@ -9931,10 +9580,10 @@
       </p:sp>
       <p:sp>
         <p:nvSpPr>
-          <p:cNvPr id="4" name="내용 개체 틀 3">
-            <a:extLst>
-              <a:ext uri="{FF2B5EF4-FFF2-40B4-BE49-F238E27FC236}">
-                <a16:creationId xmlns:a16="http://schemas.microsoft.com/office/drawing/2014/main" id="{2D68EABD-D500-47A5-A6E5-B07A501D8CC1}"/>
+          <p:cNvPr id="6" name="내용 개체 틀 5">
+            <a:extLst>
+              <a:ext uri="{FF2B5EF4-FFF2-40B4-BE49-F238E27FC236}">
+                <a16:creationId xmlns:a16="http://schemas.microsoft.com/office/drawing/2014/main" id="{A78B14C7-F8C1-4FD3-B4BE-9CF29D0443FF}"/>
               </a:ext>
             </a:extLst>
           </p:cNvPr>
@@ -9957,10 +9606,81 @@
           </a:p>
         </p:txBody>
       </p:sp>
+      <p:sp>
+        <p:nvSpPr>
+          <p:cNvPr id="7" name="텍스트 개체 틀 6">
+            <a:extLst>
+              <a:ext uri="{FF2B5EF4-FFF2-40B4-BE49-F238E27FC236}">
+                <a16:creationId xmlns:a16="http://schemas.microsoft.com/office/drawing/2014/main" id="{27BD6C36-4410-4900-904F-9FE3929CD7A4}"/>
+              </a:ext>
+            </a:extLst>
+          </p:cNvPr>
+          <p:cNvSpPr>
+            <a:spLocks noGrp="1"/>
+          </p:cNvSpPr>
+          <p:nvPr>
+            <p:ph type="body" sz="quarter" idx="12"/>
+          </p:nvPr>
+        </p:nvSpPr>
+        <p:spPr/>
+        <p:txBody>
+          <a:bodyPr/>
+          <a:lstStyle/>
+          <a:p>
+            <a:r>
+              <a:rPr lang="ko-KR" altLang="en-US" dirty="0"/>
+              <a:t>다른 </a:t>
+            </a:r>
+            <a:r>
+              <a:rPr lang="en-US" altLang="ko-KR" dirty="0"/>
+              <a:t>R </a:t>
+            </a:r>
+            <a:r>
+              <a:rPr lang="ko-KR" altLang="en-US" dirty="0"/>
+              <a:t>코드를 읽고 이해할 수 있는 능력</a:t>
+            </a:r>
+          </a:p>
+          <a:p>
+            <a:endParaRPr lang="en-US" altLang="ko-KR" dirty="0"/>
+          </a:p>
+          <a:p>
+            <a:r>
+              <a:rPr lang="ko-KR" altLang="en-US" dirty="0"/>
+              <a:t>코딩에 고민하는 시간을 아껴주는 유용한 패키지들</a:t>
+            </a:r>
+            <a:endParaRPr lang="en-US" altLang="ko-KR" dirty="0"/>
+          </a:p>
+          <a:p>
+            <a:endParaRPr lang="en-US" altLang="ko-KR" dirty="0"/>
+          </a:p>
+          <a:p>
+            <a:r>
+              <a:rPr lang="en-US" altLang="ko-KR" dirty="0"/>
+              <a:t>(</a:t>
+            </a:r>
+            <a:r>
+              <a:rPr lang="ko-KR" altLang="en-US" dirty="0"/>
+              <a:t>시계열</a:t>
+            </a:r>
+            <a:r>
+              <a:rPr lang="en-US" altLang="ko-KR" dirty="0"/>
+              <a:t>) </a:t>
+            </a:r>
+            <a:r>
+              <a:rPr lang="ko-KR" altLang="en-US" dirty="0"/>
+              <a:t>데이터를 다루는 방법</a:t>
+            </a:r>
+            <a:endParaRPr lang="en-US" altLang="ko-KR" dirty="0"/>
+          </a:p>
+          <a:p>
+            <a:endParaRPr lang="en-US" altLang="ko-KR" dirty="0"/>
+          </a:p>
+        </p:txBody>
+      </p:sp>
     </p:spTree>
     <p:extLst>
       <p:ext uri="{BB962C8B-B14F-4D97-AF65-F5344CB8AC3E}">
-        <p14:creationId xmlns:p14="http://schemas.microsoft.com/office/powerpoint/2010/main" val="2810511851"/>
+        <p14:creationId xmlns:p14="http://schemas.microsoft.com/office/powerpoint/2010/main" val="1432872293"/>
       </p:ext>
     </p:extLst>
   </p:cSld>
